--- a/Paper/자료/논문그림.pptx
+++ b/Paper/자료/논문그림.pptx
@@ -5,12 +5,13 @@
     <p:sldMasterId id="2147483648" r:id="rId1"/>
   </p:sldMasterIdLst>
   <p:notesMasterIdLst>
-    <p:notesMasterId r:id="rId5"/>
+    <p:notesMasterId r:id="rId6"/>
   </p:notesMasterIdLst>
   <p:sldIdLst>
     <p:sldId id="260" r:id="rId2"/>
     <p:sldId id="261" r:id="rId3"/>
-    <p:sldId id="262" r:id="rId4"/>
+    <p:sldId id="263" r:id="rId4"/>
+    <p:sldId id="262" r:id="rId5"/>
   </p:sldIdLst>
   <p:sldSz cx="12192000" cy="6858000"/>
   <p:notesSz cx="6858000" cy="9144000"/>
@@ -202,7 +203,7 @@
           <a:p>
             <a:fld id="{DF808D06-9E3F-44FB-93F2-5318620A4091}" type="datetimeFigureOut">
               <a:rPr lang="ko-KR" altLang="en-US" smtClean="0"/>
-              <a:t>2024-09-02</a:t>
+              <a:t>2024-09-13</a:t>
             </a:fld>
             <a:endParaRPr lang="ko-KR" altLang="en-US"/>
           </a:p>
@@ -616,7 +617,7 @@
           <a:p>
             <a:fld id="{1E28F0D3-E3FD-49FD-8E82-3F8837207BDD}" type="datetimeFigureOut">
               <a:rPr lang="ko-KR" altLang="en-US" smtClean="0"/>
-              <a:t>2024-09-02</a:t>
+              <a:t>2024-09-13</a:t>
             </a:fld>
             <a:endParaRPr lang="ko-KR" altLang="en-US"/>
           </a:p>
@@ -814,7 +815,7 @@
           <a:p>
             <a:fld id="{1E28F0D3-E3FD-49FD-8E82-3F8837207BDD}" type="datetimeFigureOut">
               <a:rPr lang="ko-KR" altLang="en-US" smtClean="0"/>
-              <a:t>2024-09-02</a:t>
+              <a:t>2024-09-13</a:t>
             </a:fld>
             <a:endParaRPr lang="ko-KR" altLang="en-US"/>
           </a:p>
@@ -1022,7 +1023,7 @@
           <a:p>
             <a:fld id="{1E28F0D3-E3FD-49FD-8E82-3F8837207BDD}" type="datetimeFigureOut">
               <a:rPr lang="ko-KR" altLang="en-US" smtClean="0"/>
-              <a:t>2024-09-02</a:t>
+              <a:t>2024-09-13</a:t>
             </a:fld>
             <a:endParaRPr lang="ko-KR" altLang="en-US"/>
           </a:p>
@@ -1220,7 +1221,7 @@
           <a:p>
             <a:fld id="{1E28F0D3-E3FD-49FD-8E82-3F8837207BDD}" type="datetimeFigureOut">
               <a:rPr lang="ko-KR" altLang="en-US" smtClean="0"/>
-              <a:t>2024-09-02</a:t>
+              <a:t>2024-09-13</a:t>
             </a:fld>
             <a:endParaRPr lang="ko-KR" altLang="en-US"/>
           </a:p>
@@ -1495,7 +1496,7 @@
           <a:p>
             <a:fld id="{1E28F0D3-E3FD-49FD-8E82-3F8837207BDD}" type="datetimeFigureOut">
               <a:rPr lang="ko-KR" altLang="en-US" smtClean="0"/>
-              <a:t>2024-09-02</a:t>
+              <a:t>2024-09-13</a:t>
             </a:fld>
             <a:endParaRPr lang="ko-KR" altLang="en-US"/>
           </a:p>
@@ -1760,7 +1761,7 @@
           <a:p>
             <a:fld id="{1E28F0D3-E3FD-49FD-8E82-3F8837207BDD}" type="datetimeFigureOut">
               <a:rPr lang="ko-KR" altLang="en-US" smtClean="0"/>
-              <a:t>2024-09-02</a:t>
+              <a:t>2024-09-13</a:t>
             </a:fld>
             <a:endParaRPr lang="ko-KR" altLang="en-US"/>
           </a:p>
@@ -2172,7 +2173,7 @@
           <a:p>
             <a:fld id="{1E28F0D3-E3FD-49FD-8E82-3F8837207BDD}" type="datetimeFigureOut">
               <a:rPr lang="ko-KR" altLang="en-US" smtClean="0"/>
-              <a:t>2024-09-02</a:t>
+              <a:t>2024-09-13</a:t>
             </a:fld>
             <a:endParaRPr lang="ko-KR" altLang="en-US"/>
           </a:p>
@@ -2313,7 +2314,7 @@
           <a:p>
             <a:fld id="{1E28F0D3-E3FD-49FD-8E82-3F8837207BDD}" type="datetimeFigureOut">
               <a:rPr lang="ko-KR" altLang="en-US" smtClean="0"/>
-              <a:t>2024-09-02</a:t>
+              <a:t>2024-09-13</a:t>
             </a:fld>
             <a:endParaRPr lang="ko-KR" altLang="en-US"/>
           </a:p>
@@ -2426,7 +2427,7 @@
           <a:p>
             <a:fld id="{1E28F0D3-E3FD-49FD-8E82-3F8837207BDD}" type="datetimeFigureOut">
               <a:rPr lang="ko-KR" altLang="en-US" smtClean="0"/>
-              <a:t>2024-09-02</a:t>
+              <a:t>2024-09-13</a:t>
             </a:fld>
             <a:endParaRPr lang="ko-KR" altLang="en-US"/>
           </a:p>
@@ -2737,7 +2738,7 @@
           <a:p>
             <a:fld id="{1E28F0D3-E3FD-49FD-8E82-3F8837207BDD}" type="datetimeFigureOut">
               <a:rPr lang="ko-KR" altLang="en-US" smtClean="0"/>
-              <a:t>2024-09-02</a:t>
+              <a:t>2024-09-13</a:t>
             </a:fld>
             <a:endParaRPr lang="ko-KR" altLang="en-US"/>
           </a:p>
@@ -3025,7 +3026,7 @@
           <a:p>
             <a:fld id="{1E28F0D3-E3FD-49FD-8E82-3F8837207BDD}" type="datetimeFigureOut">
               <a:rPr lang="ko-KR" altLang="en-US" smtClean="0"/>
-              <a:t>2024-09-02</a:t>
+              <a:t>2024-09-13</a:t>
             </a:fld>
             <a:endParaRPr lang="ko-KR" altLang="en-US"/>
           </a:p>
@@ -3266,7 +3267,7 @@
           <a:p>
             <a:fld id="{1E28F0D3-E3FD-49FD-8E82-3F8837207BDD}" type="datetimeFigureOut">
               <a:rPr lang="ko-KR" altLang="en-US" smtClean="0"/>
-              <a:t>2024-09-02</a:t>
+              <a:t>2024-09-13</a:t>
             </a:fld>
             <a:endParaRPr lang="ko-KR" altLang="en-US"/>
           </a:p>
@@ -6520,7 +6521,7 @@
         </p:nvGrpSpPr>
         <p:grpSpPr>
           <a:xfrm>
-            <a:off x="114300" y="1395006"/>
+            <a:off x="96193" y="543981"/>
             <a:ext cx="12190575" cy="5229315"/>
             <a:chOff x="152400" y="1350556"/>
             <a:chExt cx="12190575" cy="5229315"/>
@@ -7979,6 +7980,1708 @@
       </p:grpSpPr>
       <p:grpSp>
         <p:nvGrpSpPr>
+          <p:cNvPr id="44" name="그룹 43">
+            <a:extLst>
+              <a:ext uri="{FF2B5EF4-FFF2-40B4-BE49-F238E27FC236}">
+                <a16:creationId xmlns:a16="http://schemas.microsoft.com/office/drawing/2014/main" id="{9459B413-E03D-6D3A-99FA-5120783AD352}"/>
+              </a:ext>
+            </a:extLst>
+          </p:cNvPr>
+          <p:cNvGrpSpPr/>
+          <p:nvPr/>
+        </p:nvGrpSpPr>
+        <p:grpSpPr>
+          <a:xfrm>
+            <a:off x="134293" y="251881"/>
+            <a:ext cx="12190575" cy="6606119"/>
+            <a:chOff x="134293" y="251881"/>
+            <a:chExt cx="12190575" cy="6606119"/>
+          </a:xfrm>
+        </p:grpSpPr>
+        <p:grpSp>
+          <p:nvGrpSpPr>
+            <p:cNvPr id="25" name="그룹 24">
+              <a:extLst>
+                <a:ext uri="{FF2B5EF4-FFF2-40B4-BE49-F238E27FC236}">
+                  <a16:creationId xmlns:a16="http://schemas.microsoft.com/office/drawing/2014/main" id="{9F5391FF-C088-8868-3DE0-C6A07515A34F}"/>
+                </a:ext>
+              </a:extLst>
+            </p:cNvPr>
+            <p:cNvGrpSpPr/>
+            <p:nvPr/>
+          </p:nvGrpSpPr>
+          <p:grpSpPr>
+            <a:xfrm>
+              <a:off x="134293" y="251881"/>
+              <a:ext cx="12190575" cy="6606119"/>
+              <a:chOff x="152400" y="1369606"/>
+              <a:chExt cx="12190575" cy="6606119"/>
+            </a:xfrm>
+          </p:grpSpPr>
+          <p:grpSp>
+            <p:nvGrpSpPr>
+              <p:cNvPr id="63" name="그룹 62">
+                <a:extLst>
+                  <a:ext uri="{FF2B5EF4-FFF2-40B4-BE49-F238E27FC236}">
+                    <a16:creationId xmlns:a16="http://schemas.microsoft.com/office/drawing/2014/main" id="{9D6C2BC4-DDE3-7050-152A-987CF8DA369A}"/>
+                  </a:ext>
+                </a:extLst>
+              </p:cNvPr>
+              <p:cNvGrpSpPr/>
+              <p:nvPr/>
+            </p:nvGrpSpPr>
+            <p:grpSpPr>
+              <a:xfrm>
+                <a:off x="227028" y="2972148"/>
+                <a:ext cx="10661797" cy="2081695"/>
+                <a:chOff x="-461649" y="2419154"/>
+                <a:chExt cx="10661797" cy="2081695"/>
+              </a:xfrm>
+            </p:grpSpPr>
+            <p:grpSp>
+              <p:nvGrpSpPr>
+                <p:cNvPr id="23" name="그룹 22">
+                  <a:extLst>
+                    <a:ext uri="{FF2B5EF4-FFF2-40B4-BE49-F238E27FC236}">
+                      <a16:creationId xmlns:a16="http://schemas.microsoft.com/office/drawing/2014/main" id="{D1530FFE-08A0-ED8A-3C1F-3E95A8049EBD}"/>
+                    </a:ext>
+                  </a:extLst>
+                </p:cNvPr>
+                <p:cNvGrpSpPr/>
+                <p:nvPr/>
+              </p:nvGrpSpPr>
+              <p:grpSpPr>
+                <a:xfrm>
+                  <a:off x="-461649" y="2458968"/>
+                  <a:ext cx="10661797" cy="2041881"/>
+                  <a:chOff x="-455299" y="2643118"/>
+                  <a:chExt cx="10661797" cy="2041881"/>
+                </a:xfrm>
+              </p:grpSpPr>
+              <p:sp>
+                <p:nvSpPr>
+                  <p:cNvPr id="5" name="사각형: 둥근 모서리 4">
+                    <a:extLst>
+                      <a:ext uri="{FF2B5EF4-FFF2-40B4-BE49-F238E27FC236}">
+                        <a16:creationId xmlns:a16="http://schemas.microsoft.com/office/drawing/2014/main" id="{D3A06B0F-BD62-AA14-45CD-956E99122FAA}"/>
+                      </a:ext>
+                    </a:extLst>
+                  </p:cNvPr>
+                  <p:cNvSpPr/>
+                  <p:nvPr/>
+                </p:nvSpPr>
+                <p:spPr>
+                  <a:xfrm>
+                    <a:off x="-455299" y="2643118"/>
+                    <a:ext cx="1733550" cy="1573753"/>
+                  </a:xfrm>
+                  <a:prstGeom prst="roundRect">
+                    <a:avLst/>
+                  </a:prstGeom>
+                  <a:noFill/>
+                  <a:ln>
+                    <a:solidFill>
+                      <a:schemeClr val="tx1"/>
+                    </a:solidFill>
+                  </a:ln>
+                </p:spPr>
+                <p:style>
+                  <a:lnRef idx="2">
+                    <a:schemeClr val="accent1">
+                      <a:shade val="15000"/>
+                    </a:schemeClr>
+                  </a:lnRef>
+                  <a:fillRef idx="1">
+                    <a:schemeClr val="accent1"/>
+                  </a:fillRef>
+                  <a:effectRef idx="0">
+                    <a:schemeClr val="accent1"/>
+                  </a:effectRef>
+                  <a:fontRef idx="minor">
+                    <a:schemeClr val="lt1"/>
+                  </a:fontRef>
+                </p:style>
+                <p:txBody>
+                  <a:bodyPr rtlCol="0" anchor="ctr"/>
+                  <a:lstStyle/>
+                  <a:p>
+                    <a:pPr algn="ctr"/>
+                    <a:endParaRPr lang="ko-KR" altLang="en-US" b="1" dirty="0"/>
+                  </a:p>
+                </p:txBody>
+              </p:sp>
+              <p:sp>
+                <p:nvSpPr>
+                  <p:cNvPr id="6" name="TextBox 5">
+                    <a:extLst>
+                      <a:ext uri="{FF2B5EF4-FFF2-40B4-BE49-F238E27FC236}">
+                        <a16:creationId xmlns:a16="http://schemas.microsoft.com/office/drawing/2014/main" id="{38920677-CC45-9CC7-3DA7-68E983665473}"/>
+                      </a:ext>
+                    </a:extLst>
+                  </p:cNvPr>
+                  <p:cNvSpPr txBox="1"/>
+                  <p:nvPr/>
+                </p:nvSpPr>
+                <p:spPr>
+                  <a:xfrm>
+                    <a:off x="-363141" y="4223334"/>
+                    <a:ext cx="1549234" cy="461665"/>
+                  </a:xfrm>
+                  <a:prstGeom prst="rect">
+                    <a:avLst/>
+                  </a:prstGeom>
+                  <a:noFill/>
+                </p:spPr>
+                <p:txBody>
+                  <a:bodyPr wrap="square" rtlCol="0">
+                    <a:spAutoFit/>
+                  </a:bodyPr>
+                  <a:lstStyle/>
+                  <a:p>
+                    <a:r>
+                      <a:rPr lang="en-US" altLang="ko-KR" sz="2400" dirty="0">
+                        <a:latin typeface="Times New Roman" panose="02020603050405020304" pitchFamily="18" charset="0"/>
+                        <a:cs typeface="Times New Roman" panose="02020603050405020304" pitchFamily="18" charset="0"/>
+                      </a:rPr>
+                      <a:t>Simulation</a:t>
+                    </a:r>
+                    <a:endParaRPr lang="ko-KR" altLang="en-US" sz="2400" dirty="0">
+                      <a:latin typeface="Times New Roman" panose="02020603050405020304" pitchFamily="18" charset="0"/>
+                      <a:cs typeface="Times New Roman" panose="02020603050405020304" pitchFamily="18" charset="0"/>
+                    </a:endParaRPr>
+                  </a:p>
+                </p:txBody>
+              </p:sp>
+              <p:sp>
+                <p:nvSpPr>
+                  <p:cNvPr id="7" name="사각형: 둥근 모서리 6">
+                    <a:extLst>
+                      <a:ext uri="{FF2B5EF4-FFF2-40B4-BE49-F238E27FC236}">
+                        <a16:creationId xmlns:a16="http://schemas.microsoft.com/office/drawing/2014/main" id="{156F8E37-A027-F87F-CC4C-212B3D81DCA1}"/>
+                      </a:ext>
+                    </a:extLst>
+                  </p:cNvPr>
+                  <p:cNvSpPr/>
+                  <p:nvPr/>
+                </p:nvSpPr>
+                <p:spPr>
+                  <a:xfrm>
+                    <a:off x="3253813" y="2865434"/>
+                    <a:ext cx="2273300" cy="1127125"/>
+                  </a:xfrm>
+                  <a:prstGeom prst="roundRect">
+                    <a:avLst/>
+                  </a:prstGeom>
+                  <a:noFill/>
+                  <a:ln>
+                    <a:solidFill>
+                      <a:schemeClr val="tx1"/>
+                    </a:solidFill>
+                  </a:ln>
+                </p:spPr>
+                <p:style>
+                  <a:lnRef idx="2">
+                    <a:schemeClr val="accent1">
+                      <a:shade val="15000"/>
+                    </a:schemeClr>
+                  </a:lnRef>
+                  <a:fillRef idx="1">
+                    <a:schemeClr val="accent1"/>
+                  </a:fillRef>
+                  <a:effectRef idx="0">
+                    <a:schemeClr val="accent1"/>
+                  </a:effectRef>
+                  <a:fontRef idx="minor">
+                    <a:schemeClr val="lt1"/>
+                  </a:fontRef>
+                </p:style>
+                <p:txBody>
+                  <a:bodyPr rtlCol="0" anchor="ctr"/>
+                  <a:lstStyle/>
+                  <a:p>
+                    <a:pPr algn="ctr"/>
+                    <a:r>
+                      <a:rPr lang="en-US" altLang="ko-KR" sz="2800" dirty="0">
+                        <a:solidFill>
+                          <a:schemeClr val="tx1"/>
+                        </a:solidFill>
+                        <a:latin typeface="Times New Roman" panose="02020603050405020304" pitchFamily="18" charset="0"/>
+                        <a:cs typeface="Times New Roman" panose="02020603050405020304" pitchFamily="18" charset="0"/>
+                      </a:rPr>
+                      <a:t>Vertical force</a:t>
+                    </a:r>
+                  </a:p>
+                  <a:p>
+                    <a:pPr algn="ctr"/>
+                    <a:r>
+                      <a:rPr lang="en-US" altLang="ko-KR" sz="2800" dirty="0">
+                        <a:solidFill>
+                          <a:schemeClr val="tx1"/>
+                        </a:solidFill>
+                        <a:latin typeface="Times New Roman" panose="02020603050405020304" pitchFamily="18" charset="0"/>
+                        <a:cs typeface="Times New Roman" panose="02020603050405020304" pitchFamily="18" charset="0"/>
+                      </a:rPr>
+                      <a:t>calculation</a:t>
+                    </a:r>
+                    <a:endParaRPr lang="ko-KR" altLang="en-US" sz="2800" dirty="0">
+                      <a:solidFill>
+                        <a:schemeClr val="tx1"/>
+                      </a:solidFill>
+                      <a:latin typeface="Times New Roman" panose="02020603050405020304" pitchFamily="18" charset="0"/>
+                      <a:cs typeface="Times New Roman" panose="02020603050405020304" pitchFamily="18" charset="0"/>
+                    </a:endParaRPr>
+                  </a:p>
+                </p:txBody>
+              </p:sp>
+              <p:sp>
+                <p:nvSpPr>
+                  <p:cNvPr id="10" name="사각형: 둥근 모서리 9">
+                    <a:extLst>
+                      <a:ext uri="{FF2B5EF4-FFF2-40B4-BE49-F238E27FC236}">
+                        <a16:creationId xmlns:a16="http://schemas.microsoft.com/office/drawing/2014/main" id="{8A4EFFAF-34C2-E9CC-46A4-E1A8F1A9B781}"/>
+                      </a:ext>
+                    </a:extLst>
+                  </p:cNvPr>
+                  <p:cNvSpPr/>
+                  <p:nvPr/>
+                </p:nvSpPr>
+                <p:spPr>
+                  <a:xfrm>
+                    <a:off x="7394873" y="2803272"/>
+                    <a:ext cx="2811625" cy="1291281"/>
+                  </a:xfrm>
+                  <a:prstGeom prst="roundRect">
+                    <a:avLst/>
+                  </a:prstGeom>
+                  <a:noFill/>
+                  <a:ln>
+                    <a:solidFill>
+                      <a:schemeClr val="tx1"/>
+                    </a:solidFill>
+                  </a:ln>
+                </p:spPr>
+                <p:style>
+                  <a:lnRef idx="2">
+                    <a:schemeClr val="accent1">
+                      <a:shade val="15000"/>
+                    </a:schemeClr>
+                  </a:lnRef>
+                  <a:fillRef idx="1">
+                    <a:schemeClr val="accent1"/>
+                  </a:fillRef>
+                  <a:effectRef idx="0">
+                    <a:schemeClr val="accent1"/>
+                  </a:effectRef>
+                  <a:fontRef idx="minor">
+                    <a:schemeClr val="lt1"/>
+                  </a:fontRef>
+                </p:style>
+                <p:txBody>
+                  <a:bodyPr rtlCol="0" anchor="ctr"/>
+                  <a:lstStyle/>
+                  <a:p>
+                    <a:pPr algn="ctr"/>
+                    <a:r>
+                      <a:rPr lang="en-US" altLang="ko-KR" sz="2800" dirty="0">
+                        <a:solidFill>
+                          <a:schemeClr val="tx1"/>
+                        </a:solidFill>
+                        <a:latin typeface="Times New Roman" panose="02020603050405020304" pitchFamily="18" charset="0"/>
+                        <a:cs typeface="Times New Roman" panose="02020603050405020304" pitchFamily="18" charset="0"/>
+                      </a:rPr>
+                      <a:t>Adaptive Extended Kalman Filter</a:t>
+                    </a:r>
+                    <a:endParaRPr lang="ko-KR" altLang="en-US" sz="2800" dirty="0">
+                      <a:solidFill>
+                        <a:schemeClr val="tx1"/>
+                      </a:solidFill>
+                      <a:latin typeface="Times New Roman" panose="02020603050405020304" pitchFamily="18" charset="0"/>
+                      <a:cs typeface="Times New Roman" panose="02020603050405020304" pitchFamily="18" charset="0"/>
+                    </a:endParaRPr>
+                  </a:p>
+                </p:txBody>
+              </p:sp>
+              <p:cxnSp>
+                <p:nvCxnSpPr>
+                  <p:cNvPr id="12" name="직선 화살표 연결선 11">
+                    <a:extLst>
+                      <a:ext uri="{FF2B5EF4-FFF2-40B4-BE49-F238E27FC236}">
+                        <a16:creationId xmlns:a16="http://schemas.microsoft.com/office/drawing/2014/main" id="{819F99CD-245C-F8A2-7438-BDB52E4E4CE1}"/>
+                      </a:ext>
+                    </a:extLst>
+                  </p:cNvPr>
+                  <p:cNvCxnSpPr>
+                    <a:cxnSpLocks/>
+                    <a:stCxn id="7" idx="3"/>
+                    <a:endCxn id="10" idx="1"/>
+                  </p:cNvCxnSpPr>
+                  <p:nvPr/>
+                </p:nvCxnSpPr>
+                <p:spPr>
+                  <a:xfrm>
+                    <a:off x="5527113" y="3428997"/>
+                    <a:ext cx="1867760" cy="19916"/>
+                  </a:xfrm>
+                  <a:prstGeom prst="straightConnector1">
+                    <a:avLst/>
+                  </a:prstGeom>
+                  <a:ln>
+                    <a:solidFill>
+                      <a:schemeClr val="tx1"/>
+                    </a:solidFill>
+                    <a:tailEnd type="triangle"/>
+                  </a:ln>
+                </p:spPr>
+                <p:style>
+                  <a:lnRef idx="2">
+                    <a:schemeClr val="accent1"/>
+                  </a:lnRef>
+                  <a:fillRef idx="0">
+                    <a:schemeClr val="accent1"/>
+                  </a:fillRef>
+                  <a:effectRef idx="1">
+                    <a:schemeClr val="accent1"/>
+                  </a:effectRef>
+                  <a:fontRef idx="minor">
+                    <a:schemeClr val="tx1"/>
+                  </a:fontRef>
+                </p:style>
+              </p:cxnSp>
+            </p:grpSp>
+            <p:sp>
+              <p:nvSpPr>
+                <p:cNvPr id="26" name="TextBox 25">
+                  <a:extLst>
+                    <a:ext uri="{FF2B5EF4-FFF2-40B4-BE49-F238E27FC236}">
+                      <a16:creationId xmlns:a16="http://schemas.microsoft.com/office/drawing/2014/main" id="{535B2B62-824A-0A73-8F57-E2F82BC528D8}"/>
+                    </a:ext>
+                  </a:extLst>
+                </p:cNvPr>
+                <p:cNvSpPr txBox="1"/>
+                <p:nvPr/>
+              </p:nvSpPr>
+              <p:spPr>
+                <a:xfrm>
+                  <a:off x="1338798" y="2419154"/>
+                  <a:ext cx="1202927" cy="830997"/>
+                </a:xfrm>
+                <a:prstGeom prst="rect">
+                  <a:avLst/>
+                </a:prstGeom>
+                <a:noFill/>
+              </p:spPr>
+              <p:txBody>
+                <a:bodyPr wrap="square" rtlCol="0">
+                  <a:spAutoFit/>
+                </a:bodyPr>
+                <a:lstStyle/>
+                <a:p>
+                  <a:pPr algn="ctr"/>
+                  <a:r>
+                    <a:rPr lang="en-US" altLang="ko-KR" sz="2400" dirty="0">
+                      <a:latin typeface="Times New Roman" panose="02020603050405020304" pitchFamily="18" charset="0"/>
+                      <a:cs typeface="Times New Roman" panose="02020603050405020304" pitchFamily="18" charset="0"/>
+                    </a:rPr>
+                    <a:t>Sensor </a:t>
+                  </a:r>
+                </a:p>
+                <a:p>
+                  <a:pPr algn="ctr"/>
+                  <a:r>
+                    <a:rPr lang="en-US" altLang="ko-KR" sz="2400" dirty="0">
+                      <a:latin typeface="Times New Roman" panose="02020603050405020304" pitchFamily="18" charset="0"/>
+                      <a:cs typeface="Times New Roman" panose="02020603050405020304" pitchFamily="18" charset="0"/>
+                    </a:rPr>
+                    <a:t>data</a:t>
+                  </a:r>
+                </a:p>
+              </p:txBody>
+            </p:sp>
+          </p:grpSp>
+          <p:cxnSp>
+            <p:nvCxnSpPr>
+              <p:cNvPr id="71" name="연결선: 꺾임 70">
+                <a:extLst>
+                  <a:ext uri="{FF2B5EF4-FFF2-40B4-BE49-F238E27FC236}">
+                    <a16:creationId xmlns:a16="http://schemas.microsoft.com/office/drawing/2014/main" id="{E4B60A48-C21C-81C2-A2BA-DF0F70542C2D}"/>
+                  </a:ext>
+                </a:extLst>
+              </p:cNvPr>
+              <p:cNvCxnSpPr>
+                <a:cxnSpLocks/>
+                <a:stCxn id="10" idx="3"/>
+                <a:endCxn id="2" idx="3"/>
+              </p:cNvCxnSpPr>
+              <p:nvPr/>
+            </p:nvCxnSpPr>
+            <p:spPr>
+              <a:xfrm flipH="1">
+                <a:off x="10850725" y="3817757"/>
+                <a:ext cx="38100" cy="1845525"/>
+              </a:xfrm>
+              <a:prstGeom prst="bentConnector3">
+                <a:avLst>
+                  <a:gd name="adj1" fmla="val -600000"/>
+                </a:avLst>
+              </a:prstGeom>
+              <a:ln>
+                <a:solidFill>
+                  <a:schemeClr val="tx1"/>
+                </a:solidFill>
+                <a:tailEnd type="triangle"/>
+              </a:ln>
+            </p:spPr>
+            <p:style>
+              <a:lnRef idx="2">
+                <a:schemeClr val="accent1"/>
+              </a:lnRef>
+              <a:fillRef idx="0">
+                <a:schemeClr val="accent1"/>
+              </a:fillRef>
+              <a:effectRef idx="1">
+                <a:schemeClr val="accent1"/>
+              </a:effectRef>
+              <a:fontRef idx="minor">
+                <a:schemeClr val="tx1"/>
+              </a:fontRef>
+            </p:style>
+          </p:cxnSp>
+          <p:graphicFrame>
+            <p:nvGraphicFramePr>
+              <p:cNvPr id="72" name="개체 71">
+                <a:extLst>
+                  <a:ext uri="{FF2B5EF4-FFF2-40B4-BE49-F238E27FC236}">
+                    <a16:creationId xmlns:a16="http://schemas.microsoft.com/office/drawing/2014/main" id="{B96344F3-816D-F91F-DC88-EED92667F042}"/>
+                  </a:ext>
+                </a:extLst>
+              </p:cNvPr>
+              <p:cNvGraphicFramePr>
+                <a:graphicFrameLocks noChangeAspect="1"/>
+              </p:cNvGraphicFramePr>
+              <p:nvPr/>
+            </p:nvGraphicFramePr>
+            <p:xfrm>
+              <a:off x="11160043" y="3809141"/>
+              <a:ext cx="965200" cy="1981200"/>
+            </p:xfrm>
+            <a:graphic>
+              <a:graphicData uri="http://schemas.openxmlformats.org/presentationml/2006/ole">
+                <mc:AlternateContent xmlns:mc="http://schemas.openxmlformats.org/markup-compatibility/2006">
+                  <mc:Choice xmlns:v="urn:schemas-microsoft-com:vml" Requires="v">
+                    <p:oleObj name="Equation" r:id="rId2" imgW="965160" imgH="1981080" progId="Equation.DSMT4">
+                      <p:embed/>
+                    </p:oleObj>
+                  </mc:Choice>
+                  <mc:Fallback>
+                    <p:oleObj name="Equation" r:id="rId2" imgW="965160" imgH="1981080" progId="Equation.DSMT4">
+                      <p:embed/>
+                      <p:pic>
+                        <p:nvPicPr>
+                          <p:cNvPr id="72" name="개체 71">
+                            <a:extLst>
+                              <a:ext uri="{FF2B5EF4-FFF2-40B4-BE49-F238E27FC236}">
+                                <a16:creationId xmlns:a16="http://schemas.microsoft.com/office/drawing/2014/main" id="{B96344F3-816D-F91F-DC88-EED92667F042}"/>
+                              </a:ext>
+                            </a:extLst>
+                          </p:cNvPr>
+                          <p:cNvPicPr/>
+                          <p:nvPr/>
+                        </p:nvPicPr>
+                        <p:blipFill>
+                          <a:blip r:embed="rId3"/>
+                          <a:stretch>
+                            <a:fillRect/>
+                          </a:stretch>
+                        </p:blipFill>
+                        <p:spPr>
+                          <a:xfrm>
+                            <a:off x="11160043" y="3809141"/>
+                            <a:ext cx="965200" cy="1981200"/>
+                          </a:xfrm>
+                          <a:prstGeom prst="rect">
+                            <a:avLst/>
+                          </a:prstGeom>
+                        </p:spPr>
+                      </p:pic>
+                    </p:oleObj>
+                  </mc:Fallback>
+                </mc:AlternateContent>
+              </a:graphicData>
+            </a:graphic>
+          </p:graphicFrame>
+          <p:sp>
+            <p:nvSpPr>
+              <p:cNvPr id="2" name="사각형: 둥근 모서리 1">
+                <a:extLst>
+                  <a:ext uri="{FF2B5EF4-FFF2-40B4-BE49-F238E27FC236}">
+                    <a16:creationId xmlns:a16="http://schemas.microsoft.com/office/drawing/2014/main" id="{0C4E13C0-1700-AEF2-6A52-4073EF54B423}"/>
+                  </a:ext>
+                </a:extLst>
+              </p:cNvPr>
+              <p:cNvSpPr/>
+              <p:nvPr/>
+            </p:nvSpPr>
+            <p:spPr>
+              <a:xfrm>
+                <a:off x="8077200" y="5099719"/>
+                <a:ext cx="2773525" cy="1127125"/>
+              </a:xfrm>
+              <a:prstGeom prst="roundRect">
+                <a:avLst/>
+              </a:prstGeom>
+              <a:noFill/>
+              <a:ln>
+                <a:solidFill>
+                  <a:schemeClr val="tx1"/>
+                </a:solidFill>
+              </a:ln>
+            </p:spPr>
+            <p:style>
+              <a:lnRef idx="2">
+                <a:schemeClr val="accent1">
+                  <a:shade val="15000"/>
+                </a:schemeClr>
+              </a:lnRef>
+              <a:fillRef idx="1">
+                <a:schemeClr val="accent1"/>
+              </a:fillRef>
+              <a:effectRef idx="0">
+                <a:schemeClr val="accent1"/>
+              </a:effectRef>
+              <a:fontRef idx="minor">
+                <a:schemeClr val="lt1"/>
+              </a:fontRef>
+            </p:style>
+            <p:txBody>
+              <a:bodyPr rtlCol="0" anchor="ctr"/>
+              <a:lstStyle/>
+              <a:p>
+                <a:r>
+                  <a:rPr lang="en-US" altLang="ko-KR" sz="2800" dirty="0">
+                    <a:solidFill>
+                      <a:schemeClr val="tx1"/>
+                    </a:solidFill>
+                    <a:latin typeface="Times New Roman" panose="02020603050405020304" pitchFamily="18" charset="0"/>
+                    <a:cs typeface="Times New Roman" panose="02020603050405020304" pitchFamily="18" charset="0"/>
+                  </a:rPr>
+                  <a:t>         calculation</a:t>
+                </a:r>
+                <a:endParaRPr lang="ko-KR" altLang="en-US" sz="2800" dirty="0">
+                  <a:solidFill>
+                    <a:schemeClr val="tx1"/>
+                  </a:solidFill>
+                  <a:latin typeface="Times New Roman" panose="02020603050405020304" pitchFamily="18" charset="0"/>
+                  <a:cs typeface="Times New Roman" panose="02020603050405020304" pitchFamily="18" charset="0"/>
+                </a:endParaRPr>
+              </a:p>
+            </p:txBody>
+          </p:sp>
+          <p:sp>
+            <p:nvSpPr>
+              <p:cNvPr id="8" name="사각형: 둥근 모서리 7">
+                <a:extLst>
+                  <a:ext uri="{FF2B5EF4-FFF2-40B4-BE49-F238E27FC236}">
+                    <a16:creationId xmlns:a16="http://schemas.microsoft.com/office/drawing/2014/main" id="{9C3915A5-3134-18E1-B543-08CFCE33B964}"/>
+                  </a:ext>
+                </a:extLst>
+              </p:cNvPr>
+              <p:cNvSpPr/>
+              <p:nvPr/>
+            </p:nvSpPr>
+            <p:spPr>
+              <a:xfrm>
+                <a:off x="8327312" y="6718846"/>
+                <a:ext cx="2273300" cy="1127125"/>
+              </a:xfrm>
+              <a:prstGeom prst="roundRect">
+                <a:avLst/>
+              </a:prstGeom>
+              <a:noFill/>
+              <a:ln>
+                <a:solidFill>
+                  <a:schemeClr val="tx1"/>
+                </a:solidFill>
+              </a:ln>
+            </p:spPr>
+            <p:style>
+              <a:lnRef idx="2">
+                <a:schemeClr val="accent1">
+                  <a:shade val="15000"/>
+                </a:schemeClr>
+              </a:lnRef>
+              <a:fillRef idx="1">
+                <a:schemeClr val="accent1"/>
+              </a:fillRef>
+              <a:effectRef idx="0">
+                <a:schemeClr val="accent1"/>
+              </a:effectRef>
+              <a:fontRef idx="minor">
+                <a:schemeClr val="lt1"/>
+              </a:fontRef>
+            </p:style>
+            <p:txBody>
+              <a:bodyPr rtlCol="0" anchor="ctr"/>
+              <a:lstStyle/>
+              <a:p>
+                <a:pPr algn="ctr"/>
+                <a:r>
+                  <a:rPr lang="en-US" altLang="ko-KR" sz="2800" dirty="0">
+                    <a:solidFill>
+                      <a:schemeClr val="tx1"/>
+                    </a:solidFill>
+                    <a:latin typeface="Times New Roman" panose="02020603050405020304" pitchFamily="18" charset="0"/>
+                    <a:cs typeface="Times New Roman" panose="02020603050405020304" pitchFamily="18" charset="0"/>
+                  </a:rPr>
+                  <a:t>Sliding Mode Control</a:t>
+                </a:r>
+                <a:endParaRPr lang="ko-KR" altLang="en-US" sz="2800" dirty="0">
+                  <a:solidFill>
+                    <a:schemeClr val="tx1"/>
+                  </a:solidFill>
+                  <a:latin typeface="Times New Roman" panose="02020603050405020304" pitchFamily="18" charset="0"/>
+                  <a:cs typeface="Times New Roman" panose="02020603050405020304" pitchFamily="18" charset="0"/>
+                </a:endParaRPr>
+              </a:p>
+            </p:txBody>
+          </p:sp>
+          <p:sp>
+            <p:nvSpPr>
+              <p:cNvPr id="15" name="사각형: 둥근 모서리 14">
+                <a:extLst>
+                  <a:ext uri="{FF2B5EF4-FFF2-40B4-BE49-F238E27FC236}">
+                    <a16:creationId xmlns:a16="http://schemas.microsoft.com/office/drawing/2014/main" id="{59D24ABD-267E-E029-A88D-05BF0F8AA281}"/>
+                  </a:ext>
+                </a:extLst>
+              </p:cNvPr>
+              <p:cNvSpPr/>
+              <p:nvPr/>
+            </p:nvSpPr>
+            <p:spPr>
+              <a:xfrm>
+                <a:off x="6647126" y="1369606"/>
+                <a:ext cx="2685740" cy="1127125"/>
+              </a:xfrm>
+              <a:prstGeom prst="roundRect">
+                <a:avLst/>
+              </a:prstGeom>
+              <a:solidFill>
+                <a:srgbClr val="FFCC00"/>
+              </a:solidFill>
+              <a:ln>
+                <a:solidFill>
+                  <a:schemeClr val="tx1"/>
+                </a:solidFill>
+              </a:ln>
+            </p:spPr>
+            <p:style>
+              <a:lnRef idx="2">
+                <a:schemeClr val="accent1">
+                  <a:shade val="15000"/>
+                </a:schemeClr>
+              </a:lnRef>
+              <a:fillRef idx="1">
+                <a:schemeClr val="accent1"/>
+              </a:fillRef>
+              <a:effectRef idx="0">
+                <a:schemeClr val="accent1"/>
+              </a:effectRef>
+              <a:fontRef idx="minor">
+                <a:schemeClr val="lt1"/>
+              </a:fontRef>
+            </p:style>
+            <p:txBody>
+              <a:bodyPr rtlCol="0" anchor="ctr"/>
+              <a:lstStyle/>
+              <a:p>
+                <a:pPr algn="ctr"/>
+                <a:r>
+                  <a:rPr lang="en-US" altLang="ko-KR" sz="2400" dirty="0">
+                    <a:solidFill>
+                      <a:schemeClr val="tx1"/>
+                    </a:solidFill>
+                    <a:latin typeface="Times New Roman" panose="02020603050405020304" pitchFamily="18" charset="0"/>
+                    <a:cs typeface="Times New Roman" panose="02020603050405020304" pitchFamily="18" charset="0"/>
+                  </a:rPr>
+                  <a:t>Cornering stiffness optimization</a:t>
+                </a:r>
+                <a:endParaRPr lang="ko-KR" altLang="en-US" sz="2400" dirty="0">
+                  <a:solidFill>
+                    <a:schemeClr val="tx1"/>
+                  </a:solidFill>
+                  <a:latin typeface="Times New Roman" panose="02020603050405020304" pitchFamily="18" charset="0"/>
+                  <a:cs typeface="Times New Roman" panose="02020603050405020304" pitchFamily="18" charset="0"/>
+                </a:endParaRPr>
+              </a:p>
+            </p:txBody>
+          </p:sp>
+          <p:cxnSp>
+            <p:nvCxnSpPr>
+              <p:cNvPr id="21" name="연결선: 꺾임 20">
+                <a:extLst>
+                  <a:ext uri="{FF2B5EF4-FFF2-40B4-BE49-F238E27FC236}">
+                    <a16:creationId xmlns:a16="http://schemas.microsoft.com/office/drawing/2014/main" id="{334EB9F2-DF33-4A5B-79E3-C5AAE0DD1C00}"/>
+                  </a:ext>
+                </a:extLst>
+              </p:cNvPr>
+              <p:cNvCxnSpPr>
+                <a:cxnSpLocks/>
+                <a:stCxn id="7" idx="3"/>
+                <a:endCxn id="15" idx="1"/>
+              </p:cNvCxnSpPr>
+              <p:nvPr/>
+            </p:nvCxnSpPr>
+            <p:spPr>
+              <a:xfrm flipV="1">
+                <a:off x="6209440" y="1933169"/>
+                <a:ext cx="437686" cy="1864672"/>
+              </a:xfrm>
+              <a:prstGeom prst="bentConnector3">
+                <a:avLst>
+                  <a:gd name="adj1" fmla="val 50000"/>
+                </a:avLst>
+              </a:prstGeom>
+              <a:ln>
+                <a:solidFill>
+                  <a:schemeClr val="tx1"/>
+                </a:solidFill>
+                <a:tailEnd type="triangle"/>
+              </a:ln>
+            </p:spPr>
+            <p:style>
+              <a:lnRef idx="2">
+                <a:schemeClr val="accent1"/>
+              </a:lnRef>
+              <a:fillRef idx="0">
+                <a:schemeClr val="accent1"/>
+              </a:fillRef>
+              <a:effectRef idx="1">
+                <a:schemeClr val="accent1"/>
+              </a:effectRef>
+              <a:fontRef idx="minor">
+                <a:schemeClr val="tx1"/>
+              </a:fontRef>
+            </p:style>
+          </p:cxnSp>
+          <p:cxnSp>
+            <p:nvCxnSpPr>
+              <p:cNvPr id="27" name="연결선: 꺾임 26">
+                <a:extLst>
+                  <a:ext uri="{FF2B5EF4-FFF2-40B4-BE49-F238E27FC236}">
+                    <a16:creationId xmlns:a16="http://schemas.microsoft.com/office/drawing/2014/main" id="{83736AE5-4F35-72DA-0EBB-F6F07EF23898}"/>
+                  </a:ext>
+                </a:extLst>
+              </p:cNvPr>
+              <p:cNvCxnSpPr>
+                <a:cxnSpLocks/>
+                <a:stCxn id="15" idx="3"/>
+                <a:endCxn id="10" idx="0"/>
+              </p:cNvCxnSpPr>
+              <p:nvPr/>
+            </p:nvCxnSpPr>
+            <p:spPr>
+              <a:xfrm>
+                <a:off x="9332866" y="1933169"/>
+                <a:ext cx="150147" cy="1238947"/>
+              </a:xfrm>
+              <a:prstGeom prst="bentConnector2">
+                <a:avLst/>
+              </a:prstGeom>
+              <a:ln>
+                <a:solidFill>
+                  <a:schemeClr val="tx1"/>
+                </a:solidFill>
+                <a:tailEnd type="triangle"/>
+              </a:ln>
+            </p:spPr>
+            <p:style>
+              <a:lnRef idx="2">
+                <a:schemeClr val="accent1"/>
+              </a:lnRef>
+              <a:fillRef idx="0">
+                <a:schemeClr val="accent1"/>
+              </a:fillRef>
+              <a:effectRef idx="1">
+                <a:schemeClr val="accent1"/>
+              </a:effectRef>
+              <a:fontRef idx="minor">
+                <a:schemeClr val="tx1"/>
+              </a:fontRef>
+            </p:style>
+          </p:cxnSp>
+          <p:sp>
+            <p:nvSpPr>
+              <p:cNvPr id="31" name="직사각형 30">
+                <a:extLst>
+                  <a:ext uri="{FF2B5EF4-FFF2-40B4-BE49-F238E27FC236}">
+                    <a16:creationId xmlns:a16="http://schemas.microsoft.com/office/drawing/2014/main" id="{9D665D0E-8112-4AEB-B5FC-54C99FB7D68D}"/>
+                  </a:ext>
+                </a:extLst>
+              </p:cNvPr>
+              <p:cNvSpPr/>
+              <p:nvPr/>
+            </p:nvSpPr>
+            <p:spPr>
+              <a:xfrm>
+                <a:off x="152400" y="2654301"/>
+                <a:ext cx="12190575" cy="5321424"/>
+              </a:xfrm>
+              <a:prstGeom prst="rect">
+                <a:avLst/>
+              </a:prstGeom>
+              <a:noFill/>
+              <a:ln>
+                <a:solidFill>
+                  <a:schemeClr val="tx1"/>
+                </a:solidFill>
+                <a:prstDash val="dash"/>
+              </a:ln>
+            </p:spPr>
+            <p:style>
+              <a:lnRef idx="2">
+                <a:schemeClr val="accent1">
+                  <a:shade val="15000"/>
+                </a:schemeClr>
+              </a:lnRef>
+              <a:fillRef idx="1">
+                <a:schemeClr val="accent1"/>
+              </a:fillRef>
+              <a:effectRef idx="0">
+                <a:schemeClr val="accent1"/>
+              </a:effectRef>
+              <a:fontRef idx="minor">
+                <a:schemeClr val="lt1"/>
+              </a:fontRef>
+            </p:style>
+            <p:txBody>
+              <a:bodyPr rtlCol="0" anchor="ctr"/>
+              <a:lstStyle/>
+              <a:p>
+                <a:pPr algn="ctr"/>
+                <a:endParaRPr lang="ko-KR" altLang="en-US"/>
+              </a:p>
+            </p:txBody>
+          </p:sp>
+          <p:grpSp>
+            <p:nvGrpSpPr>
+              <p:cNvPr id="41" name="그룹 40">
+                <a:extLst>
+                  <a:ext uri="{FF2B5EF4-FFF2-40B4-BE49-F238E27FC236}">
+                    <a16:creationId xmlns:a16="http://schemas.microsoft.com/office/drawing/2014/main" id="{633897F3-0A60-8EEB-C6C7-BCC269626361}"/>
+                  </a:ext>
+                </a:extLst>
+              </p:cNvPr>
+              <p:cNvGrpSpPr/>
+              <p:nvPr/>
+            </p:nvGrpSpPr>
+            <p:grpSpPr>
+              <a:xfrm>
+                <a:off x="255155" y="5271987"/>
+                <a:ext cx="1733550" cy="889946"/>
+                <a:chOff x="548186" y="5897111"/>
+                <a:chExt cx="1882140" cy="914400"/>
+              </a:xfrm>
+            </p:grpSpPr>
+            <p:pic>
+              <p:nvPicPr>
+                <p:cNvPr id="39" name="그림 38">
+                  <a:extLst>
+                    <a:ext uri="{FF2B5EF4-FFF2-40B4-BE49-F238E27FC236}">
+                      <a16:creationId xmlns:a16="http://schemas.microsoft.com/office/drawing/2014/main" id="{9A78C5FB-CAF0-C6E4-E312-4589E022C3B4}"/>
+                    </a:ext>
+                  </a:extLst>
+                </p:cNvPr>
+                <p:cNvPicPr>
+                  <a:picLocks noChangeAspect="1"/>
+                </p:cNvPicPr>
+                <p:nvPr/>
+              </p:nvPicPr>
+              <p:blipFill>
+                <a:blip r:embed="rId4">
+                  <a:extLst>
+                    <a:ext uri="{28A0092B-C50C-407E-A947-70E740481C1C}">
+                      <a14:useLocalDpi xmlns:a14="http://schemas.microsoft.com/office/drawing/2010/main" val="0"/>
+                    </a:ext>
+                  </a:extLst>
+                </a:blip>
+                <a:stretch>
+                  <a:fillRect/>
+                </a:stretch>
+              </p:blipFill>
+              <p:spPr>
+                <a:xfrm>
+                  <a:off x="708006" y="5907213"/>
+                  <a:ext cx="1529085" cy="871449"/>
+                </a:xfrm>
+                <a:prstGeom prst="rect">
+                  <a:avLst/>
+                </a:prstGeom>
+                <a:ln>
+                  <a:noFill/>
+                </a:ln>
+              </p:spPr>
+            </p:pic>
+            <p:sp>
+              <p:nvSpPr>
+                <p:cNvPr id="40" name="사각형: 둥근 모서리 39">
+                  <a:extLst>
+                    <a:ext uri="{FF2B5EF4-FFF2-40B4-BE49-F238E27FC236}">
+                      <a16:creationId xmlns:a16="http://schemas.microsoft.com/office/drawing/2014/main" id="{06D05A99-8ABB-ED76-3087-F991B8ECABAA}"/>
+                    </a:ext>
+                  </a:extLst>
+                </p:cNvPr>
+                <p:cNvSpPr/>
+                <p:nvPr/>
+              </p:nvSpPr>
+              <p:spPr>
+                <a:xfrm>
+                  <a:off x="548186" y="5897111"/>
+                  <a:ext cx="1882140" cy="914400"/>
+                </a:xfrm>
+                <a:prstGeom prst="roundRect">
+                  <a:avLst/>
+                </a:prstGeom>
+                <a:noFill/>
+                <a:ln>
+                  <a:solidFill>
+                    <a:schemeClr val="tx1"/>
+                  </a:solidFill>
+                </a:ln>
+              </p:spPr>
+              <p:style>
+                <a:lnRef idx="2">
+                  <a:schemeClr val="accent1">
+                    <a:shade val="15000"/>
+                  </a:schemeClr>
+                </a:lnRef>
+                <a:fillRef idx="1">
+                  <a:schemeClr val="accent1"/>
+                </a:fillRef>
+                <a:effectRef idx="0">
+                  <a:schemeClr val="accent1"/>
+                </a:effectRef>
+                <a:fontRef idx="minor">
+                  <a:schemeClr val="lt1"/>
+                </a:fontRef>
+              </p:style>
+              <p:txBody>
+                <a:bodyPr rtlCol="0" anchor="ctr"/>
+                <a:lstStyle/>
+                <a:p>
+                  <a:pPr algn="ctr"/>
+                  <a:endParaRPr lang="ko-KR" altLang="en-US"/>
+                </a:p>
+              </p:txBody>
+            </p:sp>
+          </p:grpSp>
+          <p:sp>
+            <p:nvSpPr>
+              <p:cNvPr id="42" name="TextBox 41">
+                <a:extLst>
+                  <a:ext uri="{FF2B5EF4-FFF2-40B4-BE49-F238E27FC236}">
+                    <a16:creationId xmlns:a16="http://schemas.microsoft.com/office/drawing/2014/main" id="{8F697F87-6183-1422-093A-5947C78CA733}"/>
+                  </a:ext>
+                </a:extLst>
+              </p:cNvPr>
+              <p:cNvSpPr txBox="1"/>
+              <p:nvPr/>
+            </p:nvSpPr>
+            <p:spPr>
+              <a:xfrm>
+                <a:off x="152400" y="6117190"/>
+                <a:ext cx="2127962" cy="461665"/>
+              </a:xfrm>
+              <a:prstGeom prst="rect">
+                <a:avLst/>
+              </a:prstGeom>
+              <a:noFill/>
+            </p:spPr>
+            <p:txBody>
+              <a:bodyPr wrap="square" rtlCol="0">
+                <a:spAutoFit/>
+              </a:bodyPr>
+              <a:lstStyle/>
+              <a:p>
+                <a:r>
+                  <a:rPr lang="en-US" altLang="ko-KR" sz="2400" dirty="0">
+                    <a:latin typeface="Times New Roman" panose="02020603050405020304" pitchFamily="18" charset="0"/>
+                    <a:cs typeface="Times New Roman" panose="02020603050405020304" pitchFamily="18" charset="0"/>
+                  </a:rPr>
+                  <a:t>Gaussian noise</a:t>
+                </a:r>
+                <a:endParaRPr lang="ko-KR" altLang="en-US" sz="2400" dirty="0">
+                  <a:latin typeface="Times New Roman" panose="02020603050405020304" pitchFamily="18" charset="0"/>
+                  <a:cs typeface="Times New Roman" panose="02020603050405020304" pitchFamily="18" charset="0"/>
+                </a:endParaRPr>
+              </a:p>
+            </p:txBody>
+          </p:sp>
+          <p:sp>
+            <p:nvSpPr>
+              <p:cNvPr id="43" name="타원 42">
+                <a:extLst>
+                  <a:ext uri="{FF2B5EF4-FFF2-40B4-BE49-F238E27FC236}">
+                    <a16:creationId xmlns:a16="http://schemas.microsoft.com/office/drawing/2014/main" id="{1436762D-9D9C-820D-D607-5BE549AA0ED8}"/>
+                  </a:ext>
+                </a:extLst>
+              </p:cNvPr>
+              <p:cNvSpPr/>
+              <p:nvPr/>
+            </p:nvSpPr>
+            <p:spPr>
+              <a:xfrm>
+                <a:off x="3293338" y="3639384"/>
+                <a:ext cx="320040" cy="316911"/>
+              </a:xfrm>
+              <a:prstGeom prst="ellipse">
+                <a:avLst/>
+              </a:prstGeom>
+              <a:noFill/>
+            </p:spPr>
+            <p:style>
+              <a:lnRef idx="2">
+                <a:schemeClr val="accent1">
+                  <a:shade val="15000"/>
+                </a:schemeClr>
+              </a:lnRef>
+              <a:fillRef idx="1">
+                <a:schemeClr val="accent1"/>
+              </a:fillRef>
+              <a:effectRef idx="0">
+                <a:schemeClr val="accent1"/>
+              </a:effectRef>
+              <a:fontRef idx="minor">
+                <a:schemeClr val="lt1"/>
+              </a:fontRef>
+            </p:style>
+            <p:txBody>
+              <a:bodyPr rtlCol="0" anchor="ctr"/>
+              <a:lstStyle/>
+              <a:p>
+                <a:pPr algn="ctr"/>
+                <a:r>
+                  <a:rPr lang="en-US" altLang="ko-KR" dirty="0">
+                    <a:solidFill>
+                      <a:schemeClr val="tx1"/>
+                    </a:solidFill>
+                  </a:rPr>
+                  <a:t>+</a:t>
+                </a:r>
+                <a:endParaRPr lang="ko-KR" altLang="en-US" dirty="0">
+                  <a:solidFill>
+                    <a:schemeClr val="tx1"/>
+                  </a:solidFill>
+                </a:endParaRPr>
+              </a:p>
+            </p:txBody>
+          </p:sp>
+          <p:cxnSp>
+            <p:nvCxnSpPr>
+              <p:cNvPr id="46" name="직선 화살표 연결선 45">
+                <a:extLst>
+                  <a:ext uri="{FF2B5EF4-FFF2-40B4-BE49-F238E27FC236}">
+                    <a16:creationId xmlns:a16="http://schemas.microsoft.com/office/drawing/2014/main" id="{22FBFE85-6404-8788-13A0-F343E30222CD}"/>
+                  </a:ext>
+                </a:extLst>
+              </p:cNvPr>
+              <p:cNvCxnSpPr>
+                <a:cxnSpLocks/>
+                <a:stCxn id="5" idx="3"/>
+                <a:endCxn id="43" idx="2"/>
+              </p:cNvCxnSpPr>
+              <p:nvPr/>
+            </p:nvCxnSpPr>
+            <p:spPr>
+              <a:xfrm flipV="1">
+                <a:off x="1960578" y="3797840"/>
+                <a:ext cx="1332760" cy="999"/>
+              </a:xfrm>
+              <a:prstGeom prst="straightConnector1">
+                <a:avLst/>
+              </a:prstGeom>
+              <a:ln>
+                <a:solidFill>
+                  <a:schemeClr val="tx1"/>
+                </a:solidFill>
+                <a:tailEnd type="triangle"/>
+              </a:ln>
+            </p:spPr>
+            <p:style>
+              <a:lnRef idx="2">
+                <a:schemeClr val="accent1"/>
+              </a:lnRef>
+              <a:fillRef idx="0">
+                <a:schemeClr val="accent1"/>
+              </a:fillRef>
+              <a:effectRef idx="1">
+                <a:schemeClr val="accent1"/>
+              </a:effectRef>
+              <a:fontRef idx="minor">
+                <a:schemeClr val="tx1"/>
+              </a:fontRef>
+            </p:style>
+          </p:cxnSp>
+          <p:cxnSp>
+            <p:nvCxnSpPr>
+              <p:cNvPr id="48" name="연결선: 꺾임 47">
+                <a:extLst>
+                  <a:ext uri="{FF2B5EF4-FFF2-40B4-BE49-F238E27FC236}">
+                    <a16:creationId xmlns:a16="http://schemas.microsoft.com/office/drawing/2014/main" id="{31973FBC-742B-399D-0FFB-07DD7C1A41DA}"/>
+                  </a:ext>
+                </a:extLst>
+              </p:cNvPr>
+              <p:cNvCxnSpPr>
+                <a:cxnSpLocks/>
+                <a:stCxn id="40" idx="3"/>
+                <a:endCxn id="43" idx="4"/>
+              </p:cNvCxnSpPr>
+              <p:nvPr/>
+            </p:nvCxnSpPr>
+            <p:spPr>
+              <a:xfrm flipV="1">
+                <a:off x="1988705" y="3956295"/>
+                <a:ext cx="1464653" cy="1760667"/>
+              </a:xfrm>
+              <a:prstGeom prst="bentConnector2">
+                <a:avLst/>
+              </a:prstGeom>
+              <a:ln>
+                <a:solidFill>
+                  <a:schemeClr val="tx1"/>
+                </a:solidFill>
+                <a:tailEnd type="triangle"/>
+              </a:ln>
+            </p:spPr>
+            <p:style>
+              <a:lnRef idx="2">
+                <a:schemeClr val="accent1"/>
+              </a:lnRef>
+              <a:fillRef idx="0">
+                <a:schemeClr val="accent1"/>
+              </a:fillRef>
+              <a:effectRef idx="1">
+                <a:schemeClr val="accent1"/>
+              </a:effectRef>
+              <a:fontRef idx="minor">
+                <a:schemeClr val="tx1"/>
+              </a:fontRef>
+            </p:style>
+          </p:cxnSp>
+          <p:graphicFrame>
+            <p:nvGraphicFramePr>
+              <p:cNvPr id="49" name="개체 48">
+                <a:extLst>
+                  <a:ext uri="{FF2B5EF4-FFF2-40B4-BE49-F238E27FC236}">
+                    <a16:creationId xmlns:a16="http://schemas.microsoft.com/office/drawing/2014/main" id="{B8039ED9-5BEB-8F4E-AF76-11E1E849F1BC}"/>
+                  </a:ext>
+                </a:extLst>
+              </p:cNvPr>
+              <p:cNvGraphicFramePr>
+                <a:graphicFrameLocks noChangeAspect="1"/>
+              </p:cNvGraphicFramePr>
+              <p:nvPr>
+                <p:extLst>
+                  <p:ext uri="{D42A27DB-BD31-4B8C-83A1-F6EECF244321}">
+                    <p14:modId xmlns:p14="http://schemas.microsoft.com/office/powerpoint/2010/main" val="1146202817"/>
+                  </p:ext>
+                </p:extLst>
+              </p:nvPr>
+            </p:nvGraphicFramePr>
+            <p:xfrm>
+              <a:off x="8410725" y="5470941"/>
+              <a:ext cx="495300" cy="469900"/>
+            </p:xfrm>
+            <a:graphic>
+              <a:graphicData uri="http://schemas.openxmlformats.org/presentationml/2006/ole">
+                <mc:AlternateContent xmlns:mc="http://schemas.openxmlformats.org/markup-compatibility/2006">
+                  <mc:Choice xmlns:v="urn:schemas-microsoft-com:vml" Requires="v">
+                    <p:oleObj name="Equation" r:id="rId5" imgW="495000" imgH="469800" progId="Equation.DSMT4">
+                      <p:embed/>
+                    </p:oleObj>
+                  </mc:Choice>
+                  <mc:Fallback>
+                    <p:oleObj name="Equation" r:id="rId5" imgW="495000" imgH="469800" progId="Equation.DSMT4">
+                      <p:embed/>
+                      <p:pic>
+                        <p:nvPicPr>
+                          <p:cNvPr id="49" name="개체 48">
+                            <a:extLst>
+                              <a:ext uri="{FF2B5EF4-FFF2-40B4-BE49-F238E27FC236}">
+                                <a16:creationId xmlns:a16="http://schemas.microsoft.com/office/drawing/2014/main" id="{B8039ED9-5BEB-8F4E-AF76-11E1E849F1BC}"/>
+                              </a:ext>
+                            </a:extLst>
+                          </p:cNvPr>
+                          <p:cNvPicPr/>
+                          <p:nvPr/>
+                        </p:nvPicPr>
+                        <p:blipFill>
+                          <a:blip r:embed="rId6"/>
+                          <a:stretch>
+                            <a:fillRect/>
+                          </a:stretch>
+                        </p:blipFill>
+                        <p:spPr>
+                          <a:xfrm>
+                            <a:off x="8410725" y="5470941"/>
+                            <a:ext cx="495300" cy="469900"/>
+                          </a:xfrm>
+                          <a:prstGeom prst="rect">
+                            <a:avLst/>
+                          </a:prstGeom>
+                        </p:spPr>
+                      </p:pic>
+                    </p:oleObj>
+                  </mc:Fallback>
+                </mc:AlternateContent>
+              </a:graphicData>
+            </a:graphic>
+          </p:graphicFrame>
+          <p:cxnSp>
+            <p:nvCxnSpPr>
+              <p:cNvPr id="52" name="직선 화살표 연결선 51">
+                <a:extLst>
+                  <a:ext uri="{FF2B5EF4-FFF2-40B4-BE49-F238E27FC236}">
+                    <a16:creationId xmlns:a16="http://schemas.microsoft.com/office/drawing/2014/main" id="{5BA12BD3-33CC-2978-33F0-63D91EE0C5E0}"/>
+                  </a:ext>
+                </a:extLst>
+              </p:cNvPr>
+              <p:cNvCxnSpPr>
+                <a:cxnSpLocks/>
+                <a:stCxn id="43" idx="6"/>
+                <a:endCxn id="7" idx="1"/>
+              </p:cNvCxnSpPr>
+              <p:nvPr/>
+            </p:nvCxnSpPr>
+            <p:spPr>
+              <a:xfrm>
+                <a:off x="3613378" y="3797840"/>
+                <a:ext cx="322762" cy="1"/>
+              </a:xfrm>
+              <a:prstGeom prst="straightConnector1">
+                <a:avLst/>
+              </a:prstGeom>
+              <a:ln>
+                <a:solidFill>
+                  <a:schemeClr val="tx1"/>
+                </a:solidFill>
+                <a:tailEnd type="triangle"/>
+              </a:ln>
+            </p:spPr>
+            <p:style>
+              <a:lnRef idx="2">
+                <a:schemeClr val="accent1"/>
+              </a:lnRef>
+              <a:fillRef idx="0">
+                <a:schemeClr val="accent1"/>
+              </a:fillRef>
+              <a:effectRef idx="1">
+                <a:schemeClr val="accent1"/>
+              </a:effectRef>
+              <a:fontRef idx="minor">
+                <a:schemeClr val="tx1"/>
+              </a:fontRef>
+            </p:style>
+          </p:cxnSp>
+          <p:graphicFrame>
+            <p:nvGraphicFramePr>
+              <p:cNvPr id="61" name="개체 60">
+                <a:extLst>
+                  <a:ext uri="{FF2B5EF4-FFF2-40B4-BE49-F238E27FC236}">
+                    <a16:creationId xmlns:a16="http://schemas.microsoft.com/office/drawing/2014/main" id="{53A83F78-45F2-F18C-1944-EE18F1E09DC6}"/>
+                  </a:ext>
+                </a:extLst>
+              </p:cNvPr>
+              <p:cNvGraphicFramePr>
+                <a:graphicFrameLocks noChangeAspect="1"/>
+              </p:cNvGraphicFramePr>
+              <p:nvPr/>
+            </p:nvGraphicFramePr>
+            <p:xfrm>
+              <a:off x="9434675" y="1429138"/>
+              <a:ext cx="2908300" cy="444500"/>
+            </p:xfrm>
+            <a:graphic>
+              <a:graphicData uri="http://schemas.openxmlformats.org/presentationml/2006/ole">
+                <mc:AlternateContent xmlns:mc="http://schemas.openxmlformats.org/markup-compatibility/2006">
+                  <mc:Choice xmlns:v="urn:schemas-microsoft-com:vml" Requires="v">
+                    <p:oleObj name="Equation" r:id="rId7" imgW="2908080" imgH="444240" progId="Equation.DSMT4">
+                      <p:embed/>
+                    </p:oleObj>
+                  </mc:Choice>
+                  <mc:Fallback>
+                    <p:oleObj name="Equation" r:id="rId7" imgW="2908080" imgH="444240" progId="Equation.DSMT4">
+                      <p:embed/>
+                      <p:pic>
+                        <p:nvPicPr>
+                          <p:cNvPr id="61" name="개체 60">
+                            <a:extLst>
+                              <a:ext uri="{FF2B5EF4-FFF2-40B4-BE49-F238E27FC236}">
+                                <a16:creationId xmlns:a16="http://schemas.microsoft.com/office/drawing/2014/main" id="{53A83F78-45F2-F18C-1944-EE18F1E09DC6}"/>
+                              </a:ext>
+                            </a:extLst>
+                          </p:cNvPr>
+                          <p:cNvPicPr/>
+                          <p:nvPr/>
+                        </p:nvPicPr>
+                        <p:blipFill>
+                          <a:blip r:embed="rId8"/>
+                          <a:stretch>
+                            <a:fillRect/>
+                          </a:stretch>
+                        </p:blipFill>
+                        <p:spPr>
+                          <a:xfrm>
+                            <a:off x="9434675" y="1429138"/>
+                            <a:ext cx="2908300" cy="444500"/>
+                          </a:xfrm>
+                          <a:prstGeom prst="rect">
+                            <a:avLst/>
+                          </a:prstGeom>
+                        </p:spPr>
+                      </p:pic>
+                    </p:oleObj>
+                  </mc:Fallback>
+                </mc:AlternateContent>
+              </a:graphicData>
+            </a:graphic>
+          </p:graphicFrame>
+        </p:grpSp>
+        <p:pic>
+          <p:nvPicPr>
+            <p:cNvPr id="3" name="그림 2">
+              <a:extLst>
+                <a:ext uri="{FF2B5EF4-FFF2-40B4-BE49-F238E27FC236}">
+                  <a16:creationId xmlns:a16="http://schemas.microsoft.com/office/drawing/2014/main" id="{DCE76281-6EEF-8F4E-AB42-F20FAA6897CF}"/>
+                </a:ext>
+              </a:extLst>
+            </p:cNvPr>
+            <p:cNvPicPr>
+              <a:picLocks noChangeAspect="1"/>
+            </p:cNvPicPr>
+            <p:nvPr/>
+          </p:nvPicPr>
+          <p:blipFill>
+            <a:blip r:embed="rId9"/>
+            <a:stretch>
+              <a:fillRect/>
+            </a:stretch>
+          </p:blipFill>
+          <p:spPr>
+            <a:xfrm>
+              <a:off x="348378" y="1952194"/>
+              <a:ext cx="1419423" cy="1467055"/>
+            </a:xfrm>
+            <a:prstGeom prst="rect">
+              <a:avLst/>
+            </a:prstGeom>
+          </p:spPr>
+        </p:pic>
+        <p:cxnSp>
+          <p:nvCxnSpPr>
+            <p:cNvPr id="19" name="직선 화살표 연결선 18">
+              <a:extLst>
+                <a:ext uri="{FF2B5EF4-FFF2-40B4-BE49-F238E27FC236}">
+                  <a16:creationId xmlns:a16="http://schemas.microsoft.com/office/drawing/2014/main" id="{72641E72-1338-50D5-9AE7-43462153FE85}"/>
+                </a:ext>
+              </a:extLst>
+            </p:cNvPr>
+            <p:cNvCxnSpPr>
+              <a:cxnSpLocks/>
+              <a:stCxn id="2" idx="2"/>
+              <a:endCxn id="8" idx="0"/>
+            </p:cNvCxnSpPr>
+            <p:nvPr/>
+          </p:nvCxnSpPr>
+          <p:spPr>
+            <a:xfrm flipH="1">
+              <a:off x="9445855" y="5109119"/>
+              <a:ext cx="1" cy="492002"/>
+            </a:xfrm>
+            <a:prstGeom prst="straightConnector1">
+              <a:avLst/>
+            </a:prstGeom>
+            <a:ln>
+              <a:solidFill>
+                <a:schemeClr val="tx1"/>
+              </a:solidFill>
+              <a:tailEnd type="triangle"/>
+            </a:ln>
+          </p:spPr>
+          <p:style>
+            <a:lnRef idx="2">
+              <a:schemeClr val="accent1"/>
+            </a:lnRef>
+            <a:fillRef idx="0">
+              <a:schemeClr val="accent1"/>
+            </a:fillRef>
+            <a:effectRef idx="1">
+              <a:schemeClr val="accent1"/>
+            </a:effectRef>
+            <a:fontRef idx="minor">
+              <a:schemeClr val="tx1"/>
+            </a:fontRef>
+          </p:style>
+        </p:cxnSp>
+        <p:sp>
+          <p:nvSpPr>
+            <p:cNvPr id="28" name="사각형: 둥근 모서리 27">
+              <a:extLst>
+                <a:ext uri="{FF2B5EF4-FFF2-40B4-BE49-F238E27FC236}">
+                  <a16:creationId xmlns:a16="http://schemas.microsoft.com/office/drawing/2014/main" id="{8B932A58-6465-7323-2CA9-750065801DD7}"/>
+                </a:ext>
+              </a:extLst>
+            </p:cNvPr>
+            <p:cNvSpPr/>
+            <p:nvPr/>
+          </p:nvSpPr>
+          <p:spPr>
+            <a:xfrm>
+              <a:off x="5273526" y="5601542"/>
+              <a:ext cx="2273300" cy="1127125"/>
+            </a:xfrm>
+            <a:prstGeom prst="roundRect">
+              <a:avLst/>
+            </a:prstGeom>
+            <a:noFill/>
+            <a:ln>
+              <a:solidFill>
+                <a:schemeClr val="tx1"/>
+              </a:solidFill>
+            </a:ln>
+          </p:spPr>
+          <p:style>
+            <a:lnRef idx="2">
+              <a:schemeClr val="accent1">
+                <a:shade val="15000"/>
+              </a:schemeClr>
+            </a:lnRef>
+            <a:fillRef idx="1">
+              <a:schemeClr val="accent1"/>
+            </a:fillRef>
+            <a:effectRef idx="0">
+              <a:schemeClr val="accent1"/>
+            </a:effectRef>
+            <a:fontRef idx="minor">
+              <a:schemeClr val="lt1"/>
+            </a:fontRef>
+          </p:style>
+          <p:txBody>
+            <a:bodyPr rtlCol="0" anchor="ctr"/>
+            <a:lstStyle/>
+            <a:p>
+              <a:pPr algn="ctr"/>
+              <a:r>
+                <a:rPr lang="en-US" altLang="ko-KR" sz="2800" dirty="0">
+                  <a:solidFill>
+                    <a:schemeClr val="tx1"/>
+                  </a:solidFill>
+                  <a:latin typeface="Times New Roman" panose="02020603050405020304" pitchFamily="18" charset="0"/>
+                  <a:cs typeface="Times New Roman" panose="02020603050405020304" pitchFamily="18" charset="0"/>
+                </a:rPr>
+                <a:t>Torque Distribution</a:t>
+              </a:r>
+              <a:endParaRPr lang="ko-KR" altLang="en-US" sz="2800" dirty="0">
+                <a:solidFill>
+                  <a:schemeClr val="tx1"/>
+                </a:solidFill>
+                <a:latin typeface="Times New Roman" panose="02020603050405020304" pitchFamily="18" charset="0"/>
+                <a:cs typeface="Times New Roman" panose="02020603050405020304" pitchFamily="18" charset="0"/>
+              </a:endParaRPr>
+            </a:p>
+          </p:txBody>
+        </p:sp>
+        <p:sp>
+          <p:nvSpPr>
+            <p:cNvPr id="29" name="사각형: 둥근 모서리 28">
+              <a:extLst>
+                <a:ext uri="{FF2B5EF4-FFF2-40B4-BE49-F238E27FC236}">
+                  <a16:creationId xmlns:a16="http://schemas.microsoft.com/office/drawing/2014/main" id="{91F1F702-6B57-5AD3-72D2-CACB5216259E}"/>
+                </a:ext>
+              </a:extLst>
+            </p:cNvPr>
+            <p:cNvSpPr/>
+            <p:nvPr/>
+          </p:nvSpPr>
+          <p:spPr>
+            <a:xfrm>
+              <a:off x="2075645" y="5601121"/>
+              <a:ext cx="2273300" cy="1127125"/>
+            </a:xfrm>
+            <a:prstGeom prst="roundRect">
+              <a:avLst/>
+            </a:prstGeom>
+            <a:noFill/>
+            <a:ln>
+              <a:solidFill>
+                <a:schemeClr val="tx1"/>
+              </a:solidFill>
+            </a:ln>
+          </p:spPr>
+          <p:style>
+            <a:lnRef idx="2">
+              <a:schemeClr val="accent1">
+                <a:shade val="15000"/>
+              </a:schemeClr>
+            </a:lnRef>
+            <a:fillRef idx="1">
+              <a:schemeClr val="accent1"/>
+            </a:fillRef>
+            <a:effectRef idx="0">
+              <a:schemeClr val="accent1"/>
+            </a:effectRef>
+            <a:fontRef idx="minor">
+              <a:schemeClr val="lt1"/>
+            </a:fontRef>
+          </p:style>
+          <p:txBody>
+            <a:bodyPr rtlCol="0" anchor="ctr"/>
+            <a:lstStyle/>
+            <a:p>
+              <a:pPr algn="ctr"/>
+              <a:r>
+                <a:rPr lang="en-US" altLang="ko-KR" sz="2800" dirty="0">
+                  <a:solidFill>
+                    <a:schemeClr val="tx1"/>
+                  </a:solidFill>
+                  <a:latin typeface="Times New Roman" panose="02020603050405020304" pitchFamily="18" charset="0"/>
+                  <a:cs typeface="Times New Roman" panose="02020603050405020304" pitchFamily="18" charset="0"/>
+                </a:rPr>
+                <a:t>Motor</a:t>
+              </a:r>
+              <a:endParaRPr lang="ko-KR" altLang="en-US" sz="2800" dirty="0">
+                <a:solidFill>
+                  <a:schemeClr val="tx1"/>
+                </a:solidFill>
+                <a:latin typeface="Times New Roman" panose="02020603050405020304" pitchFamily="18" charset="0"/>
+                <a:cs typeface="Times New Roman" panose="02020603050405020304" pitchFamily="18" charset="0"/>
+              </a:endParaRPr>
+            </a:p>
+          </p:txBody>
+        </p:sp>
+        <p:cxnSp>
+          <p:nvCxnSpPr>
+            <p:cNvPr id="32" name="직선 화살표 연결선 31">
+              <a:extLst>
+                <a:ext uri="{FF2B5EF4-FFF2-40B4-BE49-F238E27FC236}">
+                  <a16:creationId xmlns:a16="http://schemas.microsoft.com/office/drawing/2014/main" id="{7EBFD542-F700-6E37-6281-FDC9597C8E61}"/>
+                </a:ext>
+              </a:extLst>
+            </p:cNvPr>
+            <p:cNvCxnSpPr>
+              <a:cxnSpLocks/>
+              <a:stCxn id="8" idx="1"/>
+              <a:endCxn id="28" idx="3"/>
+            </p:cNvCxnSpPr>
+            <p:nvPr/>
+          </p:nvCxnSpPr>
+          <p:spPr>
+            <a:xfrm flipH="1">
+              <a:off x="7546826" y="6164684"/>
+              <a:ext cx="762379" cy="421"/>
+            </a:xfrm>
+            <a:prstGeom prst="straightConnector1">
+              <a:avLst/>
+            </a:prstGeom>
+            <a:ln>
+              <a:solidFill>
+                <a:schemeClr val="tx1"/>
+              </a:solidFill>
+              <a:tailEnd type="triangle"/>
+            </a:ln>
+          </p:spPr>
+          <p:style>
+            <a:lnRef idx="2">
+              <a:schemeClr val="accent1"/>
+            </a:lnRef>
+            <a:fillRef idx="0">
+              <a:schemeClr val="accent1"/>
+            </a:fillRef>
+            <a:effectRef idx="1">
+              <a:schemeClr val="accent1"/>
+            </a:effectRef>
+            <a:fontRef idx="minor">
+              <a:schemeClr val="tx1"/>
+            </a:fontRef>
+          </p:style>
+        </p:cxnSp>
+        <p:cxnSp>
+          <p:nvCxnSpPr>
+            <p:cNvPr id="35" name="직선 화살표 연결선 34">
+              <a:extLst>
+                <a:ext uri="{FF2B5EF4-FFF2-40B4-BE49-F238E27FC236}">
+                  <a16:creationId xmlns:a16="http://schemas.microsoft.com/office/drawing/2014/main" id="{B1116988-4B6E-3B7B-9C90-DF3B8889D061}"/>
+                </a:ext>
+              </a:extLst>
+            </p:cNvPr>
+            <p:cNvCxnSpPr>
+              <a:cxnSpLocks/>
+              <a:stCxn id="28" idx="1"/>
+              <a:endCxn id="29" idx="3"/>
+            </p:cNvCxnSpPr>
+            <p:nvPr/>
+          </p:nvCxnSpPr>
+          <p:spPr>
+            <a:xfrm flipH="1" flipV="1">
+              <a:off x="4348945" y="6164684"/>
+              <a:ext cx="924581" cy="421"/>
+            </a:xfrm>
+            <a:prstGeom prst="straightConnector1">
+              <a:avLst/>
+            </a:prstGeom>
+            <a:ln>
+              <a:solidFill>
+                <a:schemeClr val="tx1"/>
+              </a:solidFill>
+              <a:tailEnd type="triangle"/>
+            </a:ln>
+          </p:spPr>
+          <p:style>
+            <a:lnRef idx="2">
+              <a:schemeClr val="accent1"/>
+            </a:lnRef>
+            <a:fillRef idx="0">
+              <a:schemeClr val="accent1"/>
+            </a:fillRef>
+            <a:effectRef idx="1">
+              <a:schemeClr val="accent1"/>
+            </a:effectRef>
+            <a:fontRef idx="minor">
+              <a:schemeClr val="tx1"/>
+            </a:fontRef>
+          </p:style>
+        </p:cxnSp>
+      </p:grpSp>
+    </p:spTree>
+    <p:extLst>
+      <p:ext uri="{BB962C8B-B14F-4D97-AF65-F5344CB8AC3E}">
+        <p14:creationId xmlns:p14="http://schemas.microsoft.com/office/powerpoint/2010/main" val="143058342"/>
+      </p:ext>
+    </p:extLst>
+  </p:cSld>
+  <p:clrMapOvr>
+    <a:masterClrMapping/>
+  </p:clrMapOvr>
+</p:sld>
+</file>
+
+<file path=ppt/slides/slide4.xml><?xml version="1.0" encoding="utf-8"?>
+<p:sld xmlns:a="http://schemas.openxmlformats.org/drawingml/2006/main" xmlns:r="http://schemas.openxmlformats.org/officeDocument/2006/relationships" xmlns:p="http://schemas.openxmlformats.org/presentationml/2006/main">
+  <p:cSld>
+    <p:spTree>
+      <p:nvGrpSpPr>
+        <p:cNvPr id="1" name=""/>
+        <p:cNvGrpSpPr/>
+        <p:nvPr/>
+      </p:nvGrpSpPr>
+      <p:grpSpPr>
+        <a:xfrm>
+          <a:off x="0" y="0"/>
+          <a:ext cx="0" cy="0"/>
+          <a:chOff x="0" y="0"/>
+          <a:chExt cx="0" cy="0"/>
+        </a:xfrm>
+      </p:grpSpPr>
+      <p:grpSp>
+        <p:nvGrpSpPr>
           <p:cNvPr id="17" name="그룹 16">
             <a:extLst>
               <a:ext uri="{FF2B5EF4-FFF2-40B4-BE49-F238E27FC236}">

--- a/Paper/자료/논문그림.pptx
+++ b/Paper/자료/논문그림.pptx
@@ -2,7 +2,7 @@
 <file path=ppt/presentation.xml><?xml version="1.0" encoding="utf-8"?>
 <p:presentation xmlns:a="http://schemas.openxmlformats.org/drawingml/2006/main" xmlns:r="http://schemas.openxmlformats.org/officeDocument/2006/relationships" xmlns:p="http://schemas.openxmlformats.org/presentationml/2006/main" saveSubsetFonts="1">
   <p:sldMasterIdLst>
-    <p:sldMasterId id="2147483648" r:id="rId1"/>
+    <p:sldMasterId id="2147483672" r:id="rId1"/>
   </p:sldMasterIdLst>
   <p:notesMasterIdLst>
     <p:notesMasterId r:id="rId6"/>
@@ -13,13 +13,13 @@
     <p:sldId id="263" r:id="rId4"/>
     <p:sldId id="262" r:id="rId5"/>
   </p:sldIdLst>
-  <p:sldSz cx="12192000" cy="6858000"/>
+  <p:sldSz cx="16200438" cy="6858000"/>
   <p:notesSz cx="6858000" cy="9144000"/>
   <p:defaultTextStyle>
     <a:defPPr>
-      <a:defRPr lang="ko-KR"/>
+      <a:defRPr lang="en-US"/>
     </a:defPPr>
-    <a:lvl1pPr marL="0" algn="l" defTabSz="914400" rtl="0" eaLnBrk="1" latinLnBrk="1" hangingPunct="1">
+    <a:lvl1pPr marL="0" algn="l" defTabSz="457200" rtl="0" eaLnBrk="1" latinLnBrk="0" hangingPunct="1">
       <a:defRPr sz="1800" kern="1200">
         <a:solidFill>
           <a:schemeClr val="tx1"/>
@@ -29,7 +29,7 @@
         <a:cs typeface="+mn-cs"/>
       </a:defRPr>
     </a:lvl1pPr>
-    <a:lvl2pPr marL="457200" algn="l" defTabSz="914400" rtl="0" eaLnBrk="1" latinLnBrk="1" hangingPunct="1">
+    <a:lvl2pPr marL="457200" algn="l" defTabSz="457200" rtl="0" eaLnBrk="1" latinLnBrk="0" hangingPunct="1">
       <a:defRPr sz="1800" kern="1200">
         <a:solidFill>
           <a:schemeClr val="tx1"/>
@@ -39,7 +39,7 @@
         <a:cs typeface="+mn-cs"/>
       </a:defRPr>
     </a:lvl2pPr>
-    <a:lvl3pPr marL="914400" algn="l" defTabSz="914400" rtl="0" eaLnBrk="1" latinLnBrk="1" hangingPunct="1">
+    <a:lvl3pPr marL="914400" algn="l" defTabSz="457200" rtl="0" eaLnBrk="1" latinLnBrk="0" hangingPunct="1">
       <a:defRPr sz="1800" kern="1200">
         <a:solidFill>
           <a:schemeClr val="tx1"/>
@@ -49,7 +49,7 @@
         <a:cs typeface="+mn-cs"/>
       </a:defRPr>
     </a:lvl3pPr>
-    <a:lvl4pPr marL="1371600" algn="l" defTabSz="914400" rtl="0" eaLnBrk="1" latinLnBrk="1" hangingPunct="1">
+    <a:lvl4pPr marL="1371600" algn="l" defTabSz="457200" rtl="0" eaLnBrk="1" latinLnBrk="0" hangingPunct="1">
       <a:defRPr sz="1800" kern="1200">
         <a:solidFill>
           <a:schemeClr val="tx1"/>
@@ -59,7 +59,7 @@
         <a:cs typeface="+mn-cs"/>
       </a:defRPr>
     </a:lvl4pPr>
-    <a:lvl5pPr marL="1828800" algn="l" defTabSz="914400" rtl="0" eaLnBrk="1" latinLnBrk="1" hangingPunct="1">
+    <a:lvl5pPr marL="1828800" algn="l" defTabSz="457200" rtl="0" eaLnBrk="1" latinLnBrk="0" hangingPunct="1">
       <a:defRPr sz="1800" kern="1200">
         <a:solidFill>
           <a:schemeClr val="tx1"/>
@@ -69,7 +69,7 @@
         <a:cs typeface="+mn-cs"/>
       </a:defRPr>
     </a:lvl5pPr>
-    <a:lvl6pPr marL="2286000" algn="l" defTabSz="914400" rtl="0" eaLnBrk="1" latinLnBrk="1" hangingPunct="1">
+    <a:lvl6pPr marL="2286000" algn="l" defTabSz="457200" rtl="0" eaLnBrk="1" latinLnBrk="0" hangingPunct="1">
       <a:defRPr sz="1800" kern="1200">
         <a:solidFill>
           <a:schemeClr val="tx1"/>
@@ -79,7 +79,7 @@
         <a:cs typeface="+mn-cs"/>
       </a:defRPr>
     </a:lvl6pPr>
-    <a:lvl7pPr marL="2743200" algn="l" defTabSz="914400" rtl="0" eaLnBrk="1" latinLnBrk="1" hangingPunct="1">
+    <a:lvl7pPr marL="2743200" algn="l" defTabSz="457200" rtl="0" eaLnBrk="1" latinLnBrk="0" hangingPunct="1">
       <a:defRPr sz="1800" kern="1200">
         <a:solidFill>
           <a:schemeClr val="tx1"/>
@@ -89,7 +89,7 @@
         <a:cs typeface="+mn-cs"/>
       </a:defRPr>
     </a:lvl7pPr>
-    <a:lvl8pPr marL="3200400" algn="l" defTabSz="914400" rtl="0" eaLnBrk="1" latinLnBrk="1" hangingPunct="1">
+    <a:lvl8pPr marL="3200400" algn="l" defTabSz="457200" rtl="0" eaLnBrk="1" latinLnBrk="0" hangingPunct="1">
       <a:defRPr sz="1800" kern="1200">
         <a:solidFill>
           <a:schemeClr val="tx1"/>
@@ -99,7 +99,7 @@
         <a:cs typeface="+mn-cs"/>
       </a:defRPr>
     </a:lvl8pPr>
-    <a:lvl9pPr marL="3657600" algn="l" defTabSz="914400" rtl="0" eaLnBrk="1" latinLnBrk="1" hangingPunct="1">
+    <a:lvl9pPr marL="3657600" algn="l" defTabSz="457200" rtl="0" eaLnBrk="1" latinLnBrk="0" hangingPunct="1">
       <a:defRPr sz="1800" kern="1200">
         <a:solidFill>
           <a:schemeClr val="tx1"/>
@@ -203,7 +203,7 @@
           <a:p>
             <a:fld id="{DF808D06-9E3F-44FB-93F2-5318620A4091}" type="datetimeFigureOut">
               <a:rPr lang="ko-KR" altLang="en-US" smtClean="0"/>
-              <a:t>2024-09-13</a:t>
+              <a:t>2024-09-23</a:t>
             </a:fld>
             <a:endParaRPr lang="ko-KR" altLang="en-US"/>
           </a:p>
@@ -221,8 +221,8 @@
         </p:nvSpPr>
         <p:spPr>
           <a:xfrm>
-            <a:off x="685800" y="1143000"/>
-            <a:ext cx="5486400" cy="3086100"/>
+            <a:off x="-215900" y="1143000"/>
+            <a:ext cx="7289800" cy="3086100"/>
           </a:xfrm>
           <a:prstGeom prst="rect">
             <a:avLst/>
@@ -489,13 +489,7 @@
       </p:grpSpPr>
       <p:sp>
         <p:nvSpPr>
-          <p:cNvPr id="2" name="제목 1">
-            <a:extLst>
-              <a:ext uri="{FF2B5EF4-FFF2-40B4-BE49-F238E27FC236}">
-                <a16:creationId xmlns:a16="http://schemas.microsoft.com/office/drawing/2014/main" id="{D052599B-5814-74A9-5160-062B6A90CDA1}"/>
-              </a:ext>
-            </a:extLst>
-          </p:cNvPr>
+          <p:cNvPr id="2" name="Title 1"/>
           <p:cNvSpPr>
             <a:spLocks noGrp="1"/>
           </p:cNvSpPr>
@@ -505,8 +499,8 @@
         </p:nvSpPr>
         <p:spPr>
           <a:xfrm>
-            <a:off x="1524000" y="1122363"/>
-            <a:ext cx="9144000" cy="2387600"/>
+            <a:off x="2025055" y="1122363"/>
+            <a:ext cx="12150329" cy="2387600"/>
           </a:xfrm>
         </p:spPr>
         <p:txBody>
@@ -521,18 +515,13 @@
               <a:rPr lang="ko-KR" altLang="en-US"/>
               <a:t>마스터 제목 스타일 편집</a:t>
             </a:r>
+            <a:endParaRPr lang="en-US" dirty="0"/>
           </a:p>
         </p:txBody>
       </p:sp>
       <p:sp>
         <p:nvSpPr>
-          <p:cNvPr id="3" name="부제목 2">
-            <a:extLst>
-              <a:ext uri="{FF2B5EF4-FFF2-40B4-BE49-F238E27FC236}">
-                <a16:creationId xmlns:a16="http://schemas.microsoft.com/office/drawing/2014/main" id="{5EF0A727-D452-7C7F-E2A9-78533E22B735}"/>
-              </a:ext>
-            </a:extLst>
-          </p:cNvPr>
+          <p:cNvPr id="3" name="Subtitle 2"/>
           <p:cNvSpPr>
             <a:spLocks noGrp="1"/>
           </p:cNvSpPr>
@@ -542,8 +531,8 @@
         </p:nvSpPr>
         <p:spPr>
           <a:xfrm>
-            <a:off x="1524000" y="3602038"/>
-            <a:ext cx="9144000" cy="1655762"/>
+            <a:off x="2025055" y="3602038"/>
+            <a:ext cx="12150329" cy="1655762"/>
           </a:xfrm>
         </p:spPr>
         <p:txBody>
@@ -591,18 +580,13 @@
               <a:rPr lang="ko-KR" altLang="en-US"/>
               <a:t>클릭하여 마스터 부제목 스타일 편집</a:t>
             </a:r>
+            <a:endParaRPr lang="en-US" dirty="0"/>
           </a:p>
         </p:txBody>
       </p:sp>
       <p:sp>
         <p:nvSpPr>
-          <p:cNvPr id="4" name="날짜 개체 틀 3">
-            <a:extLst>
-              <a:ext uri="{FF2B5EF4-FFF2-40B4-BE49-F238E27FC236}">
-                <a16:creationId xmlns:a16="http://schemas.microsoft.com/office/drawing/2014/main" id="{B909D4C1-381A-8BF2-DA9F-07A7279C223D}"/>
-              </a:ext>
-            </a:extLst>
-          </p:cNvPr>
+          <p:cNvPr id="4" name="Date Placeholder 3"/>
           <p:cNvSpPr>
             <a:spLocks noGrp="1"/>
           </p:cNvSpPr>
@@ -617,7 +601,7 @@
           <a:p>
             <a:fld id="{1E28F0D3-E3FD-49FD-8E82-3F8837207BDD}" type="datetimeFigureOut">
               <a:rPr lang="ko-KR" altLang="en-US" smtClean="0"/>
-              <a:t>2024-09-13</a:t>
+              <a:t>2024-09-23</a:t>
             </a:fld>
             <a:endParaRPr lang="ko-KR" altLang="en-US"/>
           </a:p>
@@ -625,13 +609,7 @@
       </p:sp>
       <p:sp>
         <p:nvSpPr>
-          <p:cNvPr id="5" name="바닥글 개체 틀 4">
-            <a:extLst>
-              <a:ext uri="{FF2B5EF4-FFF2-40B4-BE49-F238E27FC236}">
-                <a16:creationId xmlns:a16="http://schemas.microsoft.com/office/drawing/2014/main" id="{8EC3B3EC-7378-701A-C8D1-F4AB4F5E67F5}"/>
-              </a:ext>
-            </a:extLst>
-          </p:cNvPr>
+          <p:cNvPr id="5" name="Footer Placeholder 4"/>
           <p:cNvSpPr>
             <a:spLocks noGrp="1"/>
           </p:cNvSpPr>
@@ -650,13 +628,7 @@
       </p:sp>
       <p:sp>
         <p:nvSpPr>
-          <p:cNvPr id="6" name="슬라이드 번호 개체 틀 5">
-            <a:extLst>
-              <a:ext uri="{FF2B5EF4-FFF2-40B4-BE49-F238E27FC236}">
-                <a16:creationId xmlns:a16="http://schemas.microsoft.com/office/drawing/2014/main" id="{AEC47519-6990-E59D-4E75-DC8E6CE6D75D}"/>
-              </a:ext>
-            </a:extLst>
-          </p:cNvPr>
+          <p:cNvPr id="6" name="Slide Number Placeholder 5"/>
           <p:cNvSpPr>
             <a:spLocks noGrp="1"/>
           </p:cNvSpPr>
@@ -680,7 +652,7 @@
     </p:spTree>
     <p:extLst>
       <p:ext uri="{BB962C8B-B14F-4D97-AF65-F5344CB8AC3E}">
-        <p14:creationId xmlns:p14="http://schemas.microsoft.com/office/powerpoint/2010/main" val="1797540457"/>
+        <p14:creationId xmlns:p14="http://schemas.microsoft.com/office/powerpoint/2010/main" val="856709406"/>
       </p:ext>
     </p:extLst>
   </p:cSld>
@@ -709,13 +681,7 @@
       </p:grpSpPr>
       <p:sp>
         <p:nvSpPr>
-          <p:cNvPr id="2" name="제목 1">
-            <a:extLst>
-              <a:ext uri="{FF2B5EF4-FFF2-40B4-BE49-F238E27FC236}">
-                <a16:creationId xmlns:a16="http://schemas.microsoft.com/office/drawing/2014/main" id="{85AD6720-5FC8-239A-989D-67BE7C261D2F}"/>
-              </a:ext>
-            </a:extLst>
-          </p:cNvPr>
+          <p:cNvPr id="2" name="Title 1"/>
           <p:cNvSpPr>
             <a:spLocks noGrp="1"/>
           </p:cNvSpPr>
@@ -732,18 +698,13 @@
               <a:rPr lang="ko-KR" altLang="en-US"/>
               <a:t>마스터 제목 스타일 편집</a:t>
             </a:r>
+            <a:endParaRPr lang="en-US" dirty="0"/>
           </a:p>
         </p:txBody>
       </p:sp>
       <p:sp>
         <p:nvSpPr>
-          <p:cNvPr id="3" name="세로 텍스트 개체 틀 2">
-            <a:extLst>
-              <a:ext uri="{FF2B5EF4-FFF2-40B4-BE49-F238E27FC236}">
-                <a16:creationId xmlns:a16="http://schemas.microsoft.com/office/drawing/2014/main" id="{0502DFF7-3150-36B9-6542-F1A16F1EC795}"/>
-              </a:ext>
-            </a:extLst>
-          </p:cNvPr>
+          <p:cNvPr id="3" name="Vertical Text Placeholder 2"/>
           <p:cNvSpPr>
             <a:spLocks noGrp="1"/>
           </p:cNvSpPr>
@@ -789,18 +750,13 @@
               <a:rPr lang="ko-KR" altLang="en-US"/>
               <a:t>다섯 번째 수준</a:t>
             </a:r>
+            <a:endParaRPr lang="en-US" dirty="0"/>
           </a:p>
         </p:txBody>
       </p:sp>
       <p:sp>
         <p:nvSpPr>
-          <p:cNvPr id="4" name="날짜 개체 틀 3">
-            <a:extLst>
-              <a:ext uri="{FF2B5EF4-FFF2-40B4-BE49-F238E27FC236}">
-                <a16:creationId xmlns:a16="http://schemas.microsoft.com/office/drawing/2014/main" id="{6947F34D-B4CC-9821-010A-3F480ECC6524}"/>
-              </a:ext>
-            </a:extLst>
-          </p:cNvPr>
+          <p:cNvPr id="4" name="Date Placeholder 3"/>
           <p:cNvSpPr>
             <a:spLocks noGrp="1"/>
           </p:cNvSpPr>
@@ -815,7 +771,7 @@
           <a:p>
             <a:fld id="{1E28F0D3-E3FD-49FD-8E82-3F8837207BDD}" type="datetimeFigureOut">
               <a:rPr lang="ko-KR" altLang="en-US" smtClean="0"/>
-              <a:t>2024-09-13</a:t>
+              <a:t>2024-09-23</a:t>
             </a:fld>
             <a:endParaRPr lang="ko-KR" altLang="en-US"/>
           </a:p>
@@ -823,13 +779,7 @@
       </p:sp>
       <p:sp>
         <p:nvSpPr>
-          <p:cNvPr id="5" name="바닥글 개체 틀 4">
-            <a:extLst>
-              <a:ext uri="{FF2B5EF4-FFF2-40B4-BE49-F238E27FC236}">
-                <a16:creationId xmlns:a16="http://schemas.microsoft.com/office/drawing/2014/main" id="{53ABCB49-AC0F-5E86-71B5-6BD2A6FF93E3}"/>
-              </a:ext>
-            </a:extLst>
-          </p:cNvPr>
+          <p:cNvPr id="5" name="Footer Placeholder 4"/>
           <p:cNvSpPr>
             <a:spLocks noGrp="1"/>
           </p:cNvSpPr>
@@ -848,13 +798,7 @@
       </p:sp>
       <p:sp>
         <p:nvSpPr>
-          <p:cNvPr id="6" name="슬라이드 번호 개체 틀 5">
-            <a:extLst>
-              <a:ext uri="{FF2B5EF4-FFF2-40B4-BE49-F238E27FC236}">
-                <a16:creationId xmlns:a16="http://schemas.microsoft.com/office/drawing/2014/main" id="{713DD125-701A-60F2-262A-2F3324A4A0F6}"/>
-              </a:ext>
-            </a:extLst>
-          </p:cNvPr>
+          <p:cNvPr id="6" name="Slide Number Placeholder 5"/>
           <p:cNvSpPr>
             <a:spLocks noGrp="1"/>
           </p:cNvSpPr>
@@ -878,7 +822,7 @@
     </p:spTree>
     <p:extLst>
       <p:ext uri="{BB962C8B-B14F-4D97-AF65-F5344CB8AC3E}">
-        <p14:creationId xmlns:p14="http://schemas.microsoft.com/office/powerpoint/2010/main" val="2286999083"/>
+        <p14:creationId xmlns:p14="http://schemas.microsoft.com/office/powerpoint/2010/main" val="2659679080"/>
       </p:ext>
     </p:extLst>
   </p:cSld>
@@ -907,13 +851,7 @@
       </p:grpSpPr>
       <p:sp>
         <p:nvSpPr>
-          <p:cNvPr id="2" name="세로 제목 1">
-            <a:extLst>
-              <a:ext uri="{FF2B5EF4-FFF2-40B4-BE49-F238E27FC236}">
-                <a16:creationId xmlns:a16="http://schemas.microsoft.com/office/drawing/2014/main" id="{57565F19-6CB8-6CB8-8D4D-1E87BB72F8CB}"/>
-              </a:ext>
-            </a:extLst>
-          </p:cNvPr>
+          <p:cNvPr id="2" name="Vertical Title 1"/>
           <p:cNvSpPr>
             <a:spLocks noGrp="1"/>
           </p:cNvSpPr>
@@ -923,8 +861,8 @@
         </p:nvSpPr>
         <p:spPr>
           <a:xfrm>
-            <a:off x="8724900" y="365125"/>
-            <a:ext cx="2628900" cy="5811838"/>
+            <a:off x="11593439" y="365125"/>
+            <a:ext cx="3493219" cy="5811838"/>
           </a:xfrm>
         </p:spPr>
         <p:txBody>
@@ -935,18 +873,13 @@
               <a:rPr lang="ko-KR" altLang="en-US"/>
               <a:t>마스터 제목 스타일 편집</a:t>
             </a:r>
+            <a:endParaRPr lang="en-US" dirty="0"/>
           </a:p>
         </p:txBody>
       </p:sp>
       <p:sp>
         <p:nvSpPr>
-          <p:cNvPr id="3" name="세로 텍스트 개체 틀 2">
-            <a:extLst>
-              <a:ext uri="{FF2B5EF4-FFF2-40B4-BE49-F238E27FC236}">
-                <a16:creationId xmlns:a16="http://schemas.microsoft.com/office/drawing/2014/main" id="{0E5F1E2C-A5BF-4BF7-86C3-27D29FAA5C87}"/>
-              </a:ext>
-            </a:extLst>
-          </p:cNvPr>
+          <p:cNvPr id="3" name="Vertical Text Placeholder 2"/>
           <p:cNvSpPr>
             <a:spLocks noGrp="1"/>
           </p:cNvSpPr>
@@ -956,8 +889,8 @@
         </p:nvSpPr>
         <p:spPr>
           <a:xfrm>
-            <a:off x="838200" y="365125"/>
-            <a:ext cx="7734300" cy="5811838"/>
+            <a:off x="1113780" y="365125"/>
+            <a:ext cx="10277153" cy="5811838"/>
           </a:xfrm>
         </p:spPr>
         <p:txBody>
@@ -997,18 +930,13 @@
               <a:rPr lang="ko-KR" altLang="en-US"/>
               <a:t>다섯 번째 수준</a:t>
             </a:r>
+            <a:endParaRPr lang="en-US" dirty="0"/>
           </a:p>
         </p:txBody>
       </p:sp>
       <p:sp>
         <p:nvSpPr>
-          <p:cNvPr id="4" name="날짜 개체 틀 3">
-            <a:extLst>
-              <a:ext uri="{FF2B5EF4-FFF2-40B4-BE49-F238E27FC236}">
-                <a16:creationId xmlns:a16="http://schemas.microsoft.com/office/drawing/2014/main" id="{FEA4E09E-6224-033B-BD94-A0B154454587}"/>
-              </a:ext>
-            </a:extLst>
-          </p:cNvPr>
+          <p:cNvPr id="4" name="Date Placeholder 3"/>
           <p:cNvSpPr>
             <a:spLocks noGrp="1"/>
           </p:cNvSpPr>
@@ -1023,7 +951,7 @@
           <a:p>
             <a:fld id="{1E28F0D3-E3FD-49FD-8E82-3F8837207BDD}" type="datetimeFigureOut">
               <a:rPr lang="ko-KR" altLang="en-US" smtClean="0"/>
-              <a:t>2024-09-13</a:t>
+              <a:t>2024-09-23</a:t>
             </a:fld>
             <a:endParaRPr lang="ko-KR" altLang="en-US"/>
           </a:p>
@@ -1031,13 +959,7 @@
       </p:sp>
       <p:sp>
         <p:nvSpPr>
-          <p:cNvPr id="5" name="바닥글 개체 틀 4">
-            <a:extLst>
-              <a:ext uri="{FF2B5EF4-FFF2-40B4-BE49-F238E27FC236}">
-                <a16:creationId xmlns:a16="http://schemas.microsoft.com/office/drawing/2014/main" id="{294ED41F-135D-62C7-E4DF-98425F74AF9B}"/>
-              </a:ext>
-            </a:extLst>
-          </p:cNvPr>
+          <p:cNvPr id="5" name="Footer Placeholder 4"/>
           <p:cNvSpPr>
             <a:spLocks noGrp="1"/>
           </p:cNvSpPr>
@@ -1056,13 +978,7 @@
       </p:sp>
       <p:sp>
         <p:nvSpPr>
-          <p:cNvPr id="6" name="슬라이드 번호 개체 틀 5">
-            <a:extLst>
-              <a:ext uri="{FF2B5EF4-FFF2-40B4-BE49-F238E27FC236}">
-                <a16:creationId xmlns:a16="http://schemas.microsoft.com/office/drawing/2014/main" id="{8B9EADFA-79FA-88B2-323B-2EF714AE31EF}"/>
-              </a:ext>
-            </a:extLst>
-          </p:cNvPr>
+          <p:cNvPr id="6" name="Slide Number Placeholder 5"/>
           <p:cNvSpPr>
             <a:spLocks noGrp="1"/>
           </p:cNvSpPr>
@@ -1086,7 +1002,7 @@
     </p:spTree>
     <p:extLst>
       <p:ext uri="{BB962C8B-B14F-4D97-AF65-F5344CB8AC3E}">
-        <p14:creationId xmlns:p14="http://schemas.microsoft.com/office/powerpoint/2010/main" val="2987439719"/>
+        <p14:creationId xmlns:p14="http://schemas.microsoft.com/office/powerpoint/2010/main" val="3843336274"/>
       </p:ext>
     </p:extLst>
   </p:cSld>
@@ -1115,13 +1031,7 @@
       </p:grpSpPr>
       <p:sp>
         <p:nvSpPr>
-          <p:cNvPr id="2" name="제목 1">
-            <a:extLst>
-              <a:ext uri="{FF2B5EF4-FFF2-40B4-BE49-F238E27FC236}">
-                <a16:creationId xmlns:a16="http://schemas.microsoft.com/office/drawing/2014/main" id="{264C6A86-5AD7-C8CD-7CA1-68B978201149}"/>
-              </a:ext>
-            </a:extLst>
-          </p:cNvPr>
+          <p:cNvPr id="2" name="Title 1"/>
           <p:cNvSpPr>
             <a:spLocks noGrp="1"/>
           </p:cNvSpPr>
@@ -1138,18 +1048,13 @@
               <a:rPr lang="ko-KR" altLang="en-US"/>
               <a:t>마스터 제목 스타일 편집</a:t>
             </a:r>
+            <a:endParaRPr lang="en-US" dirty="0"/>
           </a:p>
         </p:txBody>
       </p:sp>
       <p:sp>
         <p:nvSpPr>
-          <p:cNvPr id="3" name="내용 개체 틀 2">
-            <a:extLst>
-              <a:ext uri="{FF2B5EF4-FFF2-40B4-BE49-F238E27FC236}">
-                <a16:creationId xmlns:a16="http://schemas.microsoft.com/office/drawing/2014/main" id="{53F5C92A-8901-AA2E-DE59-524A5C4D4772}"/>
-              </a:ext>
-            </a:extLst>
-          </p:cNvPr>
+          <p:cNvPr id="3" name="Content Placeholder 2"/>
           <p:cNvSpPr>
             <a:spLocks noGrp="1"/>
           </p:cNvSpPr>
@@ -1195,18 +1100,13 @@
               <a:rPr lang="ko-KR" altLang="en-US"/>
               <a:t>다섯 번째 수준</a:t>
             </a:r>
+            <a:endParaRPr lang="en-US" dirty="0"/>
           </a:p>
         </p:txBody>
       </p:sp>
       <p:sp>
         <p:nvSpPr>
-          <p:cNvPr id="4" name="날짜 개체 틀 3">
-            <a:extLst>
-              <a:ext uri="{FF2B5EF4-FFF2-40B4-BE49-F238E27FC236}">
-                <a16:creationId xmlns:a16="http://schemas.microsoft.com/office/drawing/2014/main" id="{2CF60AF6-56F4-6924-E5EF-94C6F27B82DA}"/>
-              </a:ext>
-            </a:extLst>
-          </p:cNvPr>
+          <p:cNvPr id="4" name="Date Placeholder 3"/>
           <p:cNvSpPr>
             <a:spLocks noGrp="1"/>
           </p:cNvSpPr>
@@ -1221,7 +1121,7 @@
           <a:p>
             <a:fld id="{1E28F0D3-E3FD-49FD-8E82-3F8837207BDD}" type="datetimeFigureOut">
               <a:rPr lang="ko-KR" altLang="en-US" smtClean="0"/>
-              <a:t>2024-09-13</a:t>
+              <a:t>2024-09-23</a:t>
             </a:fld>
             <a:endParaRPr lang="ko-KR" altLang="en-US"/>
           </a:p>
@@ -1229,13 +1129,7 @@
       </p:sp>
       <p:sp>
         <p:nvSpPr>
-          <p:cNvPr id="5" name="바닥글 개체 틀 4">
-            <a:extLst>
-              <a:ext uri="{FF2B5EF4-FFF2-40B4-BE49-F238E27FC236}">
-                <a16:creationId xmlns:a16="http://schemas.microsoft.com/office/drawing/2014/main" id="{9A517F82-AF9C-06CF-3073-ACB163EDC258}"/>
-              </a:ext>
-            </a:extLst>
-          </p:cNvPr>
+          <p:cNvPr id="5" name="Footer Placeholder 4"/>
           <p:cNvSpPr>
             <a:spLocks noGrp="1"/>
           </p:cNvSpPr>
@@ -1254,13 +1148,7 @@
       </p:sp>
       <p:sp>
         <p:nvSpPr>
-          <p:cNvPr id="6" name="슬라이드 번호 개체 틀 5">
-            <a:extLst>
-              <a:ext uri="{FF2B5EF4-FFF2-40B4-BE49-F238E27FC236}">
-                <a16:creationId xmlns:a16="http://schemas.microsoft.com/office/drawing/2014/main" id="{0B26F44A-7ECD-0E96-FA35-E65F8B189499}"/>
-              </a:ext>
-            </a:extLst>
-          </p:cNvPr>
+          <p:cNvPr id="6" name="Slide Number Placeholder 5"/>
           <p:cNvSpPr>
             <a:spLocks noGrp="1"/>
           </p:cNvSpPr>
@@ -1284,7 +1172,7 @@
     </p:spTree>
     <p:extLst>
       <p:ext uri="{BB962C8B-B14F-4D97-AF65-F5344CB8AC3E}">
-        <p14:creationId xmlns:p14="http://schemas.microsoft.com/office/powerpoint/2010/main" val="689036554"/>
+        <p14:creationId xmlns:p14="http://schemas.microsoft.com/office/powerpoint/2010/main" val="1220065648"/>
       </p:ext>
     </p:extLst>
   </p:cSld>
@@ -1313,13 +1201,7 @@
       </p:grpSpPr>
       <p:sp>
         <p:nvSpPr>
-          <p:cNvPr id="2" name="제목 1">
-            <a:extLst>
-              <a:ext uri="{FF2B5EF4-FFF2-40B4-BE49-F238E27FC236}">
-                <a16:creationId xmlns:a16="http://schemas.microsoft.com/office/drawing/2014/main" id="{B8AE6B47-4CE9-17AA-CD4F-FB5D51161E59}"/>
-              </a:ext>
-            </a:extLst>
-          </p:cNvPr>
+          <p:cNvPr id="2" name="Title 1"/>
           <p:cNvSpPr>
             <a:spLocks noGrp="1"/>
           </p:cNvSpPr>
@@ -1329,8 +1211,8 @@
         </p:nvSpPr>
         <p:spPr>
           <a:xfrm>
-            <a:off x="831850" y="1709738"/>
-            <a:ext cx="10515600" cy="2852737"/>
+            <a:off x="1105342" y="1709739"/>
+            <a:ext cx="13972878" cy="2852737"/>
           </a:xfrm>
         </p:spPr>
         <p:txBody>
@@ -1345,18 +1227,13 @@
               <a:rPr lang="ko-KR" altLang="en-US"/>
               <a:t>마스터 제목 스타일 편집</a:t>
             </a:r>
+            <a:endParaRPr lang="en-US" dirty="0"/>
           </a:p>
         </p:txBody>
       </p:sp>
       <p:sp>
         <p:nvSpPr>
-          <p:cNvPr id="3" name="텍스트 개체 틀 2">
-            <a:extLst>
-              <a:ext uri="{FF2B5EF4-FFF2-40B4-BE49-F238E27FC236}">
-                <a16:creationId xmlns:a16="http://schemas.microsoft.com/office/drawing/2014/main" id="{72A0A9EA-63E9-9AB6-C9AD-56239CB63578}"/>
-              </a:ext>
-            </a:extLst>
-          </p:cNvPr>
+          <p:cNvPr id="3" name="Text Placeholder 2"/>
           <p:cNvSpPr>
             <a:spLocks noGrp="1"/>
           </p:cNvSpPr>
@@ -1366,8 +1243,8 @@
         </p:nvSpPr>
         <p:spPr>
           <a:xfrm>
-            <a:off x="831850" y="4589463"/>
-            <a:ext cx="10515600" cy="1500187"/>
+            <a:off x="1105342" y="4589464"/>
+            <a:ext cx="13972878" cy="1500187"/>
           </a:xfrm>
         </p:spPr>
         <p:txBody>
@@ -1475,13 +1352,7 @@
       </p:sp>
       <p:sp>
         <p:nvSpPr>
-          <p:cNvPr id="4" name="날짜 개체 틀 3">
-            <a:extLst>
-              <a:ext uri="{FF2B5EF4-FFF2-40B4-BE49-F238E27FC236}">
-                <a16:creationId xmlns:a16="http://schemas.microsoft.com/office/drawing/2014/main" id="{ECAD8FCB-3A7E-9A1C-DF14-FCEAB038C772}"/>
-              </a:ext>
-            </a:extLst>
-          </p:cNvPr>
+          <p:cNvPr id="4" name="Date Placeholder 3"/>
           <p:cNvSpPr>
             <a:spLocks noGrp="1"/>
           </p:cNvSpPr>
@@ -1496,7 +1367,7 @@
           <a:p>
             <a:fld id="{1E28F0D3-E3FD-49FD-8E82-3F8837207BDD}" type="datetimeFigureOut">
               <a:rPr lang="ko-KR" altLang="en-US" smtClean="0"/>
-              <a:t>2024-09-13</a:t>
+              <a:t>2024-09-23</a:t>
             </a:fld>
             <a:endParaRPr lang="ko-KR" altLang="en-US"/>
           </a:p>
@@ -1504,13 +1375,7 @@
       </p:sp>
       <p:sp>
         <p:nvSpPr>
-          <p:cNvPr id="5" name="바닥글 개체 틀 4">
-            <a:extLst>
-              <a:ext uri="{FF2B5EF4-FFF2-40B4-BE49-F238E27FC236}">
-                <a16:creationId xmlns:a16="http://schemas.microsoft.com/office/drawing/2014/main" id="{31F422AE-4D45-9F82-0EE3-327A402C2F56}"/>
-              </a:ext>
-            </a:extLst>
-          </p:cNvPr>
+          <p:cNvPr id="5" name="Footer Placeholder 4"/>
           <p:cNvSpPr>
             <a:spLocks noGrp="1"/>
           </p:cNvSpPr>
@@ -1529,13 +1394,7 @@
       </p:sp>
       <p:sp>
         <p:nvSpPr>
-          <p:cNvPr id="6" name="슬라이드 번호 개체 틀 5">
-            <a:extLst>
-              <a:ext uri="{FF2B5EF4-FFF2-40B4-BE49-F238E27FC236}">
-                <a16:creationId xmlns:a16="http://schemas.microsoft.com/office/drawing/2014/main" id="{EF99BE4D-03F5-98EF-83F4-9E3FC95406FD}"/>
-              </a:ext>
-            </a:extLst>
-          </p:cNvPr>
+          <p:cNvPr id="6" name="Slide Number Placeholder 5"/>
           <p:cNvSpPr>
             <a:spLocks noGrp="1"/>
           </p:cNvSpPr>
@@ -1559,7 +1418,7 @@
     </p:spTree>
     <p:extLst>
       <p:ext uri="{BB962C8B-B14F-4D97-AF65-F5344CB8AC3E}">
-        <p14:creationId xmlns:p14="http://schemas.microsoft.com/office/powerpoint/2010/main" val="2544660291"/>
+        <p14:creationId xmlns:p14="http://schemas.microsoft.com/office/powerpoint/2010/main" val="805475223"/>
       </p:ext>
     </p:extLst>
   </p:cSld>
@@ -1588,13 +1447,7 @@
       </p:grpSpPr>
       <p:sp>
         <p:nvSpPr>
-          <p:cNvPr id="2" name="제목 1">
-            <a:extLst>
-              <a:ext uri="{FF2B5EF4-FFF2-40B4-BE49-F238E27FC236}">
-                <a16:creationId xmlns:a16="http://schemas.microsoft.com/office/drawing/2014/main" id="{88EDBDC6-5FE9-AEB3-8B63-09FAAED95A1A}"/>
-              </a:ext>
-            </a:extLst>
-          </p:cNvPr>
+          <p:cNvPr id="2" name="Title 1"/>
           <p:cNvSpPr>
             <a:spLocks noGrp="1"/>
           </p:cNvSpPr>
@@ -1611,18 +1464,13 @@
               <a:rPr lang="ko-KR" altLang="en-US"/>
               <a:t>마스터 제목 스타일 편집</a:t>
             </a:r>
+            <a:endParaRPr lang="en-US" dirty="0"/>
           </a:p>
         </p:txBody>
       </p:sp>
       <p:sp>
         <p:nvSpPr>
-          <p:cNvPr id="3" name="내용 개체 틀 2">
-            <a:extLst>
-              <a:ext uri="{FF2B5EF4-FFF2-40B4-BE49-F238E27FC236}">
-                <a16:creationId xmlns:a16="http://schemas.microsoft.com/office/drawing/2014/main" id="{BB191EA9-7AA4-6366-5E7F-C92D8A867986}"/>
-              </a:ext>
-            </a:extLst>
-          </p:cNvPr>
+          <p:cNvPr id="3" name="Content Placeholder 2"/>
           <p:cNvSpPr>
             <a:spLocks noGrp="1"/>
           </p:cNvSpPr>
@@ -1632,8 +1480,8 @@
         </p:nvSpPr>
         <p:spPr>
           <a:xfrm>
-            <a:off x="838200" y="1825625"/>
-            <a:ext cx="5181600" cy="4351338"/>
+            <a:off x="1113780" y="1825625"/>
+            <a:ext cx="6885186" cy="4351338"/>
           </a:xfrm>
         </p:spPr>
         <p:txBody>
@@ -1673,18 +1521,13 @@
               <a:rPr lang="ko-KR" altLang="en-US"/>
               <a:t>다섯 번째 수준</a:t>
             </a:r>
+            <a:endParaRPr lang="en-US" dirty="0"/>
           </a:p>
         </p:txBody>
       </p:sp>
       <p:sp>
         <p:nvSpPr>
-          <p:cNvPr id="4" name="내용 개체 틀 3">
-            <a:extLst>
-              <a:ext uri="{FF2B5EF4-FFF2-40B4-BE49-F238E27FC236}">
-                <a16:creationId xmlns:a16="http://schemas.microsoft.com/office/drawing/2014/main" id="{784C0481-D60A-6828-1024-4897AF8FE34C}"/>
-              </a:ext>
-            </a:extLst>
-          </p:cNvPr>
+          <p:cNvPr id="4" name="Content Placeholder 3"/>
           <p:cNvSpPr>
             <a:spLocks noGrp="1"/>
           </p:cNvSpPr>
@@ -1694,8 +1537,8 @@
         </p:nvSpPr>
         <p:spPr>
           <a:xfrm>
-            <a:off x="6172200" y="1825625"/>
-            <a:ext cx="5181600" cy="4351338"/>
+            <a:off x="8201472" y="1825625"/>
+            <a:ext cx="6885186" cy="4351338"/>
           </a:xfrm>
         </p:spPr>
         <p:txBody>
@@ -1735,18 +1578,13 @@
               <a:rPr lang="ko-KR" altLang="en-US"/>
               <a:t>다섯 번째 수준</a:t>
             </a:r>
+            <a:endParaRPr lang="en-US" dirty="0"/>
           </a:p>
         </p:txBody>
       </p:sp>
       <p:sp>
         <p:nvSpPr>
-          <p:cNvPr id="5" name="날짜 개체 틀 4">
-            <a:extLst>
-              <a:ext uri="{FF2B5EF4-FFF2-40B4-BE49-F238E27FC236}">
-                <a16:creationId xmlns:a16="http://schemas.microsoft.com/office/drawing/2014/main" id="{BDF085C9-5752-7D45-1E8A-2A70026CAB6A}"/>
-              </a:ext>
-            </a:extLst>
-          </p:cNvPr>
+          <p:cNvPr id="5" name="Date Placeholder 4"/>
           <p:cNvSpPr>
             <a:spLocks noGrp="1"/>
           </p:cNvSpPr>
@@ -1761,7 +1599,7 @@
           <a:p>
             <a:fld id="{1E28F0D3-E3FD-49FD-8E82-3F8837207BDD}" type="datetimeFigureOut">
               <a:rPr lang="ko-KR" altLang="en-US" smtClean="0"/>
-              <a:t>2024-09-13</a:t>
+              <a:t>2024-09-23</a:t>
             </a:fld>
             <a:endParaRPr lang="ko-KR" altLang="en-US"/>
           </a:p>
@@ -1769,13 +1607,7 @@
       </p:sp>
       <p:sp>
         <p:nvSpPr>
-          <p:cNvPr id="6" name="바닥글 개체 틀 5">
-            <a:extLst>
-              <a:ext uri="{FF2B5EF4-FFF2-40B4-BE49-F238E27FC236}">
-                <a16:creationId xmlns:a16="http://schemas.microsoft.com/office/drawing/2014/main" id="{C851A2AC-BEA8-7538-36D7-8F01E2AFE61C}"/>
-              </a:ext>
-            </a:extLst>
-          </p:cNvPr>
+          <p:cNvPr id="6" name="Footer Placeholder 5"/>
           <p:cNvSpPr>
             <a:spLocks noGrp="1"/>
           </p:cNvSpPr>
@@ -1794,13 +1626,7 @@
       </p:sp>
       <p:sp>
         <p:nvSpPr>
-          <p:cNvPr id="7" name="슬라이드 번호 개체 틀 6">
-            <a:extLst>
-              <a:ext uri="{FF2B5EF4-FFF2-40B4-BE49-F238E27FC236}">
-                <a16:creationId xmlns:a16="http://schemas.microsoft.com/office/drawing/2014/main" id="{5BA6CE58-EAB5-6D02-6E14-30EF4132B046}"/>
-              </a:ext>
-            </a:extLst>
-          </p:cNvPr>
+          <p:cNvPr id="7" name="Slide Number Placeholder 6"/>
           <p:cNvSpPr>
             <a:spLocks noGrp="1"/>
           </p:cNvSpPr>
@@ -1824,7 +1650,7 @@
     </p:spTree>
     <p:extLst>
       <p:ext uri="{BB962C8B-B14F-4D97-AF65-F5344CB8AC3E}">
-        <p14:creationId xmlns:p14="http://schemas.microsoft.com/office/powerpoint/2010/main" val="1752194792"/>
+        <p14:creationId xmlns:p14="http://schemas.microsoft.com/office/powerpoint/2010/main" val="3453644690"/>
       </p:ext>
     </p:extLst>
   </p:cSld>
@@ -1853,13 +1679,7 @@
       </p:grpSpPr>
       <p:sp>
         <p:nvSpPr>
-          <p:cNvPr id="2" name="제목 1">
-            <a:extLst>
-              <a:ext uri="{FF2B5EF4-FFF2-40B4-BE49-F238E27FC236}">
-                <a16:creationId xmlns:a16="http://schemas.microsoft.com/office/drawing/2014/main" id="{C89661A9-C399-8228-A8F6-014D0AA2153E}"/>
-              </a:ext>
-            </a:extLst>
-          </p:cNvPr>
+          <p:cNvPr id="2" name="Title 1"/>
           <p:cNvSpPr>
             <a:spLocks noGrp="1"/>
           </p:cNvSpPr>
@@ -1869,8 +1689,8 @@
         </p:nvSpPr>
         <p:spPr>
           <a:xfrm>
-            <a:off x="839788" y="365125"/>
-            <a:ext cx="10515600" cy="1325563"/>
+            <a:off x="1115890" y="365126"/>
+            <a:ext cx="13972878" cy="1325563"/>
           </a:xfrm>
         </p:spPr>
         <p:txBody>
@@ -1881,18 +1701,13 @@
               <a:rPr lang="ko-KR" altLang="en-US"/>
               <a:t>마스터 제목 스타일 편집</a:t>
             </a:r>
+            <a:endParaRPr lang="en-US" dirty="0"/>
           </a:p>
         </p:txBody>
       </p:sp>
       <p:sp>
         <p:nvSpPr>
-          <p:cNvPr id="3" name="텍스트 개체 틀 2">
-            <a:extLst>
-              <a:ext uri="{FF2B5EF4-FFF2-40B4-BE49-F238E27FC236}">
-                <a16:creationId xmlns:a16="http://schemas.microsoft.com/office/drawing/2014/main" id="{02D35481-5432-51E7-E74F-FFC43D2DFDD5}"/>
-              </a:ext>
-            </a:extLst>
-          </p:cNvPr>
+          <p:cNvPr id="3" name="Text Placeholder 2"/>
           <p:cNvSpPr>
             <a:spLocks noGrp="1"/>
           </p:cNvSpPr>
@@ -1902,8 +1717,8 @@
         </p:nvSpPr>
         <p:spPr>
           <a:xfrm>
-            <a:off x="839788" y="1681163"/>
-            <a:ext cx="5157787" cy="823912"/>
+            <a:off x="1115891" y="1681163"/>
+            <a:ext cx="6853544" cy="823912"/>
           </a:xfrm>
         </p:spPr>
         <p:txBody>
@@ -1957,13 +1772,7 @@
       </p:sp>
       <p:sp>
         <p:nvSpPr>
-          <p:cNvPr id="4" name="내용 개체 틀 3">
-            <a:extLst>
-              <a:ext uri="{FF2B5EF4-FFF2-40B4-BE49-F238E27FC236}">
-                <a16:creationId xmlns:a16="http://schemas.microsoft.com/office/drawing/2014/main" id="{B5D2298A-61C1-7838-0CDE-309E6302F0DA}"/>
-              </a:ext>
-            </a:extLst>
-          </p:cNvPr>
+          <p:cNvPr id="4" name="Content Placeholder 3"/>
           <p:cNvSpPr>
             <a:spLocks noGrp="1"/>
           </p:cNvSpPr>
@@ -1973,8 +1782,8 @@
         </p:nvSpPr>
         <p:spPr>
           <a:xfrm>
-            <a:off x="839788" y="2505075"/>
-            <a:ext cx="5157787" cy="3684588"/>
+            <a:off x="1115891" y="2505075"/>
+            <a:ext cx="6853544" cy="3684588"/>
           </a:xfrm>
         </p:spPr>
         <p:txBody>
@@ -2014,18 +1823,13 @@
               <a:rPr lang="ko-KR" altLang="en-US"/>
               <a:t>다섯 번째 수준</a:t>
             </a:r>
+            <a:endParaRPr lang="en-US" dirty="0"/>
           </a:p>
         </p:txBody>
       </p:sp>
       <p:sp>
         <p:nvSpPr>
-          <p:cNvPr id="5" name="텍스트 개체 틀 4">
-            <a:extLst>
-              <a:ext uri="{FF2B5EF4-FFF2-40B4-BE49-F238E27FC236}">
-                <a16:creationId xmlns:a16="http://schemas.microsoft.com/office/drawing/2014/main" id="{F087DC31-E710-AD34-567E-06692D504435}"/>
-              </a:ext>
-            </a:extLst>
-          </p:cNvPr>
+          <p:cNvPr id="5" name="Text Placeholder 4"/>
           <p:cNvSpPr>
             <a:spLocks noGrp="1"/>
           </p:cNvSpPr>
@@ -2035,8 +1839,8 @@
         </p:nvSpPr>
         <p:spPr>
           <a:xfrm>
-            <a:off x="6172200" y="1681163"/>
-            <a:ext cx="5183188" cy="823912"/>
+            <a:off x="8201472" y="1681163"/>
+            <a:ext cx="6887296" cy="823912"/>
           </a:xfrm>
         </p:spPr>
         <p:txBody>
@@ -2090,13 +1894,7 @@
       </p:sp>
       <p:sp>
         <p:nvSpPr>
-          <p:cNvPr id="6" name="내용 개체 틀 5">
-            <a:extLst>
-              <a:ext uri="{FF2B5EF4-FFF2-40B4-BE49-F238E27FC236}">
-                <a16:creationId xmlns:a16="http://schemas.microsoft.com/office/drawing/2014/main" id="{C23D9D18-0B35-BD10-C79D-BD776950C0DD}"/>
-              </a:ext>
-            </a:extLst>
-          </p:cNvPr>
+          <p:cNvPr id="6" name="Content Placeholder 5"/>
           <p:cNvSpPr>
             <a:spLocks noGrp="1"/>
           </p:cNvSpPr>
@@ -2106,8 +1904,8 @@
         </p:nvSpPr>
         <p:spPr>
           <a:xfrm>
-            <a:off x="6172200" y="2505075"/>
-            <a:ext cx="5183188" cy="3684588"/>
+            <a:off x="8201472" y="2505075"/>
+            <a:ext cx="6887296" cy="3684588"/>
           </a:xfrm>
         </p:spPr>
         <p:txBody>
@@ -2147,18 +1945,13 @@
               <a:rPr lang="ko-KR" altLang="en-US"/>
               <a:t>다섯 번째 수준</a:t>
             </a:r>
+            <a:endParaRPr lang="en-US" dirty="0"/>
           </a:p>
         </p:txBody>
       </p:sp>
       <p:sp>
         <p:nvSpPr>
-          <p:cNvPr id="7" name="날짜 개체 틀 6">
-            <a:extLst>
-              <a:ext uri="{FF2B5EF4-FFF2-40B4-BE49-F238E27FC236}">
-                <a16:creationId xmlns:a16="http://schemas.microsoft.com/office/drawing/2014/main" id="{6655C30C-A466-C34F-59D7-2D9A46C1C1BD}"/>
-              </a:ext>
-            </a:extLst>
-          </p:cNvPr>
+          <p:cNvPr id="7" name="Date Placeholder 6"/>
           <p:cNvSpPr>
             <a:spLocks noGrp="1"/>
           </p:cNvSpPr>
@@ -2173,7 +1966,7 @@
           <a:p>
             <a:fld id="{1E28F0D3-E3FD-49FD-8E82-3F8837207BDD}" type="datetimeFigureOut">
               <a:rPr lang="ko-KR" altLang="en-US" smtClean="0"/>
-              <a:t>2024-09-13</a:t>
+              <a:t>2024-09-23</a:t>
             </a:fld>
             <a:endParaRPr lang="ko-KR" altLang="en-US"/>
           </a:p>
@@ -2181,13 +1974,7 @@
       </p:sp>
       <p:sp>
         <p:nvSpPr>
-          <p:cNvPr id="8" name="바닥글 개체 틀 7">
-            <a:extLst>
-              <a:ext uri="{FF2B5EF4-FFF2-40B4-BE49-F238E27FC236}">
-                <a16:creationId xmlns:a16="http://schemas.microsoft.com/office/drawing/2014/main" id="{4BDA3F18-FF70-A159-231F-0AC8B8CF0493}"/>
-              </a:ext>
-            </a:extLst>
-          </p:cNvPr>
+          <p:cNvPr id="8" name="Footer Placeholder 7"/>
           <p:cNvSpPr>
             <a:spLocks noGrp="1"/>
           </p:cNvSpPr>
@@ -2206,13 +1993,7 @@
       </p:sp>
       <p:sp>
         <p:nvSpPr>
-          <p:cNvPr id="9" name="슬라이드 번호 개체 틀 8">
-            <a:extLst>
-              <a:ext uri="{FF2B5EF4-FFF2-40B4-BE49-F238E27FC236}">
-                <a16:creationId xmlns:a16="http://schemas.microsoft.com/office/drawing/2014/main" id="{38D78E69-F5E9-993E-D862-AA9730573F8E}"/>
-              </a:ext>
-            </a:extLst>
-          </p:cNvPr>
+          <p:cNvPr id="9" name="Slide Number Placeholder 8"/>
           <p:cNvSpPr>
             <a:spLocks noGrp="1"/>
           </p:cNvSpPr>
@@ -2236,7 +2017,7 @@
     </p:spTree>
     <p:extLst>
       <p:ext uri="{BB962C8B-B14F-4D97-AF65-F5344CB8AC3E}">
-        <p14:creationId xmlns:p14="http://schemas.microsoft.com/office/powerpoint/2010/main" val="114423488"/>
+        <p14:creationId xmlns:p14="http://schemas.microsoft.com/office/powerpoint/2010/main" val="3914715278"/>
       </p:ext>
     </p:extLst>
   </p:cSld>
@@ -2265,13 +2046,7 @@
       </p:grpSpPr>
       <p:sp>
         <p:nvSpPr>
-          <p:cNvPr id="2" name="제목 1">
-            <a:extLst>
-              <a:ext uri="{FF2B5EF4-FFF2-40B4-BE49-F238E27FC236}">
-                <a16:creationId xmlns:a16="http://schemas.microsoft.com/office/drawing/2014/main" id="{987C0630-69C6-5539-B82D-09AE97547DC1}"/>
-              </a:ext>
-            </a:extLst>
-          </p:cNvPr>
+          <p:cNvPr id="2" name="Title 1"/>
           <p:cNvSpPr>
             <a:spLocks noGrp="1"/>
           </p:cNvSpPr>
@@ -2288,18 +2063,13 @@
               <a:rPr lang="ko-KR" altLang="en-US"/>
               <a:t>마스터 제목 스타일 편집</a:t>
             </a:r>
+            <a:endParaRPr lang="en-US" dirty="0"/>
           </a:p>
         </p:txBody>
       </p:sp>
       <p:sp>
         <p:nvSpPr>
-          <p:cNvPr id="3" name="날짜 개체 틀 2">
-            <a:extLst>
-              <a:ext uri="{FF2B5EF4-FFF2-40B4-BE49-F238E27FC236}">
-                <a16:creationId xmlns:a16="http://schemas.microsoft.com/office/drawing/2014/main" id="{0984A599-0AEB-C5DC-13CC-8FFE5D9673D3}"/>
-              </a:ext>
-            </a:extLst>
-          </p:cNvPr>
+          <p:cNvPr id="3" name="Date Placeholder 2"/>
           <p:cNvSpPr>
             <a:spLocks noGrp="1"/>
           </p:cNvSpPr>
@@ -2314,7 +2084,7 @@
           <a:p>
             <a:fld id="{1E28F0D3-E3FD-49FD-8E82-3F8837207BDD}" type="datetimeFigureOut">
               <a:rPr lang="ko-KR" altLang="en-US" smtClean="0"/>
-              <a:t>2024-09-13</a:t>
+              <a:t>2024-09-23</a:t>
             </a:fld>
             <a:endParaRPr lang="ko-KR" altLang="en-US"/>
           </a:p>
@@ -2322,13 +2092,7 @@
       </p:sp>
       <p:sp>
         <p:nvSpPr>
-          <p:cNvPr id="4" name="바닥글 개체 틀 3">
-            <a:extLst>
-              <a:ext uri="{FF2B5EF4-FFF2-40B4-BE49-F238E27FC236}">
-                <a16:creationId xmlns:a16="http://schemas.microsoft.com/office/drawing/2014/main" id="{6D03838A-635A-5DF4-52CB-F86AD00020C8}"/>
-              </a:ext>
-            </a:extLst>
-          </p:cNvPr>
+          <p:cNvPr id="4" name="Footer Placeholder 3"/>
           <p:cNvSpPr>
             <a:spLocks noGrp="1"/>
           </p:cNvSpPr>
@@ -2347,13 +2111,7 @@
       </p:sp>
       <p:sp>
         <p:nvSpPr>
-          <p:cNvPr id="5" name="슬라이드 번호 개체 틀 4">
-            <a:extLst>
-              <a:ext uri="{FF2B5EF4-FFF2-40B4-BE49-F238E27FC236}">
-                <a16:creationId xmlns:a16="http://schemas.microsoft.com/office/drawing/2014/main" id="{D51C94C3-0186-D582-F25C-04B87FF9F481}"/>
-              </a:ext>
-            </a:extLst>
-          </p:cNvPr>
+          <p:cNvPr id="5" name="Slide Number Placeholder 4"/>
           <p:cNvSpPr>
             <a:spLocks noGrp="1"/>
           </p:cNvSpPr>
@@ -2377,7 +2135,7 @@
     </p:spTree>
     <p:extLst>
       <p:ext uri="{BB962C8B-B14F-4D97-AF65-F5344CB8AC3E}">
-        <p14:creationId xmlns:p14="http://schemas.microsoft.com/office/powerpoint/2010/main" val="1900353209"/>
+        <p14:creationId xmlns:p14="http://schemas.microsoft.com/office/powerpoint/2010/main" val="2484566830"/>
       </p:ext>
     </p:extLst>
   </p:cSld>
@@ -2406,13 +2164,7 @@
       </p:grpSpPr>
       <p:sp>
         <p:nvSpPr>
-          <p:cNvPr id="2" name="날짜 개체 틀 1">
-            <a:extLst>
-              <a:ext uri="{FF2B5EF4-FFF2-40B4-BE49-F238E27FC236}">
-                <a16:creationId xmlns:a16="http://schemas.microsoft.com/office/drawing/2014/main" id="{5E74196F-3177-EFFE-F05A-D2F51938A33E}"/>
-              </a:ext>
-            </a:extLst>
-          </p:cNvPr>
+          <p:cNvPr id="2" name="Date Placeholder 1"/>
           <p:cNvSpPr>
             <a:spLocks noGrp="1"/>
           </p:cNvSpPr>
@@ -2427,7 +2179,7 @@
           <a:p>
             <a:fld id="{1E28F0D3-E3FD-49FD-8E82-3F8837207BDD}" type="datetimeFigureOut">
               <a:rPr lang="ko-KR" altLang="en-US" smtClean="0"/>
-              <a:t>2024-09-13</a:t>
+              <a:t>2024-09-23</a:t>
             </a:fld>
             <a:endParaRPr lang="ko-KR" altLang="en-US"/>
           </a:p>
@@ -2435,13 +2187,7 @@
       </p:sp>
       <p:sp>
         <p:nvSpPr>
-          <p:cNvPr id="3" name="바닥글 개체 틀 2">
-            <a:extLst>
-              <a:ext uri="{FF2B5EF4-FFF2-40B4-BE49-F238E27FC236}">
-                <a16:creationId xmlns:a16="http://schemas.microsoft.com/office/drawing/2014/main" id="{FE3FD77B-293C-3639-D521-9B0FCAE5B7EE}"/>
-              </a:ext>
-            </a:extLst>
-          </p:cNvPr>
+          <p:cNvPr id="3" name="Footer Placeholder 2"/>
           <p:cNvSpPr>
             <a:spLocks noGrp="1"/>
           </p:cNvSpPr>
@@ -2460,13 +2206,7 @@
       </p:sp>
       <p:sp>
         <p:nvSpPr>
-          <p:cNvPr id="4" name="슬라이드 번호 개체 틀 3">
-            <a:extLst>
-              <a:ext uri="{FF2B5EF4-FFF2-40B4-BE49-F238E27FC236}">
-                <a16:creationId xmlns:a16="http://schemas.microsoft.com/office/drawing/2014/main" id="{77C179BB-EC96-44F3-4D32-F66BECCFC5B9}"/>
-              </a:ext>
-            </a:extLst>
-          </p:cNvPr>
+          <p:cNvPr id="4" name="Slide Number Placeholder 3"/>
           <p:cNvSpPr>
             <a:spLocks noGrp="1"/>
           </p:cNvSpPr>
@@ -2490,7 +2230,7 @@
     </p:spTree>
     <p:extLst>
       <p:ext uri="{BB962C8B-B14F-4D97-AF65-F5344CB8AC3E}">
-        <p14:creationId xmlns:p14="http://schemas.microsoft.com/office/powerpoint/2010/main" val="2900810817"/>
+        <p14:creationId xmlns:p14="http://schemas.microsoft.com/office/powerpoint/2010/main" val="814249764"/>
       </p:ext>
     </p:extLst>
   </p:cSld>
@@ -2519,13 +2259,7 @@
       </p:grpSpPr>
       <p:sp>
         <p:nvSpPr>
-          <p:cNvPr id="2" name="제목 1">
-            <a:extLst>
-              <a:ext uri="{FF2B5EF4-FFF2-40B4-BE49-F238E27FC236}">
-                <a16:creationId xmlns:a16="http://schemas.microsoft.com/office/drawing/2014/main" id="{88E90695-E9DB-41BD-6246-D2E190C92706}"/>
-              </a:ext>
-            </a:extLst>
-          </p:cNvPr>
+          <p:cNvPr id="2" name="Title 1"/>
           <p:cNvSpPr>
             <a:spLocks noGrp="1"/>
           </p:cNvSpPr>
@@ -2535,8 +2269,8 @@
         </p:nvSpPr>
         <p:spPr>
           <a:xfrm>
-            <a:off x="839788" y="457200"/>
-            <a:ext cx="3932237" cy="1600200"/>
+            <a:off x="1115891" y="457200"/>
+            <a:ext cx="5225062" cy="1600200"/>
           </a:xfrm>
         </p:spPr>
         <p:txBody>
@@ -2551,18 +2285,13 @@
               <a:rPr lang="ko-KR" altLang="en-US"/>
               <a:t>마스터 제목 스타일 편집</a:t>
             </a:r>
+            <a:endParaRPr lang="en-US" dirty="0"/>
           </a:p>
         </p:txBody>
       </p:sp>
       <p:sp>
         <p:nvSpPr>
-          <p:cNvPr id="3" name="내용 개체 틀 2">
-            <a:extLst>
-              <a:ext uri="{FF2B5EF4-FFF2-40B4-BE49-F238E27FC236}">
-                <a16:creationId xmlns:a16="http://schemas.microsoft.com/office/drawing/2014/main" id="{C6DF862F-F522-8B06-BA52-276189EB610C}"/>
-              </a:ext>
-            </a:extLst>
-          </p:cNvPr>
+          <p:cNvPr id="3" name="Content Placeholder 2"/>
           <p:cNvSpPr>
             <a:spLocks noGrp="1"/>
           </p:cNvSpPr>
@@ -2572,8 +2301,8 @@
         </p:nvSpPr>
         <p:spPr>
           <a:xfrm>
-            <a:off x="5183188" y="987425"/>
-            <a:ext cx="6172200" cy="4873625"/>
+            <a:off x="6887296" y="987426"/>
+            <a:ext cx="8201472" cy="4873625"/>
           </a:xfrm>
         </p:spPr>
         <p:txBody>
@@ -2641,18 +2370,13 @@
               <a:rPr lang="ko-KR" altLang="en-US"/>
               <a:t>다섯 번째 수준</a:t>
             </a:r>
+            <a:endParaRPr lang="en-US" dirty="0"/>
           </a:p>
         </p:txBody>
       </p:sp>
       <p:sp>
         <p:nvSpPr>
-          <p:cNvPr id="4" name="텍스트 개체 틀 3">
-            <a:extLst>
-              <a:ext uri="{FF2B5EF4-FFF2-40B4-BE49-F238E27FC236}">
-                <a16:creationId xmlns:a16="http://schemas.microsoft.com/office/drawing/2014/main" id="{D05EA69D-2DEB-E73B-AB6F-C176972BE2F0}"/>
-              </a:ext>
-            </a:extLst>
-          </p:cNvPr>
+          <p:cNvPr id="4" name="Text Placeholder 3"/>
           <p:cNvSpPr>
             <a:spLocks noGrp="1"/>
           </p:cNvSpPr>
@@ -2662,8 +2386,8 @@
         </p:nvSpPr>
         <p:spPr>
           <a:xfrm>
-            <a:off x="839788" y="2057400"/>
-            <a:ext cx="3932237" cy="3811588"/>
+            <a:off x="1115891" y="2057400"/>
+            <a:ext cx="5225062" cy="3811588"/>
           </a:xfrm>
         </p:spPr>
         <p:txBody>
@@ -2717,13 +2441,7 @@
       </p:sp>
       <p:sp>
         <p:nvSpPr>
-          <p:cNvPr id="5" name="날짜 개체 틀 4">
-            <a:extLst>
-              <a:ext uri="{FF2B5EF4-FFF2-40B4-BE49-F238E27FC236}">
-                <a16:creationId xmlns:a16="http://schemas.microsoft.com/office/drawing/2014/main" id="{C7480FB5-D4F9-F103-B6A6-945532CB648C}"/>
-              </a:ext>
-            </a:extLst>
-          </p:cNvPr>
+          <p:cNvPr id="5" name="Date Placeholder 4"/>
           <p:cNvSpPr>
             <a:spLocks noGrp="1"/>
           </p:cNvSpPr>
@@ -2738,7 +2456,7 @@
           <a:p>
             <a:fld id="{1E28F0D3-E3FD-49FD-8E82-3F8837207BDD}" type="datetimeFigureOut">
               <a:rPr lang="ko-KR" altLang="en-US" smtClean="0"/>
-              <a:t>2024-09-13</a:t>
+              <a:t>2024-09-23</a:t>
             </a:fld>
             <a:endParaRPr lang="ko-KR" altLang="en-US"/>
           </a:p>
@@ -2746,13 +2464,7 @@
       </p:sp>
       <p:sp>
         <p:nvSpPr>
-          <p:cNvPr id="6" name="바닥글 개체 틀 5">
-            <a:extLst>
-              <a:ext uri="{FF2B5EF4-FFF2-40B4-BE49-F238E27FC236}">
-                <a16:creationId xmlns:a16="http://schemas.microsoft.com/office/drawing/2014/main" id="{DBD09A36-8044-DF01-6F72-98823B471201}"/>
-              </a:ext>
-            </a:extLst>
-          </p:cNvPr>
+          <p:cNvPr id="6" name="Footer Placeholder 5"/>
           <p:cNvSpPr>
             <a:spLocks noGrp="1"/>
           </p:cNvSpPr>
@@ -2771,13 +2483,7 @@
       </p:sp>
       <p:sp>
         <p:nvSpPr>
-          <p:cNvPr id="7" name="슬라이드 번호 개체 틀 6">
-            <a:extLst>
-              <a:ext uri="{FF2B5EF4-FFF2-40B4-BE49-F238E27FC236}">
-                <a16:creationId xmlns:a16="http://schemas.microsoft.com/office/drawing/2014/main" id="{5E4D0233-CBE4-3B31-366A-B5A40B923912}"/>
-              </a:ext>
-            </a:extLst>
-          </p:cNvPr>
+          <p:cNvPr id="7" name="Slide Number Placeholder 6"/>
           <p:cNvSpPr>
             <a:spLocks noGrp="1"/>
           </p:cNvSpPr>
@@ -2801,7 +2507,7 @@
     </p:spTree>
     <p:extLst>
       <p:ext uri="{BB962C8B-B14F-4D97-AF65-F5344CB8AC3E}">
-        <p14:creationId xmlns:p14="http://schemas.microsoft.com/office/powerpoint/2010/main" val="3555135791"/>
+        <p14:creationId xmlns:p14="http://schemas.microsoft.com/office/powerpoint/2010/main" val="2273718937"/>
       </p:ext>
     </p:extLst>
   </p:cSld>
@@ -2830,13 +2536,7 @@
       </p:grpSpPr>
       <p:sp>
         <p:nvSpPr>
-          <p:cNvPr id="2" name="제목 1">
-            <a:extLst>
-              <a:ext uri="{FF2B5EF4-FFF2-40B4-BE49-F238E27FC236}">
-                <a16:creationId xmlns:a16="http://schemas.microsoft.com/office/drawing/2014/main" id="{5F892EFC-C7EE-CFBD-391B-FCD459C48A7F}"/>
-              </a:ext>
-            </a:extLst>
-          </p:cNvPr>
+          <p:cNvPr id="2" name="Title 1"/>
           <p:cNvSpPr>
             <a:spLocks noGrp="1"/>
           </p:cNvSpPr>
@@ -2846,8 +2546,8 @@
         </p:nvSpPr>
         <p:spPr>
           <a:xfrm>
-            <a:off x="839788" y="457200"/>
-            <a:ext cx="3932237" cy="1600200"/>
+            <a:off x="1115891" y="457200"/>
+            <a:ext cx="5225062" cy="1600200"/>
           </a:xfrm>
         </p:spPr>
         <p:txBody>
@@ -2862,20 +2562,15 @@
               <a:rPr lang="ko-KR" altLang="en-US"/>
               <a:t>마스터 제목 스타일 편집</a:t>
             </a:r>
+            <a:endParaRPr lang="en-US" dirty="0"/>
           </a:p>
         </p:txBody>
       </p:sp>
       <p:sp>
         <p:nvSpPr>
-          <p:cNvPr id="3" name="그림 개체 틀 2">
-            <a:extLst>
-              <a:ext uri="{FF2B5EF4-FFF2-40B4-BE49-F238E27FC236}">
-                <a16:creationId xmlns:a16="http://schemas.microsoft.com/office/drawing/2014/main" id="{F1DC0555-10D9-91C3-7399-E519522182D1}"/>
-              </a:ext>
-            </a:extLst>
-          </p:cNvPr>
+          <p:cNvPr id="3" name="Picture Placeholder 2"/>
           <p:cNvSpPr>
-            <a:spLocks noGrp="1"/>
+            <a:spLocks noGrp="1" noChangeAspect="1"/>
           </p:cNvSpPr>
           <p:nvPr>
             <p:ph type="pic" idx="1"/>
@@ -2883,12 +2578,12 @@
         </p:nvSpPr>
         <p:spPr>
           <a:xfrm>
-            <a:off x="5183188" y="987425"/>
-            <a:ext cx="6172200" cy="4873625"/>
+            <a:off x="6887296" y="987426"/>
+            <a:ext cx="8201472" cy="4873625"/>
           </a:xfrm>
         </p:spPr>
         <p:txBody>
-          <a:bodyPr/>
+          <a:bodyPr anchor="t"/>
           <a:lstStyle>
             <a:lvl1pPr marL="0" indent="0">
               <a:buNone/>
@@ -2928,19 +2623,17 @@
             </a:lvl9pPr>
           </a:lstStyle>
           <a:p>
-            <a:endParaRPr lang="ko-KR" altLang="en-US"/>
+            <a:r>
+              <a:rPr lang="ko-KR" altLang="en-US"/>
+              <a:t>그림을 추가하려면 아이콘을 클릭하십시오</a:t>
+            </a:r>
+            <a:endParaRPr lang="en-US" dirty="0"/>
           </a:p>
         </p:txBody>
       </p:sp>
       <p:sp>
         <p:nvSpPr>
-          <p:cNvPr id="4" name="텍스트 개체 틀 3">
-            <a:extLst>
-              <a:ext uri="{FF2B5EF4-FFF2-40B4-BE49-F238E27FC236}">
-                <a16:creationId xmlns:a16="http://schemas.microsoft.com/office/drawing/2014/main" id="{39A6ADC7-642B-4A38-0A82-F81F1CC111EC}"/>
-              </a:ext>
-            </a:extLst>
-          </p:cNvPr>
+          <p:cNvPr id="4" name="Text Placeholder 3"/>
           <p:cNvSpPr>
             <a:spLocks noGrp="1"/>
           </p:cNvSpPr>
@@ -2950,8 +2643,8 @@
         </p:nvSpPr>
         <p:spPr>
           <a:xfrm>
-            <a:off x="839788" y="2057400"/>
-            <a:ext cx="3932237" cy="3811588"/>
+            <a:off x="1115891" y="2057400"/>
+            <a:ext cx="5225062" cy="3811588"/>
           </a:xfrm>
         </p:spPr>
         <p:txBody>
@@ -3005,13 +2698,7 @@
       </p:sp>
       <p:sp>
         <p:nvSpPr>
-          <p:cNvPr id="5" name="날짜 개체 틀 4">
-            <a:extLst>
-              <a:ext uri="{FF2B5EF4-FFF2-40B4-BE49-F238E27FC236}">
-                <a16:creationId xmlns:a16="http://schemas.microsoft.com/office/drawing/2014/main" id="{725A386E-94EA-1926-D908-A748E979C89A}"/>
-              </a:ext>
-            </a:extLst>
-          </p:cNvPr>
+          <p:cNvPr id="5" name="Date Placeholder 4"/>
           <p:cNvSpPr>
             <a:spLocks noGrp="1"/>
           </p:cNvSpPr>
@@ -3026,7 +2713,7 @@
           <a:p>
             <a:fld id="{1E28F0D3-E3FD-49FD-8E82-3F8837207BDD}" type="datetimeFigureOut">
               <a:rPr lang="ko-KR" altLang="en-US" smtClean="0"/>
-              <a:t>2024-09-13</a:t>
+              <a:t>2024-09-23</a:t>
             </a:fld>
             <a:endParaRPr lang="ko-KR" altLang="en-US"/>
           </a:p>
@@ -3034,13 +2721,7 @@
       </p:sp>
       <p:sp>
         <p:nvSpPr>
-          <p:cNvPr id="6" name="바닥글 개체 틀 5">
-            <a:extLst>
-              <a:ext uri="{FF2B5EF4-FFF2-40B4-BE49-F238E27FC236}">
-                <a16:creationId xmlns:a16="http://schemas.microsoft.com/office/drawing/2014/main" id="{730FC357-911B-0313-DFCF-485CC3DC3DD0}"/>
-              </a:ext>
-            </a:extLst>
-          </p:cNvPr>
+          <p:cNvPr id="6" name="Footer Placeholder 5"/>
           <p:cNvSpPr>
             <a:spLocks noGrp="1"/>
           </p:cNvSpPr>
@@ -3059,13 +2740,7 @@
       </p:sp>
       <p:sp>
         <p:nvSpPr>
-          <p:cNvPr id="7" name="슬라이드 번호 개체 틀 6">
-            <a:extLst>
-              <a:ext uri="{FF2B5EF4-FFF2-40B4-BE49-F238E27FC236}">
-                <a16:creationId xmlns:a16="http://schemas.microsoft.com/office/drawing/2014/main" id="{91DB2F5E-214C-9AEF-3B47-BFF1C142931A}"/>
-              </a:ext>
-            </a:extLst>
-          </p:cNvPr>
+          <p:cNvPr id="7" name="Slide Number Placeholder 6"/>
           <p:cNvSpPr>
             <a:spLocks noGrp="1"/>
           </p:cNvSpPr>
@@ -3089,7 +2764,7 @@
     </p:spTree>
     <p:extLst>
       <p:ext uri="{BB962C8B-B14F-4D97-AF65-F5344CB8AC3E}">
-        <p14:creationId xmlns:p14="http://schemas.microsoft.com/office/powerpoint/2010/main" val="806639428"/>
+        <p14:creationId xmlns:p14="http://schemas.microsoft.com/office/powerpoint/2010/main" val="255835232"/>
       </p:ext>
     </p:extLst>
   </p:cSld>
@@ -3123,13 +2798,7 @@
       </p:grpSpPr>
       <p:sp>
         <p:nvSpPr>
-          <p:cNvPr id="2" name="제목 개체 틀 1">
-            <a:extLst>
-              <a:ext uri="{FF2B5EF4-FFF2-40B4-BE49-F238E27FC236}">
-                <a16:creationId xmlns:a16="http://schemas.microsoft.com/office/drawing/2014/main" id="{F552713D-4211-C228-5E9F-48C66DCC10FD}"/>
-              </a:ext>
-            </a:extLst>
-          </p:cNvPr>
+          <p:cNvPr id="2" name="Title Placeholder 1"/>
           <p:cNvSpPr>
             <a:spLocks noGrp="1"/>
           </p:cNvSpPr>
@@ -3139,8 +2808,8 @@
         </p:nvSpPr>
         <p:spPr>
           <a:xfrm>
-            <a:off x="838200" y="365125"/>
-            <a:ext cx="10515600" cy="1325563"/>
+            <a:off x="1113780" y="365126"/>
+            <a:ext cx="13972878" cy="1325563"/>
           </a:xfrm>
           <a:prstGeom prst="rect">
             <a:avLst/>
@@ -3156,18 +2825,13 @@
               <a:rPr lang="ko-KR" altLang="en-US"/>
               <a:t>마스터 제목 스타일 편집</a:t>
             </a:r>
+            <a:endParaRPr lang="en-US" dirty="0"/>
           </a:p>
         </p:txBody>
       </p:sp>
       <p:sp>
         <p:nvSpPr>
-          <p:cNvPr id="3" name="텍스트 개체 틀 2">
-            <a:extLst>
-              <a:ext uri="{FF2B5EF4-FFF2-40B4-BE49-F238E27FC236}">
-                <a16:creationId xmlns:a16="http://schemas.microsoft.com/office/drawing/2014/main" id="{4AE1D681-992C-F4DB-D1E1-BE735265B412}"/>
-              </a:ext>
-            </a:extLst>
-          </p:cNvPr>
+          <p:cNvPr id="3" name="Text Placeholder 2"/>
           <p:cNvSpPr>
             <a:spLocks noGrp="1"/>
           </p:cNvSpPr>
@@ -3177,8 +2841,8 @@
         </p:nvSpPr>
         <p:spPr>
           <a:xfrm>
-            <a:off x="838200" y="1825625"/>
-            <a:ext cx="10515600" cy="4351338"/>
+            <a:off x="1113780" y="1825625"/>
+            <a:ext cx="13972878" cy="4351338"/>
           </a:xfrm>
           <a:prstGeom prst="rect">
             <a:avLst/>
@@ -3223,18 +2887,13 @@
               <a:rPr lang="ko-KR" altLang="en-US"/>
               <a:t>다섯 번째 수준</a:t>
             </a:r>
+            <a:endParaRPr lang="en-US" dirty="0"/>
           </a:p>
         </p:txBody>
       </p:sp>
       <p:sp>
         <p:nvSpPr>
-          <p:cNvPr id="4" name="날짜 개체 틀 3">
-            <a:extLst>
-              <a:ext uri="{FF2B5EF4-FFF2-40B4-BE49-F238E27FC236}">
-                <a16:creationId xmlns:a16="http://schemas.microsoft.com/office/drawing/2014/main" id="{B76E7C5A-7FA7-C5A5-36D3-9F1786DFF7A3}"/>
-              </a:ext>
-            </a:extLst>
-          </p:cNvPr>
+          <p:cNvPr id="4" name="Date Placeholder 3"/>
           <p:cNvSpPr>
             <a:spLocks noGrp="1"/>
           </p:cNvSpPr>
@@ -3244,8 +2903,8 @@
         </p:nvSpPr>
         <p:spPr>
           <a:xfrm>
-            <a:off x="838200" y="6356350"/>
-            <a:ext cx="2743200" cy="365125"/>
+            <a:off x="1113780" y="6356351"/>
+            <a:ext cx="3645099" cy="365125"/>
           </a:xfrm>
           <a:prstGeom prst="rect">
             <a:avLst/>
@@ -3267,7 +2926,7 @@
           <a:p>
             <a:fld id="{1E28F0D3-E3FD-49FD-8E82-3F8837207BDD}" type="datetimeFigureOut">
               <a:rPr lang="ko-KR" altLang="en-US" smtClean="0"/>
-              <a:t>2024-09-13</a:t>
+              <a:t>2024-09-23</a:t>
             </a:fld>
             <a:endParaRPr lang="ko-KR" altLang="en-US"/>
           </a:p>
@@ -3275,13 +2934,7 @@
       </p:sp>
       <p:sp>
         <p:nvSpPr>
-          <p:cNvPr id="5" name="바닥글 개체 틀 4">
-            <a:extLst>
-              <a:ext uri="{FF2B5EF4-FFF2-40B4-BE49-F238E27FC236}">
-                <a16:creationId xmlns:a16="http://schemas.microsoft.com/office/drawing/2014/main" id="{07A4B804-A779-2606-DE01-3FBBCF9C7566}"/>
-              </a:ext>
-            </a:extLst>
-          </p:cNvPr>
+          <p:cNvPr id="5" name="Footer Placeholder 4"/>
           <p:cNvSpPr>
             <a:spLocks noGrp="1"/>
           </p:cNvSpPr>
@@ -3291,8 +2944,8 @@
         </p:nvSpPr>
         <p:spPr>
           <a:xfrm>
-            <a:off x="4038600" y="6356350"/>
-            <a:ext cx="4114800" cy="365125"/>
+            <a:off x="5366395" y="6356351"/>
+            <a:ext cx="5467648" cy="365125"/>
           </a:xfrm>
           <a:prstGeom prst="rect">
             <a:avLst/>
@@ -3318,13 +2971,7 @@
       </p:sp>
       <p:sp>
         <p:nvSpPr>
-          <p:cNvPr id="6" name="슬라이드 번호 개체 틀 5">
-            <a:extLst>
-              <a:ext uri="{FF2B5EF4-FFF2-40B4-BE49-F238E27FC236}">
-                <a16:creationId xmlns:a16="http://schemas.microsoft.com/office/drawing/2014/main" id="{B658E572-8967-6895-1B65-2201785A5200}"/>
-              </a:ext>
-            </a:extLst>
-          </p:cNvPr>
+          <p:cNvPr id="6" name="Slide Number Placeholder 5"/>
           <p:cNvSpPr>
             <a:spLocks noGrp="1"/>
           </p:cNvSpPr>
@@ -3334,8 +2981,8 @@
         </p:nvSpPr>
         <p:spPr>
           <a:xfrm>
-            <a:off x="8610600" y="6356350"/>
-            <a:ext cx="2743200" cy="365125"/>
+            <a:off x="11441559" y="6356351"/>
+            <a:ext cx="3645099" cy="365125"/>
           </a:xfrm>
           <a:prstGeom prst="rect">
             <a:avLst/>
@@ -3366,23 +3013,23 @@
     </p:spTree>
     <p:extLst>
       <p:ext uri="{BB962C8B-B14F-4D97-AF65-F5344CB8AC3E}">
-        <p14:creationId xmlns:p14="http://schemas.microsoft.com/office/powerpoint/2010/main" val="760796583"/>
+        <p14:creationId xmlns:p14="http://schemas.microsoft.com/office/powerpoint/2010/main" val="1710942947"/>
       </p:ext>
     </p:extLst>
   </p:cSld>
   <p:clrMap bg1="lt1" tx1="dk1" bg2="lt2" tx2="dk2" accent1="accent1" accent2="accent2" accent3="accent3" accent4="accent4" accent5="accent5" accent6="accent6" hlink="hlink" folHlink="folHlink"/>
   <p:sldLayoutIdLst>
-    <p:sldLayoutId id="2147483649" r:id="rId1"/>
-    <p:sldLayoutId id="2147483650" r:id="rId2"/>
-    <p:sldLayoutId id="2147483651" r:id="rId3"/>
-    <p:sldLayoutId id="2147483652" r:id="rId4"/>
-    <p:sldLayoutId id="2147483653" r:id="rId5"/>
-    <p:sldLayoutId id="2147483654" r:id="rId6"/>
-    <p:sldLayoutId id="2147483655" r:id="rId7"/>
-    <p:sldLayoutId id="2147483656" r:id="rId8"/>
-    <p:sldLayoutId id="2147483657" r:id="rId9"/>
-    <p:sldLayoutId id="2147483658" r:id="rId10"/>
-    <p:sldLayoutId id="2147483659" r:id="rId11"/>
+    <p:sldLayoutId id="2147483673" r:id="rId1"/>
+    <p:sldLayoutId id="2147483674" r:id="rId2"/>
+    <p:sldLayoutId id="2147483675" r:id="rId3"/>
+    <p:sldLayoutId id="2147483676" r:id="rId4"/>
+    <p:sldLayoutId id="2147483677" r:id="rId5"/>
+    <p:sldLayoutId id="2147483678" r:id="rId6"/>
+    <p:sldLayoutId id="2147483679" r:id="rId7"/>
+    <p:sldLayoutId id="2147483680" r:id="rId8"/>
+    <p:sldLayoutId id="2147483681" r:id="rId9"/>
+    <p:sldLayoutId id="2147483682" r:id="rId10"/>
+    <p:sldLayoutId id="2147483683" r:id="rId11"/>
   </p:sldLayoutIdLst>
   <p:txStyles>
     <p:titleStyle>
@@ -3570,7 +3217,7 @@
     </p:bodyStyle>
     <p:otherStyle>
       <a:defPPr>
-        <a:defRPr lang="ko-KR"/>
+        <a:defRPr lang="en-US"/>
       </a:defPPr>
       <a:lvl1pPr marL="0" algn="l" defTabSz="914400" rtl="0" eaLnBrk="1" latinLnBrk="1" hangingPunct="1">
         <a:defRPr sz="1800" kern="1200">
@@ -3704,7 +3351,7 @@
         </p:nvGrpSpPr>
         <p:grpSpPr>
           <a:xfrm>
-            <a:off x="3976688" y="194536"/>
+            <a:off x="5980909" y="194536"/>
             <a:ext cx="5013325" cy="6244364"/>
             <a:chOff x="4917897" y="50035"/>
             <a:chExt cx="5013325" cy="6244364"/>
@@ -6081,25 +5728,25 @@
               <p:nvPr>
                 <p:extLst>
                   <p:ext uri="{D42A27DB-BD31-4B8C-83A1-F6EECF244321}">
-                    <p14:modId xmlns:p14="http://schemas.microsoft.com/office/powerpoint/2010/main" val="2100617336"/>
+                    <p14:modId xmlns:p14="http://schemas.microsoft.com/office/powerpoint/2010/main" val="392702384"/>
                   </p:ext>
                 </p:extLst>
               </p:nvPr>
             </p:nvGraphicFramePr>
             <p:xfrm>
-              <a:off x="9194622" y="1982749"/>
-              <a:ext cx="241300" cy="419100"/>
+              <a:off x="9188272" y="2001799"/>
+              <a:ext cx="254000" cy="381000"/>
             </p:xfrm>
             <a:graphic>
               <a:graphicData uri="http://schemas.openxmlformats.org/presentationml/2006/ole">
                 <mc:AlternateContent xmlns:mc="http://schemas.openxmlformats.org/markup-compatibility/2006">
                   <mc:Choice xmlns:v="urn:schemas-microsoft-com:vml" Requires="v">
-                    <p:oleObj name="Equation" r:id="rId29" imgW="241200" imgH="419040" progId="Equation.DSMT4">
+                    <p:oleObj name="Equation" r:id="rId29" imgW="253800" imgH="380880" progId="Equation.DSMT4">
                       <p:embed/>
                     </p:oleObj>
                   </mc:Choice>
                   <mc:Fallback>
-                    <p:oleObj name="Equation" r:id="rId29" imgW="241200" imgH="419040" progId="Equation.DSMT4">
+                    <p:oleObj name="Equation" r:id="rId29" imgW="253800" imgH="380880" progId="Equation.DSMT4">
                       <p:embed/>
                       <p:pic>
                         <p:nvPicPr>
@@ -6121,8 +5768,8 @@
                         </p:blipFill>
                         <p:spPr>
                           <a:xfrm>
-                            <a:off x="9194622" y="1982749"/>
-                            <a:ext cx="241300" cy="419100"/>
+                            <a:off x="9188272" y="2001799"/>
+                            <a:ext cx="254000" cy="381000"/>
                           </a:xfrm>
                           <a:prstGeom prst="rect">
                             <a:avLst/>
@@ -6150,25 +5797,25 @@
               <p:nvPr>
                 <p:extLst>
                   <p:ext uri="{D42A27DB-BD31-4B8C-83A1-F6EECF244321}">
-                    <p14:modId xmlns:p14="http://schemas.microsoft.com/office/powerpoint/2010/main" val="2138940364"/>
+                    <p14:modId xmlns:p14="http://schemas.microsoft.com/office/powerpoint/2010/main" val="3427372191"/>
                   </p:ext>
                 </p:extLst>
               </p:nvPr>
             </p:nvGraphicFramePr>
             <p:xfrm>
-              <a:off x="9226372" y="3890924"/>
-              <a:ext cx="177800" cy="330200"/>
+              <a:off x="9213672" y="3890924"/>
+              <a:ext cx="203200" cy="330200"/>
             </p:xfrm>
             <a:graphic>
               <a:graphicData uri="http://schemas.openxmlformats.org/presentationml/2006/ole">
                 <mc:AlternateContent xmlns:mc="http://schemas.openxmlformats.org/markup-compatibility/2006">
                   <mc:Choice xmlns:v="urn:schemas-microsoft-com:vml" Requires="v">
-                    <p:oleObj name="Equation" r:id="rId31" imgW="177480" imgH="330120" progId="Equation.DSMT4">
+                    <p:oleObj name="Equation" r:id="rId31" imgW="203040" imgH="330120" progId="Equation.DSMT4">
                       <p:embed/>
                     </p:oleObj>
                   </mc:Choice>
                   <mc:Fallback>
-                    <p:oleObj name="Equation" r:id="rId31" imgW="177480" imgH="330120" progId="Equation.DSMT4">
+                    <p:oleObj name="Equation" r:id="rId31" imgW="203040" imgH="330120" progId="Equation.DSMT4">
                       <p:embed/>
                       <p:pic>
                         <p:nvPicPr>
@@ -6190,8 +5837,8 @@
                         </p:blipFill>
                         <p:spPr>
                           <a:xfrm>
-                            <a:off x="9226372" y="3890924"/>
-                            <a:ext cx="177800" cy="330200"/>
+                            <a:off x="9213672" y="3890924"/>
+                            <a:ext cx="203200" cy="330200"/>
                           </a:xfrm>
                           <a:prstGeom prst="rect">
                             <a:avLst/>
@@ -6521,10 +6168,10 @@
         </p:nvGrpSpPr>
         <p:grpSpPr>
           <a:xfrm>
-            <a:off x="96193" y="543981"/>
-            <a:ext cx="12190575" cy="5229315"/>
-            <a:chOff x="152400" y="1350556"/>
-            <a:chExt cx="12190575" cy="5229315"/>
+            <a:off x="2100412" y="544137"/>
+            <a:ext cx="12721512" cy="5229161"/>
+            <a:chOff x="152400" y="1350710"/>
+            <a:chExt cx="12721512" cy="5229161"/>
           </a:xfrm>
         </p:grpSpPr>
         <p:grpSp>
@@ -6541,10 +6188,10 @@
           </p:nvGrpSpPr>
           <p:grpSpPr>
             <a:xfrm>
-              <a:off x="152400" y="1350556"/>
-              <a:ext cx="12190575" cy="5229315"/>
-              <a:chOff x="152400" y="1369606"/>
-              <a:chExt cx="12190575" cy="5229315"/>
+              <a:off x="152400" y="1350710"/>
+              <a:ext cx="12721512" cy="5229161"/>
+              <a:chOff x="152400" y="1369760"/>
+              <a:chExt cx="12721512" cy="5229161"/>
             </a:xfrm>
           </p:grpSpPr>
           <p:grpSp>
@@ -6581,10 +6228,10 @@
               </p:nvGrpSpPr>
               <p:grpSpPr>
                 <a:xfrm>
-                  <a:off x="-461649" y="2484368"/>
-                  <a:ext cx="10661797" cy="2016481"/>
-                  <a:chOff x="-455299" y="2668518"/>
-                  <a:chExt cx="10661797" cy="2016481"/>
+                  <a:off x="-461649" y="2455793"/>
+                  <a:ext cx="10661797" cy="2045056"/>
+                  <a:chOff x="-455299" y="2639943"/>
+                  <a:chExt cx="10661797" cy="2045056"/>
                 </a:xfrm>
               </p:grpSpPr>
               <p:sp>
@@ -6601,7 +6248,7 @@
                 </p:nvSpPr>
                 <p:spPr>
                   <a:xfrm>
-                    <a:off x="-455299" y="2668518"/>
+                    <a:off x="-455299" y="2639943"/>
                     <a:ext cx="1733550" cy="1573753"/>
                   </a:xfrm>
                   <a:prstGeom prst="roundRect">
@@ -7236,8 +6883,8 @@
             </p:nvSpPr>
             <p:spPr>
               <a:xfrm>
-                <a:off x="6647126" y="1369606"/>
-                <a:ext cx="2685740" cy="1127125"/>
+                <a:off x="6152207" y="1369760"/>
+                <a:ext cx="3162383" cy="1127125"/>
               </a:xfrm>
               <a:prstGeom prst="roundRect">
                 <a:avLst/>
@@ -7273,7 +6920,7 @@
               <a:p>
                 <a:pPr algn="ctr"/>
                 <a:r>
-                  <a:rPr lang="en-US" altLang="ko-KR" sz="2400" dirty="0">
+                  <a:rPr lang="en-US" altLang="ko-KR" sz="2800" dirty="0">
                     <a:solidFill>
                       <a:schemeClr val="tx1"/>
                     </a:solidFill>
@@ -7282,7 +6929,7 @@
                   </a:rPr>
                   <a:t>Cornering stiffness optimization</a:t>
                 </a:r>
-                <a:endParaRPr lang="ko-KR" altLang="en-US" sz="2400" dirty="0">
+                <a:endParaRPr lang="ko-KR" altLang="en-US" sz="2800" dirty="0">
                   <a:solidFill>
                     <a:schemeClr val="tx1"/>
                   </a:solidFill>
@@ -7309,13 +6956,15 @@
               <p:nvPr/>
             </p:nvCxnSpPr>
             <p:spPr>
-              <a:xfrm flipV="1">
-                <a:off x="6209440" y="1933169"/>
-                <a:ext cx="437686" cy="1864672"/>
+              <a:xfrm flipH="1" flipV="1">
+                <a:off x="6152207" y="1933323"/>
+                <a:ext cx="57233" cy="1864518"/>
               </a:xfrm>
-              <a:prstGeom prst="bentConnector3">
+              <a:prstGeom prst="bentConnector5">
                 <a:avLst>
-                  <a:gd name="adj1" fmla="val 50000"/>
+                  <a:gd name="adj1" fmla="val -399420"/>
+                  <a:gd name="adj2" fmla="val 50000"/>
+                  <a:gd name="adj3" fmla="val 499420"/>
                 </a:avLst>
               </a:prstGeom>
               <a:ln>
@@ -7358,8 +7007,8 @@
             </p:nvCxnSpPr>
             <p:spPr>
               <a:xfrm>
-                <a:off x="9332866" y="1933169"/>
-                <a:ext cx="150147" cy="1238947"/>
+                <a:off x="9314590" y="1933323"/>
+                <a:ext cx="168423" cy="1238793"/>
               </a:xfrm>
               <a:prstGeom prst="bentConnector2">
                 <a:avLst/>
@@ -7669,9 +7318,9 @@
               <p:nvPr/>
             </p:nvCxnSpPr>
             <p:spPr>
-              <a:xfrm flipV="1">
-                <a:off x="1960578" y="3797840"/>
-                <a:ext cx="1332760" cy="26399"/>
+              <a:xfrm>
+                <a:off x="1960578" y="3795664"/>
+                <a:ext cx="1332760" cy="2176"/>
               </a:xfrm>
               <a:prstGeom prst="straightConnector1">
                 <a:avLst/>
@@ -7868,25 +7517,25 @@
               <p:nvPr>
                 <p:extLst>
                   <p:ext uri="{D42A27DB-BD31-4B8C-83A1-F6EECF244321}">
-                    <p14:modId xmlns:p14="http://schemas.microsoft.com/office/powerpoint/2010/main" val="2458939457"/>
+                    <p14:modId xmlns:p14="http://schemas.microsoft.com/office/powerpoint/2010/main" val="3515483296"/>
                   </p:ext>
                 </p:extLst>
               </p:nvPr>
             </p:nvGraphicFramePr>
             <p:xfrm>
-              <a:off x="9434675" y="1429138"/>
-              <a:ext cx="2908300" cy="444500"/>
+              <a:off x="9483012" y="1425168"/>
+              <a:ext cx="3390900" cy="508000"/>
             </p:xfrm>
             <a:graphic>
               <a:graphicData uri="http://schemas.openxmlformats.org/presentationml/2006/ole">
                 <mc:AlternateContent xmlns:mc="http://schemas.openxmlformats.org/markup-compatibility/2006">
                   <mc:Choice xmlns:v="urn:schemas-microsoft-com:vml" Requires="v">
-                    <p:oleObj name="Equation" r:id="rId7" imgW="2908080" imgH="444240" progId="Equation.DSMT4">
+                    <p:oleObj name="Equation" r:id="rId7" imgW="3390840" imgH="507960" progId="Equation.DSMT4">
                       <p:embed/>
                     </p:oleObj>
                   </mc:Choice>
                   <mc:Fallback>
-                    <p:oleObj name="Equation" r:id="rId7" imgW="2908080" imgH="444240" progId="Equation.DSMT4">
+                    <p:oleObj name="Equation" r:id="rId7" imgW="3390840" imgH="507960" progId="Equation.DSMT4">
                       <p:embed/>
                       <p:pic>
                         <p:nvPicPr>
@@ -7902,8 +7551,8 @@
                         </p:blipFill>
                         <p:spPr>
                           <a:xfrm>
-                            <a:off x="9434675" y="1429138"/>
-                            <a:ext cx="2908300" cy="444500"/>
+                            <a:off x="9483012" y="1425168"/>
+                            <a:ext cx="3390900" cy="508000"/>
                           </a:xfrm>
                           <a:prstGeom prst="rect">
                             <a:avLst/>
@@ -7980,10 +7629,10 @@
       </p:grpSpPr>
       <p:grpSp>
         <p:nvGrpSpPr>
-          <p:cNvPr id="44" name="그룹 43">
+          <p:cNvPr id="75" name="그룹 74">
             <a:extLst>
               <a:ext uri="{FF2B5EF4-FFF2-40B4-BE49-F238E27FC236}">
-                <a16:creationId xmlns:a16="http://schemas.microsoft.com/office/drawing/2014/main" id="{9459B413-E03D-6D3A-99FA-5120783AD352}"/>
+                <a16:creationId xmlns:a16="http://schemas.microsoft.com/office/drawing/2014/main" id="{3C13CFBB-4795-8C3E-9A64-D0C1F337B3F5}"/>
               </a:ext>
             </a:extLst>
           </p:cNvPr>
@@ -7992,18 +7641,18 @@
         </p:nvGrpSpPr>
         <p:grpSpPr>
           <a:xfrm>
-            <a:off x="134293" y="251881"/>
-            <a:ext cx="12190575" cy="6606119"/>
-            <a:chOff x="134293" y="251881"/>
-            <a:chExt cx="12190575" cy="6606119"/>
+            <a:off x="763668" y="597013"/>
+            <a:ext cx="14673101" cy="5663974"/>
+            <a:chOff x="-129787" y="209408"/>
+            <a:chExt cx="14673101" cy="5663974"/>
           </a:xfrm>
         </p:grpSpPr>
         <p:grpSp>
           <p:nvGrpSpPr>
-            <p:cNvPr id="25" name="그룹 24">
+            <p:cNvPr id="44" name="그룹 43">
               <a:extLst>
                 <a:ext uri="{FF2B5EF4-FFF2-40B4-BE49-F238E27FC236}">
-                  <a16:creationId xmlns:a16="http://schemas.microsoft.com/office/drawing/2014/main" id="{9F5391FF-C088-8868-3DE0-C6A07515A34F}"/>
+                  <a16:creationId xmlns:a16="http://schemas.microsoft.com/office/drawing/2014/main" id="{9459B413-E03D-6D3A-99FA-5120783AD352}"/>
                 </a:ext>
               </a:extLst>
             </p:cNvPr>
@@ -8012,18 +7661,18 @@
           </p:nvGrpSpPr>
           <p:grpSpPr>
             <a:xfrm>
-              <a:off x="134293" y="251881"/>
-              <a:ext cx="12190575" cy="6606119"/>
-              <a:chOff x="152400" y="1369606"/>
-              <a:chExt cx="12190575" cy="6606119"/>
+              <a:off x="0" y="209408"/>
+              <a:ext cx="14543314" cy="5663974"/>
+              <a:chOff x="1" y="251881"/>
+              <a:chExt cx="14543314" cy="5663974"/>
             </a:xfrm>
           </p:grpSpPr>
           <p:grpSp>
             <p:nvGrpSpPr>
-              <p:cNvPr id="63" name="그룹 62">
+              <p:cNvPr id="25" name="그룹 24">
                 <a:extLst>
                   <a:ext uri="{FF2B5EF4-FFF2-40B4-BE49-F238E27FC236}">
-                    <a16:creationId xmlns:a16="http://schemas.microsoft.com/office/drawing/2014/main" id="{9D6C2BC4-DDE3-7050-152A-987CF8DA369A}"/>
+                    <a16:creationId xmlns:a16="http://schemas.microsoft.com/office/drawing/2014/main" id="{9F5391FF-C088-8868-3DE0-C6A07515A34F}"/>
                   </a:ext>
                 </a:extLst>
               </p:cNvPr>
@@ -8032,18 +7681,18 @@
             </p:nvGrpSpPr>
             <p:grpSpPr>
               <a:xfrm>
-                <a:off x="227028" y="2972148"/>
-                <a:ext cx="10661797" cy="2081695"/>
-                <a:chOff x="-461649" y="2419154"/>
-                <a:chExt cx="10661797" cy="2081695"/>
+                <a:off x="1" y="251881"/>
+                <a:ext cx="14543314" cy="5663974"/>
+                <a:chOff x="18108" y="1369606"/>
+                <a:chExt cx="14543314" cy="5663974"/>
               </a:xfrm>
             </p:grpSpPr>
             <p:grpSp>
               <p:nvGrpSpPr>
-                <p:cNvPr id="23" name="그룹 22">
+                <p:cNvPr id="63" name="그룹 62">
                   <a:extLst>
                     <a:ext uri="{FF2B5EF4-FFF2-40B4-BE49-F238E27FC236}">
-                      <a16:creationId xmlns:a16="http://schemas.microsoft.com/office/drawing/2014/main" id="{D1530FFE-08A0-ED8A-3C1F-3E95A8049EBD}"/>
+                      <a16:creationId xmlns:a16="http://schemas.microsoft.com/office/drawing/2014/main" id="{9D6C2BC4-DDE3-7050-152A-987CF8DA369A}"/>
                     </a:ext>
                   </a:extLst>
                 </p:cNvPr>
@@ -8052,18 +7701,802 @@
               </p:nvGrpSpPr>
               <p:grpSpPr>
                 <a:xfrm>
-                  <a:off x="-461649" y="2458968"/>
-                  <a:ext cx="10661797" cy="2041881"/>
-                  <a:chOff x="-455299" y="2643118"/>
-                  <a:chExt cx="10661797" cy="2041881"/>
+                  <a:off x="324935" y="2830524"/>
+                  <a:ext cx="10563890" cy="2294763"/>
+                  <a:chOff x="-363742" y="2277530"/>
+                  <a:chExt cx="10563890" cy="2294763"/>
                 </a:xfrm>
               </p:grpSpPr>
+              <p:grpSp>
+                <p:nvGrpSpPr>
+                  <p:cNvPr id="23" name="그룹 22">
+                    <a:extLst>
+                      <a:ext uri="{FF2B5EF4-FFF2-40B4-BE49-F238E27FC236}">
+                        <a16:creationId xmlns:a16="http://schemas.microsoft.com/office/drawing/2014/main" id="{D1530FFE-08A0-ED8A-3C1F-3E95A8049EBD}"/>
+                      </a:ext>
+                    </a:extLst>
+                  </p:cNvPr>
+                  <p:cNvGrpSpPr/>
+                  <p:nvPr/>
+                </p:nvGrpSpPr>
+                <p:grpSpPr>
+                  <a:xfrm>
+                    <a:off x="-363742" y="2460001"/>
+                    <a:ext cx="10563890" cy="2112292"/>
+                    <a:chOff x="-357392" y="2644151"/>
+                    <a:chExt cx="10563890" cy="2112292"/>
+                  </a:xfrm>
+                </p:grpSpPr>
+                <p:sp>
+                  <p:nvSpPr>
+                    <p:cNvPr id="5" name="사각형: 둥근 모서리 4">
+                      <a:extLst>
+                        <a:ext uri="{FF2B5EF4-FFF2-40B4-BE49-F238E27FC236}">
+                          <a16:creationId xmlns:a16="http://schemas.microsoft.com/office/drawing/2014/main" id="{D3A06B0F-BD62-AA14-45CD-956E99122FAA}"/>
+                        </a:ext>
+                      </a:extLst>
+                    </p:cNvPr>
+                    <p:cNvSpPr/>
+                    <p:nvPr/>
+                  </p:nvSpPr>
+                  <p:spPr>
+                    <a:xfrm>
+                      <a:off x="-357392" y="2644151"/>
+                      <a:ext cx="1733550" cy="1573753"/>
+                    </a:xfrm>
+                    <a:prstGeom prst="roundRect">
+                      <a:avLst/>
+                    </a:prstGeom>
+                    <a:noFill/>
+                    <a:ln>
+                      <a:solidFill>
+                        <a:schemeClr val="tx1"/>
+                      </a:solidFill>
+                    </a:ln>
+                  </p:spPr>
+                  <p:style>
+                    <a:lnRef idx="2">
+                      <a:schemeClr val="accent1">
+                        <a:shade val="15000"/>
+                      </a:schemeClr>
+                    </a:lnRef>
+                    <a:fillRef idx="1">
+                      <a:schemeClr val="accent1"/>
+                    </a:fillRef>
+                    <a:effectRef idx="0">
+                      <a:schemeClr val="accent1"/>
+                    </a:effectRef>
+                    <a:fontRef idx="minor">
+                      <a:schemeClr val="lt1"/>
+                    </a:fontRef>
+                  </p:style>
+                  <p:txBody>
+                    <a:bodyPr rtlCol="0" anchor="ctr"/>
+                    <a:lstStyle/>
+                    <a:p>
+                      <a:pPr algn="ctr"/>
+                      <a:endParaRPr lang="ko-KR" altLang="en-US" b="1" dirty="0"/>
+                    </a:p>
+                  </p:txBody>
+                </p:sp>
+                <p:sp>
+                  <p:nvSpPr>
+                    <p:cNvPr id="6" name="TextBox 5">
+                      <a:extLst>
+                        <a:ext uri="{FF2B5EF4-FFF2-40B4-BE49-F238E27FC236}">
+                          <a16:creationId xmlns:a16="http://schemas.microsoft.com/office/drawing/2014/main" id="{38920677-CC45-9CC7-3DA7-68E983665473}"/>
+                        </a:ext>
+                      </a:extLst>
+                    </p:cNvPr>
+                    <p:cNvSpPr txBox="1"/>
+                    <p:nvPr/>
+                  </p:nvSpPr>
+                  <p:spPr>
+                    <a:xfrm>
+                      <a:off x="-347495" y="4233223"/>
+                      <a:ext cx="1749197" cy="523220"/>
+                    </a:xfrm>
+                    <a:prstGeom prst="rect">
+                      <a:avLst/>
+                    </a:prstGeom>
+                    <a:noFill/>
+                  </p:spPr>
+                  <p:txBody>
+                    <a:bodyPr wrap="square" rtlCol="0">
+                      <a:spAutoFit/>
+                    </a:bodyPr>
+                    <a:lstStyle/>
+                    <a:p>
+                      <a:r>
+                        <a:rPr lang="en-US" altLang="ko-KR" sz="2800" dirty="0">
+                          <a:latin typeface="Times New Roman" panose="02020603050405020304" pitchFamily="18" charset="0"/>
+                          <a:cs typeface="Times New Roman" panose="02020603050405020304" pitchFamily="18" charset="0"/>
+                        </a:rPr>
+                        <a:t>Simulation</a:t>
+                      </a:r>
+                      <a:endParaRPr lang="ko-KR" altLang="en-US" sz="2800" dirty="0">
+                        <a:latin typeface="Times New Roman" panose="02020603050405020304" pitchFamily="18" charset="0"/>
+                        <a:cs typeface="Times New Roman" panose="02020603050405020304" pitchFamily="18" charset="0"/>
+                      </a:endParaRPr>
+                    </a:p>
+                  </p:txBody>
+                </p:sp>
+                <p:sp>
+                  <p:nvSpPr>
+                    <p:cNvPr id="7" name="사각형: 둥근 모서리 6">
+                      <a:extLst>
+                        <a:ext uri="{FF2B5EF4-FFF2-40B4-BE49-F238E27FC236}">
+                          <a16:creationId xmlns:a16="http://schemas.microsoft.com/office/drawing/2014/main" id="{156F8E37-A027-F87F-CC4C-212B3D81DCA1}"/>
+                        </a:ext>
+                      </a:extLst>
+                    </p:cNvPr>
+                    <p:cNvSpPr/>
+                    <p:nvPr/>
+                  </p:nvSpPr>
+                  <p:spPr>
+                    <a:xfrm>
+                      <a:off x="3253813" y="2778350"/>
+                      <a:ext cx="2273300" cy="1291281"/>
+                    </a:xfrm>
+                    <a:prstGeom prst="roundRect">
+                      <a:avLst/>
+                    </a:prstGeom>
+                    <a:noFill/>
+                    <a:ln>
+                      <a:solidFill>
+                        <a:schemeClr val="tx1"/>
+                      </a:solidFill>
+                    </a:ln>
+                  </p:spPr>
+                  <p:style>
+                    <a:lnRef idx="2">
+                      <a:schemeClr val="accent1">
+                        <a:shade val="15000"/>
+                      </a:schemeClr>
+                    </a:lnRef>
+                    <a:fillRef idx="1">
+                      <a:schemeClr val="accent1"/>
+                    </a:fillRef>
+                    <a:effectRef idx="0">
+                      <a:schemeClr val="accent1"/>
+                    </a:effectRef>
+                    <a:fontRef idx="minor">
+                      <a:schemeClr val="lt1"/>
+                    </a:fontRef>
+                  </p:style>
+                  <p:txBody>
+                    <a:bodyPr rtlCol="0" anchor="ctr"/>
+                    <a:lstStyle/>
+                    <a:p>
+                      <a:pPr algn="ctr"/>
+                      <a:r>
+                        <a:rPr lang="en-US" altLang="ko-KR" sz="2800" dirty="0">
+                          <a:solidFill>
+                            <a:schemeClr val="tx1"/>
+                          </a:solidFill>
+                          <a:latin typeface="Times New Roman" panose="02020603050405020304" pitchFamily="18" charset="0"/>
+                          <a:cs typeface="Times New Roman" panose="02020603050405020304" pitchFamily="18" charset="0"/>
+                        </a:rPr>
+                        <a:t>Vertical force</a:t>
+                      </a:r>
+                    </a:p>
+                    <a:p>
+                      <a:pPr algn="ctr"/>
+                      <a:r>
+                        <a:rPr lang="en-US" altLang="ko-KR" sz="2800" dirty="0">
+                          <a:solidFill>
+                            <a:schemeClr val="tx1"/>
+                          </a:solidFill>
+                          <a:latin typeface="Times New Roman" panose="02020603050405020304" pitchFamily="18" charset="0"/>
+                          <a:cs typeface="Times New Roman" panose="02020603050405020304" pitchFamily="18" charset="0"/>
+                        </a:rPr>
+                        <a:t>calculation</a:t>
+                      </a:r>
+                      <a:endParaRPr lang="ko-KR" altLang="en-US" sz="2800" dirty="0">
+                        <a:solidFill>
+                          <a:schemeClr val="tx1"/>
+                        </a:solidFill>
+                        <a:latin typeface="Times New Roman" panose="02020603050405020304" pitchFamily="18" charset="0"/>
+                        <a:cs typeface="Times New Roman" panose="02020603050405020304" pitchFamily="18" charset="0"/>
+                      </a:endParaRPr>
+                    </a:p>
+                  </p:txBody>
+                </p:sp>
+                <p:sp>
+                  <p:nvSpPr>
+                    <p:cNvPr id="10" name="사각형: 둥근 모서리 9">
+                      <a:extLst>
+                        <a:ext uri="{FF2B5EF4-FFF2-40B4-BE49-F238E27FC236}">
+                          <a16:creationId xmlns:a16="http://schemas.microsoft.com/office/drawing/2014/main" id="{8A4EFFAF-34C2-E9CC-46A4-E1A8F1A9B781}"/>
+                        </a:ext>
+                      </a:extLst>
+                    </p:cNvPr>
+                    <p:cNvSpPr/>
+                    <p:nvPr/>
+                  </p:nvSpPr>
+                  <p:spPr>
+                    <a:xfrm>
+                      <a:off x="7394873" y="2784222"/>
+                      <a:ext cx="2811625" cy="1291281"/>
+                    </a:xfrm>
+                    <a:prstGeom prst="roundRect">
+                      <a:avLst/>
+                    </a:prstGeom>
+                    <a:noFill/>
+                    <a:ln>
+                      <a:solidFill>
+                        <a:schemeClr val="tx1"/>
+                      </a:solidFill>
+                    </a:ln>
+                  </p:spPr>
+                  <p:style>
+                    <a:lnRef idx="2">
+                      <a:schemeClr val="accent1">
+                        <a:shade val="15000"/>
+                      </a:schemeClr>
+                    </a:lnRef>
+                    <a:fillRef idx="1">
+                      <a:schemeClr val="accent1"/>
+                    </a:fillRef>
+                    <a:effectRef idx="0">
+                      <a:schemeClr val="accent1"/>
+                    </a:effectRef>
+                    <a:fontRef idx="minor">
+                      <a:schemeClr val="lt1"/>
+                    </a:fontRef>
+                  </p:style>
+                  <p:txBody>
+                    <a:bodyPr rtlCol="0" anchor="ctr"/>
+                    <a:lstStyle/>
+                    <a:p>
+                      <a:pPr algn="ctr"/>
+                      <a:r>
+                        <a:rPr lang="en-US" altLang="ko-KR" sz="2800" dirty="0">
+                          <a:solidFill>
+                            <a:schemeClr val="tx1"/>
+                          </a:solidFill>
+                          <a:latin typeface="Times New Roman" panose="02020603050405020304" pitchFamily="18" charset="0"/>
+                          <a:cs typeface="Times New Roman" panose="02020603050405020304" pitchFamily="18" charset="0"/>
+                        </a:rPr>
+                        <a:t>Adaptive Extended Kalman Filter</a:t>
+                      </a:r>
+                      <a:endParaRPr lang="ko-KR" altLang="en-US" sz="2800" dirty="0">
+                        <a:solidFill>
+                          <a:schemeClr val="tx1"/>
+                        </a:solidFill>
+                        <a:latin typeface="Times New Roman" panose="02020603050405020304" pitchFamily="18" charset="0"/>
+                        <a:cs typeface="Times New Roman" panose="02020603050405020304" pitchFamily="18" charset="0"/>
+                      </a:endParaRPr>
+                    </a:p>
+                  </p:txBody>
+                </p:sp>
+                <p:cxnSp>
+                  <p:nvCxnSpPr>
+                    <p:cNvPr id="12" name="직선 화살표 연결선 11">
+                      <a:extLst>
+                        <a:ext uri="{FF2B5EF4-FFF2-40B4-BE49-F238E27FC236}">
+                          <a16:creationId xmlns:a16="http://schemas.microsoft.com/office/drawing/2014/main" id="{819F99CD-245C-F8A2-7438-BDB52E4E4CE1}"/>
+                        </a:ext>
+                      </a:extLst>
+                    </p:cNvPr>
+                    <p:cNvCxnSpPr>
+                      <a:cxnSpLocks/>
+                      <a:stCxn id="7" idx="3"/>
+                      <a:endCxn id="10" idx="1"/>
+                    </p:cNvCxnSpPr>
+                    <p:nvPr/>
+                  </p:nvCxnSpPr>
+                  <p:spPr>
+                    <a:xfrm>
+                      <a:off x="5527113" y="3423991"/>
+                      <a:ext cx="1867760" cy="5872"/>
+                    </a:xfrm>
+                    <a:prstGeom prst="straightConnector1">
+                      <a:avLst/>
+                    </a:prstGeom>
+                    <a:ln>
+                      <a:solidFill>
+                        <a:schemeClr val="tx1"/>
+                      </a:solidFill>
+                      <a:tailEnd type="triangle"/>
+                    </a:ln>
+                  </p:spPr>
+                  <p:style>
+                    <a:lnRef idx="2">
+                      <a:schemeClr val="accent1"/>
+                    </a:lnRef>
+                    <a:fillRef idx="0">
+                      <a:schemeClr val="accent1"/>
+                    </a:fillRef>
+                    <a:effectRef idx="1">
+                      <a:schemeClr val="accent1"/>
+                    </a:effectRef>
+                    <a:fontRef idx="minor">
+                      <a:schemeClr val="tx1"/>
+                    </a:fontRef>
+                  </p:style>
+                </p:cxnSp>
+              </p:grpSp>
               <p:sp>
                 <p:nvSpPr>
-                  <p:cNvPr id="5" name="사각형: 둥근 모서리 4">
+                  <p:cNvPr id="26" name="TextBox 25">
                     <a:extLst>
                       <a:ext uri="{FF2B5EF4-FFF2-40B4-BE49-F238E27FC236}">
-                        <a16:creationId xmlns:a16="http://schemas.microsoft.com/office/drawing/2014/main" id="{D3A06B0F-BD62-AA14-45CD-956E99122FAA}"/>
+                        <a16:creationId xmlns:a16="http://schemas.microsoft.com/office/drawing/2014/main" id="{535B2B62-824A-0A73-8F57-E2F82BC528D8}"/>
+                      </a:ext>
+                    </a:extLst>
+                  </p:cNvPr>
+                  <p:cNvSpPr txBox="1"/>
+                  <p:nvPr/>
+                </p:nvSpPr>
+                <p:spPr>
+                  <a:xfrm>
+                    <a:off x="1382549" y="2277530"/>
+                    <a:ext cx="1247952" cy="954107"/>
+                  </a:xfrm>
+                  <a:prstGeom prst="rect">
+                    <a:avLst/>
+                  </a:prstGeom>
+                  <a:noFill/>
+                </p:spPr>
+                <p:txBody>
+                  <a:bodyPr wrap="square" rtlCol="0">
+                    <a:spAutoFit/>
+                  </a:bodyPr>
+                  <a:lstStyle/>
+                  <a:p>
+                    <a:pPr algn="ctr"/>
+                    <a:r>
+                      <a:rPr lang="en-US" altLang="ko-KR" sz="2800" dirty="0">
+                        <a:latin typeface="Times New Roman" panose="02020603050405020304" pitchFamily="18" charset="0"/>
+                        <a:cs typeface="Times New Roman" panose="02020603050405020304" pitchFamily="18" charset="0"/>
+                      </a:rPr>
+                      <a:t>Sensor </a:t>
+                    </a:r>
+                  </a:p>
+                  <a:p>
+                    <a:pPr algn="ctr"/>
+                    <a:r>
+                      <a:rPr lang="en-US" altLang="ko-KR" sz="2800" dirty="0">
+                        <a:latin typeface="Times New Roman" panose="02020603050405020304" pitchFamily="18" charset="0"/>
+                        <a:cs typeface="Times New Roman" panose="02020603050405020304" pitchFamily="18" charset="0"/>
+                      </a:rPr>
+                      <a:t>data</a:t>
+                    </a:r>
+                  </a:p>
+                </p:txBody>
+              </p:sp>
+            </p:grpSp>
+            <p:sp>
+              <p:nvSpPr>
+                <p:cNvPr id="2" name="사각형: 둥근 모서리 1">
+                  <a:extLst>
+                    <a:ext uri="{FF2B5EF4-FFF2-40B4-BE49-F238E27FC236}">
+                      <a16:creationId xmlns:a16="http://schemas.microsoft.com/office/drawing/2014/main" id="{0C4E13C0-1700-AEF2-6A52-4073EF54B423}"/>
+                    </a:ext>
+                  </a:extLst>
+                </p:cNvPr>
+                <p:cNvSpPr/>
+                <p:nvPr/>
+              </p:nvSpPr>
+              <p:spPr>
+                <a:xfrm>
+                  <a:off x="11643738" y="3153066"/>
+                  <a:ext cx="2773525" cy="1291281"/>
+                </a:xfrm>
+                <a:prstGeom prst="roundRect">
+                  <a:avLst/>
+                </a:prstGeom>
+                <a:noFill/>
+                <a:ln>
+                  <a:solidFill>
+                    <a:schemeClr val="tx1"/>
+                  </a:solidFill>
+                </a:ln>
+              </p:spPr>
+              <p:style>
+                <a:lnRef idx="2">
+                  <a:schemeClr val="accent1">
+                    <a:shade val="15000"/>
+                  </a:schemeClr>
+                </a:lnRef>
+                <a:fillRef idx="1">
+                  <a:schemeClr val="accent1"/>
+                </a:fillRef>
+                <a:effectRef idx="0">
+                  <a:schemeClr val="accent1"/>
+                </a:effectRef>
+                <a:fontRef idx="minor">
+                  <a:schemeClr val="lt1"/>
+                </a:fontRef>
+              </p:style>
+              <p:txBody>
+                <a:bodyPr rtlCol="0" anchor="ctr"/>
+                <a:lstStyle/>
+                <a:p>
+                  <a:r>
+                    <a:rPr lang="en-US" altLang="ko-KR" sz="2800" dirty="0">
+                      <a:solidFill>
+                        <a:schemeClr val="tx1"/>
+                      </a:solidFill>
+                      <a:latin typeface="Times New Roman" panose="02020603050405020304" pitchFamily="18" charset="0"/>
+                      <a:cs typeface="Times New Roman" panose="02020603050405020304" pitchFamily="18" charset="0"/>
+                    </a:rPr>
+                    <a:t>         calculation</a:t>
+                  </a:r>
+                  <a:endParaRPr lang="ko-KR" altLang="en-US" sz="2800" dirty="0">
+                    <a:solidFill>
+                      <a:schemeClr val="tx1"/>
+                    </a:solidFill>
+                    <a:latin typeface="Times New Roman" panose="02020603050405020304" pitchFamily="18" charset="0"/>
+                    <a:cs typeface="Times New Roman" panose="02020603050405020304" pitchFamily="18" charset="0"/>
+                  </a:endParaRPr>
+                </a:p>
+              </p:txBody>
+            </p:sp>
+            <p:sp>
+              <p:nvSpPr>
+                <p:cNvPr id="8" name="사각형: 둥근 모서리 7">
+                  <a:extLst>
+                    <a:ext uri="{FF2B5EF4-FFF2-40B4-BE49-F238E27FC236}">
+                      <a16:creationId xmlns:a16="http://schemas.microsoft.com/office/drawing/2014/main" id="{9C3915A5-3134-18E1-B543-08CFCE33B964}"/>
+                    </a:ext>
+                  </a:extLst>
+                </p:cNvPr>
+                <p:cNvSpPr/>
+                <p:nvPr/>
+              </p:nvSpPr>
+              <p:spPr>
+                <a:xfrm>
+                  <a:off x="11643738" y="5281819"/>
+                  <a:ext cx="2773525" cy="1330788"/>
+                </a:xfrm>
+                <a:prstGeom prst="roundRect">
+                  <a:avLst/>
+                </a:prstGeom>
+                <a:noFill/>
+                <a:ln>
+                  <a:solidFill>
+                    <a:schemeClr val="tx1"/>
+                  </a:solidFill>
+                </a:ln>
+              </p:spPr>
+              <p:style>
+                <a:lnRef idx="2">
+                  <a:schemeClr val="accent1">
+                    <a:shade val="15000"/>
+                  </a:schemeClr>
+                </a:lnRef>
+                <a:fillRef idx="1">
+                  <a:schemeClr val="accent1"/>
+                </a:fillRef>
+                <a:effectRef idx="0">
+                  <a:schemeClr val="accent1"/>
+                </a:effectRef>
+                <a:fontRef idx="minor">
+                  <a:schemeClr val="lt1"/>
+                </a:fontRef>
+              </p:style>
+              <p:txBody>
+                <a:bodyPr rtlCol="0" anchor="ctr"/>
+                <a:lstStyle/>
+                <a:p>
+                  <a:pPr algn="ctr"/>
+                  <a:r>
+                    <a:rPr lang="en-US" altLang="ko-KR" sz="2800" dirty="0">
+                      <a:solidFill>
+                        <a:schemeClr val="tx1"/>
+                      </a:solidFill>
+                      <a:latin typeface="Times New Roman" panose="02020603050405020304" pitchFamily="18" charset="0"/>
+                      <a:cs typeface="Times New Roman" panose="02020603050405020304" pitchFamily="18" charset="0"/>
+                    </a:rPr>
+                    <a:t>Adaptive </a:t>
+                  </a:r>
+                </a:p>
+                <a:p>
+                  <a:pPr algn="ctr"/>
+                  <a:r>
+                    <a:rPr lang="en-US" altLang="ko-KR" sz="2800" dirty="0">
+                      <a:solidFill>
+                        <a:schemeClr val="tx1"/>
+                      </a:solidFill>
+                      <a:latin typeface="Times New Roman" panose="02020603050405020304" pitchFamily="18" charset="0"/>
+                      <a:cs typeface="Times New Roman" panose="02020603050405020304" pitchFamily="18" charset="0"/>
+                    </a:rPr>
+                    <a:t>Sliding Mode Control</a:t>
+                  </a:r>
+                  <a:endParaRPr lang="ko-KR" altLang="en-US" sz="2800" dirty="0">
+                    <a:solidFill>
+                      <a:schemeClr val="tx1"/>
+                    </a:solidFill>
+                    <a:latin typeface="Times New Roman" panose="02020603050405020304" pitchFamily="18" charset="0"/>
+                    <a:cs typeface="Times New Roman" panose="02020603050405020304" pitchFamily="18" charset="0"/>
+                  </a:endParaRPr>
+                </a:p>
+              </p:txBody>
+            </p:sp>
+            <p:sp>
+              <p:nvSpPr>
+                <p:cNvPr id="15" name="사각형: 둥근 모서리 14">
+                  <a:extLst>
+                    <a:ext uri="{FF2B5EF4-FFF2-40B4-BE49-F238E27FC236}">
+                      <a16:creationId xmlns:a16="http://schemas.microsoft.com/office/drawing/2014/main" id="{59D24ABD-267E-E029-A88D-05BF0F8AA281}"/>
+                    </a:ext>
+                  </a:extLst>
+                </p:cNvPr>
+                <p:cNvSpPr/>
+                <p:nvPr/>
+              </p:nvSpPr>
+              <p:spPr>
+                <a:xfrm>
+                  <a:off x="6647126" y="1369606"/>
+                  <a:ext cx="2685740" cy="1127125"/>
+                </a:xfrm>
+                <a:prstGeom prst="roundRect">
+                  <a:avLst/>
+                </a:prstGeom>
+                <a:solidFill>
+                  <a:srgbClr val="FFCC00"/>
+                </a:solidFill>
+                <a:ln>
+                  <a:solidFill>
+                    <a:schemeClr val="tx1"/>
+                  </a:solidFill>
+                </a:ln>
+              </p:spPr>
+              <p:style>
+                <a:lnRef idx="2">
+                  <a:schemeClr val="accent1">
+                    <a:shade val="15000"/>
+                  </a:schemeClr>
+                </a:lnRef>
+                <a:fillRef idx="1">
+                  <a:schemeClr val="accent1"/>
+                </a:fillRef>
+                <a:effectRef idx="0">
+                  <a:schemeClr val="accent1"/>
+                </a:effectRef>
+                <a:fontRef idx="minor">
+                  <a:schemeClr val="lt1"/>
+                </a:fontRef>
+              </p:style>
+              <p:txBody>
+                <a:bodyPr rtlCol="0" anchor="ctr"/>
+                <a:lstStyle/>
+                <a:p>
+                  <a:pPr algn="ctr"/>
+                  <a:r>
+                    <a:rPr lang="en-US" altLang="ko-KR" sz="2400" dirty="0">
+                      <a:solidFill>
+                        <a:schemeClr val="tx1"/>
+                      </a:solidFill>
+                      <a:latin typeface="Times New Roman" panose="02020603050405020304" pitchFamily="18" charset="0"/>
+                      <a:cs typeface="Times New Roman" panose="02020603050405020304" pitchFamily="18" charset="0"/>
+                    </a:rPr>
+                    <a:t>Cornering stiffness optimization</a:t>
+                  </a:r>
+                  <a:endParaRPr lang="ko-KR" altLang="en-US" sz="2400" dirty="0">
+                    <a:solidFill>
+                      <a:schemeClr val="tx1"/>
+                    </a:solidFill>
+                    <a:latin typeface="Times New Roman" panose="02020603050405020304" pitchFamily="18" charset="0"/>
+                    <a:cs typeface="Times New Roman" panose="02020603050405020304" pitchFamily="18" charset="0"/>
+                  </a:endParaRPr>
+                </a:p>
+              </p:txBody>
+            </p:sp>
+            <p:cxnSp>
+              <p:nvCxnSpPr>
+                <p:cNvPr id="21" name="연결선: 꺾임 20">
+                  <a:extLst>
+                    <a:ext uri="{FF2B5EF4-FFF2-40B4-BE49-F238E27FC236}">
+                      <a16:creationId xmlns:a16="http://schemas.microsoft.com/office/drawing/2014/main" id="{334EB9F2-DF33-4A5B-79E3-C5AAE0DD1C00}"/>
+                    </a:ext>
+                  </a:extLst>
+                </p:cNvPr>
+                <p:cNvCxnSpPr>
+                  <a:cxnSpLocks/>
+                  <a:stCxn id="7" idx="3"/>
+                  <a:endCxn id="15" idx="1"/>
+                </p:cNvCxnSpPr>
+                <p:nvPr/>
+              </p:nvCxnSpPr>
+              <p:spPr>
+                <a:xfrm flipV="1">
+                  <a:off x="6209440" y="1933169"/>
+                  <a:ext cx="437686" cy="1859666"/>
+                </a:xfrm>
+                <a:prstGeom prst="bentConnector3">
+                  <a:avLst>
+                    <a:gd name="adj1" fmla="val 50000"/>
+                  </a:avLst>
+                </a:prstGeom>
+                <a:ln>
+                  <a:solidFill>
+                    <a:schemeClr val="tx1"/>
+                  </a:solidFill>
+                  <a:tailEnd type="triangle"/>
+                </a:ln>
+              </p:spPr>
+              <p:style>
+                <a:lnRef idx="2">
+                  <a:schemeClr val="accent1"/>
+                </a:lnRef>
+                <a:fillRef idx="0">
+                  <a:schemeClr val="accent1"/>
+                </a:fillRef>
+                <a:effectRef idx="1">
+                  <a:schemeClr val="accent1"/>
+                </a:effectRef>
+                <a:fontRef idx="minor">
+                  <a:schemeClr val="tx1"/>
+                </a:fontRef>
+              </p:style>
+            </p:cxnSp>
+            <p:cxnSp>
+              <p:nvCxnSpPr>
+                <p:cNvPr id="27" name="연결선: 꺾임 26">
+                  <a:extLst>
+                    <a:ext uri="{FF2B5EF4-FFF2-40B4-BE49-F238E27FC236}">
+                      <a16:creationId xmlns:a16="http://schemas.microsoft.com/office/drawing/2014/main" id="{83736AE5-4F35-72DA-0EBB-F6F07EF23898}"/>
+                    </a:ext>
+                  </a:extLst>
+                </p:cNvPr>
+                <p:cNvCxnSpPr>
+                  <a:cxnSpLocks/>
+                  <a:stCxn id="15" idx="3"/>
+                  <a:endCxn id="10" idx="0"/>
+                </p:cNvCxnSpPr>
+                <p:nvPr/>
+              </p:nvCxnSpPr>
+              <p:spPr>
+                <a:xfrm>
+                  <a:off x="9332866" y="1933169"/>
+                  <a:ext cx="150147" cy="1219897"/>
+                </a:xfrm>
+                <a:prstGeom prst="bentConnector2">
+                  <a:avLst/>
+                </a:prstGeom>
+                <a:ln>
+                  <a:solidFill>
+                    <a:schemeClr val="tx1"/>
+                  </a:solidFill>
+                  <a:tailEnd type="triangle"/>
+                </a:ln>
+              </p:spPr>
+              <p:style>
+                <a:lnRef idx="2">
+                  <a:schemeClr val="accent1"/>
+                </a:lnRef>
+                <a:fillRef idx="0">
+                  <a:schemeClr val="accent1"/>
+                </a:fillRef>
+                <a:effectRef idx="1">
+                  <a:schemeClr val="accent1"/>
+                </a:effectRef>
+                <a:fontRef idx="minor">
+                  <a:schemeClr val="tx1"/>
+                </a:fontRef>
+              </p:style>
+            </p:cxnSp>
+            <p:sp>
+              <p:nvSpPr>
+                <p:cNvPr id="31" name="직사각형 30">
+                  <a:extLst>
+                    <a:ext uri="{FF2B5EF4-FFF2-40B4-BE49-F238E27FC236}">
+                      <a16:creationId xmlns:a16="http://schemas.microsoft.com/office/drawing/2014/main" id="{9D665D0E-8112-4AEB-B5FC-54C99FB7D68D}"/>
+                    </a:ext>
+                  </a:extLst>
+                </p:cNvPr>
+                <p:cNvSpPr/>
+                <p:nvPr/>
+              </p:nvSpPr>
+              <p:spPr>
+                <a:xfrm>
+                  <a:off x="18108" y="2696774"/>
+                  <a:ext cx="14543314" cy="4267324"/>
+                </a:xfrm>
+                <a:prstGeom prst="rect">
+                  <a:avLst/>
+                </a:prstGeom>
+                <a:noFill/>
+                <a:ln>
+                  <a:solidFill>
+                    <a:schemeClr val="tx1"/>
+                  </a:solidFill>
+                  <a:prstDash val="dash"/>
+                </a:ln>
+              </p:spPr>
+              <p:style>
+                <a:lnRef idx="2">
+                  <a:schemeClr val="accent1">
+                    <a:shade val="15000"/>
+                  </a:schemeClr>
+                </a:lnRef>
+                <a:fillRef idx="1">
+                  <a:schemeClr val="accent1"/>
+                </a:fillRef>
+                <a:effectRef idx="0">
+                  <a:schemeClr val="accent1"/>
+                </a:effectRef>
+                <a:fontRef idx="minor">
+                  <a:schemeClr val="lt1"/>
+                </a:fontRef>
+              </p:style>
+              <p:txBody>
+                <a:bodyPr rtlCol="0" anchor="ctr"/>
+                <a:lstStyle/>
+                <a:p>
+                  <a:pPr algn="ctr"/>
+                  <a:endParaRPr lang="ko-KR" altLang="en-US" dirty="0"/>
+                </a:p>
+              </p:txBody>
+            </p:sp>
+            <p:grpSp>
+              <p:nvGrpSpPr>
+                <p:cNvPr id="41" name="그룹 40">
+                  <a:extLst>
+                    <a:ext uri="{FF2B5EF4-FFF2-40B4-BE49-F238E27FC236}">
+                      <a16:creationId xmlns:a16="http://schemas.microsoft.com/office/drawing/2014/main" id="{633897F3-0A60-8EEB-C6C7-BCC269626361}"/>
+                    </a:ext>
+                  </a:extLst>
+                </p:cNvPr>
+                <p:cNvGrpSpPr/>
+                <p:nvPr/>
+              </p:nvGrpSpPr>
+              <p:grpSpPr>
+                <a:xfrm>
+                  <a:off x="334832" y="5620414"/>
+                  <a:ext cx="1733550" cy="889946"/>
+                  <a:chOff x="634692" y="6255112"/>
+                  <a:chExt cx="1882140" cy="914400"/>
+                </a:xfrm>
+              </p:grpSpPr>
+              <p:pic>
+                <p:nvPicPr>
+                  <p:cNvPr id="39" name="그림 38">
+                    <a:extLst>
+                      <a:ext uri="{FF2B5EF4-FFF2-40B4-BE49-F238E27FC236}">
+                        <a16:creationId xmlns:a16="http://schemas.microsoft.com/office/drawing/2014/main" id="{9A78C5FB-CAF0-C6E4-E312-4589E022C3B4}"/>
+                      </a:ext>
+                    </a:extLst>
+                  </p:cNvPr>
+                  <p:cNvPicPr>
+                    <a:picLocks noChangeAspect="1"/>
+                  </p:cNvPicPr>
+                  <p:nvPr/>
+                </p:nvPicPr>
+                <p:blipFill>
+                  <a:blip r:embed="rId2">
+                    <a:extLst>
+                      <a:ext uri="{28A0092B-C50C-407E-A947-70E740481C1C}">
+                        <a14:useLocalDpi xmlns:a14="http://schemas.microsoft.com/office/drawing/2010/main" val="0"/>
+                      </a:ext>
+                    </a:extLst>
+                  </a:blip>
+                  <a:stretch>
+                    <a:fillRect/>
+                  </a:stretch>
+                </p:blipFill>
+                <p:spPr>
+                  <a:xfrm>
+                    <a:off x="814011" y="6279720"/>
+                    <a:ext cx="1529085" cy="871449"/>
+                  </a:xfrm>
+                  <a:prstGeom prst="rect">
+                    <a:avLst/>
+                  </a:prstGeom>
+                  <a:ln>
+                    <a:noFill/>
+                  </a:ln>
+                </p:spPr>
+              </p:pic>
+              <p:sp>
+                <p:nvSpPr>
+                  <p:cNvPr id="40" name="사각형: 둥근 모서리 39">
+                    <a:extLst>
+                      <a:ext uri="{FF2B5EF4-FFF2-40B4-BE49-F238E27FC236}">
+                        <a16:creationId xmlns:a16="http://schemas.microsoft.com/office/drawing/2014/main" id="{06D05A99-8ABB-ED76-3087-F991B8ECABAA}"/>
                       </a:ext>
                     </a:extLst>
                   </p:cNvPr>
@@ -8072,8 +8505,8 @@
                 </p:nvSpPr>
                 <p:spPr>
                   <a:xfrm>
-                    <a:off x="-455299" y="2643118"/>
-                    <a:ext cx="1733550" cy="1573753"/>
+                    <a:off x="634692" y="6255112"/>
+                    <a:ext cx="1882140" cy="914400"/>
                   </a:xfrm>
                   <a:prstGeom prst="roundRect">
                     <a:avLst/>
@@ -8106,254 +8539,17 @@
                   <a:lstStyle/>
                   <a:p>
                     <a:pPr algn="ctr"/>
-                    <a:endParaRPr lang="ko-KR" altLang="en-US" b="1" dirty="0"/>
+                    <a:endParaRPr lang="ko-KR" altLang="en-US"/>
                   </a:p>
                 </p:txBody>
               </p:sp>
-              <p:sp>
-                <p:nvSpPr>
-                  <p:cNvPr id="6" name="TextBox 5">
-                    <a:extLst>
-                      <a:ext uri="{FF2B5EF4-FFF2-40B4-BE49-F238E27FC236}">
-                        <a16:creationId xmlns:a16="http://schemas.microsoft.com/office/drawing/2014/main" id="{38920677-CC45-9CC7-3DA7-68E983665473}"/>
-                      </a:ext>
-                    </a:extLst>
-                  </p:cNvPr>
-                  <p:cNvSpPr txBox="1"/>
-                  <p:nvPr/>
-                </p:nvSpPr>
-                <p:spPr>
-                  <a:xfrm>
-                    <a:off x="-363141" y="4223334"/>
-                    <a:ext cx="1549234" cy="461665"/>
-                  </a:xfrm>
-                  <a:prstGeom prst="rect">
-                    <a:avLst/>
-                  </a:prstGeom>
-                  <a:noFill/>
-                </p:spPr>
-                <p:txBody>
-                  <a:bodyPr wrap="square" rtlCol="0">
-                    <a:spAutoFit/>
-                  </a:bodyPr>
-                  <a:lstStyle/>
-                  <a:p>
-                    <a:r>
-                      <a:rPr lang="en-US" altLang="ko-KR" sz="2400" dirty="0">
-                        <a:latin typeface="Times New Roman" panose="02020603050405020304" pitchFamily="18" charset="0"/>
-                        <a:cs typeface="Times New Roman" panose="02020603050405020304" pitchFamily="18" charset="0"/>
-                      </a:rPr>
-                      <a:t>Simulation</a:t>
-                    </a:r>
-                    <a:endParaRPr lang="ko-KR" altLang="en-US" sz="2400" dirty="0">
-                      <a:latin typeface="Times New Roman" panose="02020603050405020304" pitchFamily="18" charset="0"/>
-                      <a:cs typeface="Times New Roman" panose="02020603050405020304" pitchFamily="18" charset="0"/>
-                    </a:endParaRPr>
-                  </a:p>
-                </p:txBody>
-              </p:sp>
-              <p:sp>
-                <p:nvSpPr>
-                  <p:cNvPr id="7" name="사각형: 둥근 모서리 6">
-                    <a:extLst>
-                      <a:ext uri="{FF2B5EF4-FFF2-40B4-BE49-F238E27FC236}">
-                        <a16:creationId xmlns:a16="http://schemas.microsoft.com/office/drawing/2014/main" id="{156F8E37-A027-F87F-CC4C-212B3D81DCA1}"/>
-                      </a:ext>
-                    </a:extLst>
-                  </p:cNvPr>
-                  <p:cNvSpPr/>
-                  <p:nvPr/>
-                </p:nvSpPr>
-                <p:spPr>
-                  <a:xfrm>
-                    <a:off x="3253813" y="2865434"/>
-                    <a:ext cx="2273300" cy="1127125"/>
-                  </a:xfrm>
-                  <a:prstGeom prst="roundRect">
-                    <a:avLst/>
-                  </a:prstGeom>
-                  <a:noFill/>
-                  <a:ln>
-                    <a:solidFill>
-                      <a:schemeClr val="tx1"/>
-                    </a:solidFill>
-                  </a:ln>
-                </p:spPr>
-                <p:style>
-                  <a:lnRef idx="2">
-                    <a:schemeClr val="accent1">
-                      <a:shade val="15000"/>
-                    </a:schemeClr>
-                  </a:lnRef>
-                  <a:fillRef idx="1">
-                    <a:schemeClr val="accent1"/>
-                  </a:fillRef>
-                  <a:effectRef idx="0">
-                    <a:schemeClr val="accent1"/>
-                  </a:effectRef>
-                  <a:fontRef idx="minor">
-                    <a:schemeClr val="lt1"/>
-                  </a:fontRef>
-                </p:style>
-                <p:txBody>
-                  <a:bodyPr rtlCol="0" anchor="ctr"/>
-                  <a:lstStyle/>
-                  <a:p>
-                    <a:pPr algn="ctr"/>
-                    <a:r>
-                      <a:rPr lang="en-US" altLang="ko-KR" sz="2800" dirty="0">
-                        <a:solidFill>
-                          <a:schemeClr val="tx1"/>
-                        </a:solidFill>
-                        <a:latin typeface="Times New Roman" panose="02020603050405020304" pitchFamily="18" charset="0"/>
-                        <a:cs typeface="Times New Roman" panose="02020603050405020304" pitchFamily="18" charset="0"/>
-                      </a:rPr>
-                      <a:t>Vertical force</a:t>
-                    </a:r>
-                  </a:p>
-                  <a:p>
-                    <a:pPr algn="ctr"/>
-                    <a:r>
-                      <a:rPr lang="en-US" altLang="ko-KR" sz="2800" dirty="0">
-                        <a:solidFill>
-                          <a:schemeClr val="tx1"/>
-                        </a:solidFill>
-                        <a:latin typeface="Times New Roman" panose="02020603050405020304" pitchFamily="18" charset="0"/>
-                        <a:cs typeface="Times New Roman" panose="02020603050405020304" pitchFamily="18" charset="0"/>
-                      </a:rPr>
-                      <a:t>calculation</a:t>
-                    </a:r>
-                    <a:endParaRPr lang="ko-KR" altLang="en-US" sz="2800" dirty="0">
-                      <a:solidFill>
-                        <a:schemeClr val="tx1"/>
-                      </a:solidFill>
-                      <a:latin typeface="Times New Roman" panose="02020603050405020304" pitchFamily="18" charset="0"/>
-                      <a:cs typeface="Times New Roman" panose="02020603050405020304" pitchFamily="18" charset="0"/>
-                    </a:endParaRPr>
-                  </a:p>
-                </p:txBody>
-              </p:sp>
-              <p:sp>
-                <p:nvSpPr>
-                  <p:cNvPr id="10" name="사각형: 둥근 모서리 9">
-                    <a:extLst>
-                      <a:ext uri="{FF2B5EF4-FFF2-40B4-BE49-F238E27FC236}">
-                        <a16:creationId xmlns:a16="http://schemas.microsoft.com/office/drawing/2014/main" id="{8A4EFFAF-34C2-E9CC-46A4-E1A8F1A9B781}"/>
-                      </a:ext>
-                    </a:extLst>
-                  </p:cNvPr>
-                  <p:cNvSpPr/>
-                  <p:nvPr/>
-                </p:nvSpPr>
-                <p:spPr>
-                  <a:xfrm>
-                    <a:off x="7394873" y="2803272"/>
-                    <a:ext cx="2811625" cy="1291281"/>
-                  </a:xfrm>
-                  <a:prstGeom prst="roundRect">
-                    <a:avLst/>
-                  </a:prstGeom>
-                  <a:noFill/>
-                  <a:ln>
-                    <a:solidFill>
-                      <a:schemeClr val="tx1"/>
-                    </a:solidFill>
-                  </a:ln>
-                </p:spPr>
-                <p:style>
-                  <a:lnRef idx="2">
-                    <a:schemeClr val="accent1">
-                      <a:shade val="15000"/>
-                    </a:schemeClr>
-                  </a:lnRef>
-                  <a:fillRef idx="1">
-                    <a:schemeClr val="accent1"/>
-                  </a:fillRef>
-                  <a:effectRef idx="0">
-                    <a:schemeClr val="accent1"/>
-                  </a:effectRef>
-                  <a:fontRef idx="minor">
-                    <a:schemeClr val="lt1"/>
-                  </a:fontRef>
-                </p:style>
-                <p:txBody>
-                  <a:bodyPr rtlCol="0" anchor="ctr"/>
-                  <a:lstStyle/>
-                  <a:p>
-                    <a:pPr algn="ctr"/>
-                    <a:r>
-                      <a:rPr lang="en-US" altLang="ko-KR" sz="2800" dirty="0">
-                        <a:solidFill>
-                          <a:schemeClr val="tx1"/>
-                        </a:solidFill>
-                        <a:latin typeface="Times New Roman" panose="02020603050405020304" pitchFamily="18" charset="0"/>
-                        <a:cs typeface="Times New Roman" panose="02020603050405020304" pitchFamily="18" charset="0"/>
-                      </a:rPr>
-                      <a:t>Adaptive Extended Kalman Filter</a:t>
-                    </a:r>
-                    <a:endParaRPr lang="ko-KR" altLang="en-US" sz="2800" dirty="0">
-                      <a:solidFill>
-                        <a:schemeClr val="tx1"/>
-                      </a:solidFill>
-                      <a:latin typeface="Times New Roman" panose="02020603050405020304" pitchFamily="18" charset="0"/>
-                      <a:cs typeface="Times New Roman" panose="02020603050405020304" pitchFamily="18" charset="0"/>
-                    </a:endParaRPr>
-                  </a:p>
-                </p:txBody>
-              </p:sp>
-              <p:cxnSp>
-                <p:nvCxnSpPr>
-                  <p:cNvPr id="12" name="직선 화살표 연결선 11">
-                    <a:extLst>
-                      <a:ext uri="{FF2B5EF4-FFF2-40B4-BE49-F238E27FC236}">
-                        <a16:creationId xmlns:a16="http://schemas.microsoft.com/office/drawing/2014/main" id="{819F99CD-245C-F8A2-7438-BDB52E4E4CE1}"/>
-                      </a:ext>
-                    </a:extLst>
-                  </p:cNvPr>
-                  <p:cNvCxnSpPr>
-                    <a:cxnSpLocks/>
-                    <a:stCxn id="7" idx="3"/>
-                    <a:endCxn id="10" idx="1"/>
-                  </p:cNvCxnSpPr>
-                  <p:nvPr/>
-                </p:nvCxnSpPr>
-                <p:spPr>
-                  <a:xfrm>
-                    <a:off x="5527113" y="3428997"/>
-                    <a:ext cx="1867760" cy="19916"/>
-                  </a:xfrm>
-                  <a:prstGeom prst="straightConnector1">
-                    <a:avLst/>
-                  </a:prstGeom>
-                  <a:ln>
-                    <a:solidFill>
-                      <a:schemeClr val="tx1"/>
-                    </a:solidFill>
-                    <a:tailEnd type="triangle"/>
-                  </a:ln>
-                </p:spPr>
-                <p:style>
-                  <a:lnRef idx="2">
-                    <a:schemeClr val="accent1"/>
-                  </a:lnRef>
-                  <a:fillRef idx="0">
-                    <a:schemeClr val="accent1"/>
-                  </a:fillRef>
-                  <a:effectRef idx="1">
-                    <a:schemeClr val="accent1"/>
-                  </a:effectRef>
-                  <a:fontRef idx="minor">
-                    <a:schemeClr val="tx1"/>
-                  </a:fontRef>
-                </p:style>
-              </p:cxnSp>
             </p:grpSp>
             <p:sp>
               <p:nvSpPr>
-                <p:cNvPr id="26" name="TextBox 25">
+                <p:cNvPr id="42" name="TextBox 41">
                   <a:extLst>
                     <a:ext uri="{FF2B5EF4-FFF2-40B4-BE49-F238E27FC236}">
-                      <a16:creationId xmlns:a16="http://schemas.microsoft.com/office/drawing/2014/main" id="{535B2B62-824A-0A73-8F57-E2F82BC528D8}"/>
+                      <a16:creationId xmlns:a16="http://schemas.microsoft.com/office/drawing/2014/main" id="{8F697F87-6183-1422-093A-5947C78CA733}"/>
                     </a:ext>
                   </a:extLst>
                 </p:cNvPr>
@@ -8362,8 +8558,8 @@
               </p:nvSpPr>
               <p:spPr>
                 <a:xfrm>
-                  <a:off x="1338798" y="2419154"/>
-                  <a:ext cx="1202927" cy="830997"/>
+                  <a:off x="18108" y="6510360"/>
+                  <a:ext cx="2375886" cy="523220"/>
                 </a:xfrm>
                 <a:prstGeom prst="rect">
                   <a:avLst/>
@@ -8376,145 +8572,392 @@
                 </a:bodyPr>
                 <a:lstStyle/>
                 <a:p>
-                  <a:pPr algn="ctr"/>
                   <a:r>
-                    <a:rPr lang="en-US" altLang="ko-KR" sz="2400" dirty="0">
+                    <a:rPr lang="en-US" altLang="ko-KR" sz="2800" dirty="0">
                       <a:latin typeface="Times New Roman" panose="02020603050405020304" pitchFamily="18" charset="0"/>
                       <a:cs typeface="Times New Roman" panose="02020603050405020304" pitchFamily="18" charset="0"/>
                     </a:rPr>
-                    <a:t>Sensor </a:t>
+                    <a:t>Gaussian noise</a:t>
                   </a:r>
+                  <a:endParaRPr lang="ko-KR" altLang="en-US" sz="2800" dirty="0">
+                    <a:latin typeface="Times New Roman" panose="02020603050405020304" pitchFamily="18" charset="0"/>
+                    <a:cs typeface="Times New Roman" panose="02020603050405020304" pitchFamily="18" charset="0"/>
+                  </a:endParaRPr>
                 </a:p>
+              </p:txBody>
+            </p:sp>
+            <p:sp>
+              <p:nvSpPr>
+                <p:cNvPr id="43" name="타원 42">
+                  <a:extLst>
+                    <a:ext uri="{FF2B5EF4-FFF2-40B4-BE49-F238E27FC236}">
+                      <a16:creationId xmlns:a16="http://schemas.microsoft.com/office/drawing/2014/main" id="{1436762D-9D9C-820D-D607-5BE549AA0ED8}"/>
+                    </a:ext>
+                  </a:extLst>
+                </p:cNvPr>
+                <p:cNvSpPr/>
+                <p:nvPr/>
+              </p:nvSpPr>
+              <p:spPr>
+                <a:xfrm>
+                  <a:off x="3293338" y="3639384"/>
+                  <a:ext cx="320040" cy="316911"/>
+                </a:xfrm>
+                <a:prstGeom prst="ellipse">
+                  <a:avLst/>
+                </a:prstGeom>
+                <a:noFill/>
+              </p:spPr>
+              <p:style>
+                <a:lnRef idx="2">
+                  <a:schemeClr val="accent1">
+                    <a:shade val="15000"/>
+                  </a:schemeClr>
+                </a:lnRef>
+                <a:fillRef idx="1">
+                  <a:schemeClr val="accent1"/>
+                </a:fillRef>
+                <a:effectRef idx="0">
+                  <a:schemeClr val="accent1"/>
+                </a:effectRef>
+                <a:fontRef idx="minor">
+                  <a:schemeClr val="lt1"/>
+                </a:fontRef>
+              </p:style>
+              <p:txBody>
+                <a:bodyPr rtlCol="0" anchor="ctr"/>
+                <a:lstStyle/>
                 <a:p>
                   <a:pPr algn="ctr"/>
                   <a:r>
-                    <a:rPr lang="en-US" altLang="ko-KR" sz="2400" dirty="0">
-                      <a:latin typeface="Times New Roman" panose="02020603050405020304" pitchFamily="18" charset="0"/>
-                      <a:cs typeface="Times New Roman" panose="02020603050405020304" pitchFamily="18" charset="0"/>
+                    <a:rPr lang="en-US" altLang="ko-KR" b="1" dirty="0">
+                      <a:solidFill>
+                        <a:schemeClr val="tx1"/>
+                      </a:solidFill>
                     </a:rPr>
-                    <a:t>data</a:t>
+                    <a:t>+</a:t>
                   </a:r>
+                  <a:endParaRPr lang="ko-KR" altLang="en-US" b="1" dirty="0">
+                    <a:solidFill>
+                      <a:schemeClr val="tx1"/>
+                    </a:solidFill>
+                  </a:endParaRPr>
                 </a:p>
               </p:txBody>
             </p:sp>
+            <p:cxnSp>
+              <p:nvCxnSpPr>
+                <p:cNvPr id="46" name="직선 화살표 연결선 45">
+                  <a:extLst>
+                    <a:ext uri="{FF2B5EF4-FFF2-40B4-BE49-F238E27FC236}">
+                      <a16:creationId xmlns:a16="http://schemas.microsoft.com/office/drawing/2014/main" id="{22FBFE85-6404-8788-13A0-F343E30222CD}"/>
+                    </a:ext>
+                  </a:extLst>
+                </p:cNvPr>
+                <p:cNvCxnSpPr>
+                  <a:cxnSpLocks/>
+                  <a:stCxn id="5" idx="3"/>
+                  <a:endCxn id="43" idx="2"/>
+                </p:cNvCxnSpPr>
+                <p:nvPr/>
+              </p:nvCxnSpPr>
+              <p:spPr>
+                <a:xfrm flipV="1">
+                  <a:off x="2058485" y="3797840"/>
+                  <a:ext cx="1234853" cy="2032"/>
+                </a:xfrm>
+                <a:prstGeom prst="straightConnector1">
+                  <a:avLst/>
+                </a:prstGeom>
+                <a:ln>
+                  <a:solidFill>
+                    <a:schemeClr val="tx1"/>
+                  </a:solidFill>
+                  <a:tailEnd type="triangle"/>
+                </a:ln>
+              </p:spPr>
+              <p:style>
+                <a:lnRef idx="2">
+                  <a:schemeClr val="accent1"/>
+                </a:lnRef>
+                <a:fillRef idx="0">
+                  <a:schemeClr val="accent1"/>
+                </a:fillRef>
+                <a:effectRef idx="1">
+                  <a:schemeClr val="accent1"/>
+                </a:effectRef>
+                <a:fontRef idx="minor">
+                  <a:schemeClr val="tx1"/>
+                </a:fontRef>
+              </p:style>
+            </p:cxnSp>
+            <p:cxnSp>
+              <p:nvCxnSpPr>
+                <p:cNvPr id="48" name="연결선: 꺾임 47">
+                  <a:extLst>
+                    <a:ext uri="{FF2B5EF4-FFF2-40B4-BE49-F238E27FC236}">
+                      <a16:creationId xmlns:a16="http://schemas.microsoft.com/office/drawing/2014/main" id="{31973FBC-742B-399D-0FFB-07DD7C1A41DA}"/>
+                    </a:ext>
+                  </a:extLst>
+                </p:cNvPr>
+                <p:cNvCxnSpPr>
+                  <a:cxnSpLocks/>
+                  <a:stCxn id="40" idx="3"/>
+                  <a:endCxn id="43" idx="4"/>
+                </p:cNvCxnSpPr>
+                <p:nvPr/>
+              </p:nvCxnSpPr>
+              <p:spPr>
+                <a:xfrm flipV="1">
+                  <a:off x="2068382" y="3956295"/>
+                  <a:ext cx="1384976" cy="2109092"/>
+                </a:xfrm>
+                <a:prstGeom prst="bentConnector2">
+                  <a:avLst/>
+                </a:prstGeom>
+                <a:ln>
+                  <a:solidFill>
+                    <a:schemeClr val="tx1"/>
+                  </a:solidFill>
+                  <a:tailEnd type="triangle"/>
+                </a:ln>
+              </p:spPr>
+              <p:style>
+                <a:lnRef idx="2">
+                  <a:schemeClr val="accent1"/>
+                </a:lnRef>
+                <a:fillRef idx="0">
+                  <a:schemeClr val="accent1"/>
+                </a:fillRef>
+                <a:effectRef idx="1">
+                  <a:schemeClr val="accent1"/>
+                </a:effectRef>
+                <a:fontRef idx="minor">
+                  <a:schemeClr val="tx1"/>
+                </a:fontRef>
+              </p:style>
+            </p:cxnSp>
+            <p:graphicFrame>
+              <p:nvGraphicFramePr>
+                <p:cNvPr id="49" name="개체 48">
+                  <a:extLst>
+                    <a:ext uri="{FF2B5EF4-FFF2-40B4-BE49-F238E27FC236}">
+                      <a16:creationId xmlns:a16="http://schemas.microsoft.com/office/drawing/2014/main" id="{B8039ED9-5BEB-8F4E-AF76-11E1E849F1BC}"/>
+                    </a:ext>
+                  </a:extLst>
+                </p:cNvPr>
+                <p:cNvGraphicFramePr>
+                  <a:graphicFrameLocks noChangeAspect="1"/>
+                </p:cNvGraphicFramePr>
+                <p:nvPr>
+                  <p:extLst>
+                    <p:ext uri="{D42A27DB-BD31-4B8C-83A1-F6EECF244321}">
+                      <p14:modId xmlns:p14="http://schemas.microsoft.com/office/powerpoint/2010/main" val="1208312531"/>
+                    </p:ext>
+                  </p:extLst>
+                </p:nvPr>
+              </p:nvGraphicFramePr>
+              <p:xfrm>
+                <a:off x="11962457" y="3611695"/>
+                <a:ext cx="495300" cy="469900"/>
+              </p:xfrm>
+              <a:graphic>
+                <a:graphicData uri="http://schemas.openxmlformats.org/presentationml/2006/ole">
+                  <mc:AlternateContent xmlns:mc="http://schemas.openxmlformats.org/markup-compatibility/2006">
+                    <mc:Choice xmlns:v="urn:schemas-microsoft-com:vml" Requires="v">
+                      <p:oleObj name="Equation" r:id="rId3" imgW="495000" imgH="469800" progId="Equation.DSMT4">
+                        <p:embed/>
+                      </p:oleObj>
+                    </mc:Choice>
+                    <mc:Fallback>
+                      <p:oleObj name="Equation" r:id="rId3" imgW="495000" imgH="469800" progId="Equation.DSMT4">
+                        <p:embed/>
+                        <p:pic>
+                          <p:nvPicPr>
+                            <p:cNvPr id="49" name="개체 48">
+                              <a:extLst>
+                                <a:ext uri="{FF2B5EF4-FFF2-40B4-BE49-F238E27FC236}">
+                                  <a16:creationId xmlns:a16="http://schemas.microsoft.com/office/drawing/2014/main" id="{B8039ED9-5BEB-8F4E-AF76-11E1E849F1BC}"/>
+                                </a:ext>
+                              </a:extLst>
+                            </p:cNvPr>
+                            <p:cNvPicPr/>
+                            <p:nvPr/>
+                          </p:nvPicPr>
+                          <p:blipFill>
+                            <a:blip r:embed="rId4"/>
+                            <a:stretch>
+                              <a:fillRect/>
+                            </a:stretch>
+                          </p:blipFill>
+                          <p:spPr>
+                            <a:xfrm>
+                              <a:off x="11962457" y="3611695"/>
+                              <a:ext cx="495300" cy="469900"/>
+                            </a:xfrm>
+                            <a:prstGeom prst="rect">
+                              <a:avLst/>
+                            </a:prstGeom>
+                          </p:spPr>
+                        </p:pic>
+                      </p:oleObj>
+                    </mc:Fallback>
+                  </mc:AlternateContent>
+                </a:graphicData>
+              </a:graphic>
+            </p:graphicFrame>
+            <p:cxnSp>
+              <p:nvCxnSpPr>
+                <p:cNvPr id="52" name="직선 화살표 연결선 51">
+                  <a:extLst>
+                    <a:ext uri="{FF2B5EF4-FFF2-40B4-BE49-F238E27FC236}">
+                      <a16:creationId xmlns:a16="http://schemas.microsoft.com/office/drawing/2014/main" id="{5BA12BD3-33CC-2978-33F0-63D91EE0C5E0}"/>
+                    </a:ext>
+                  </a:extLst>
+                </p:cNvPr>
+                <p:cNvCxnSpPr>
+                  <a:cxnSpLocks/>
+                  <a:stCxn id="43" idx="6"/>
+                  <a:endCxn id="7" idx="1"/>
+                </p:cNvCxnSpPr>
+                <p:nvPr/>
+              </p:nvCxnSpPr>
+              <p:spPr>
+                <a:xfrm flipV="1">
+                  <a:off x="3613378" y="3792835"/>
+                  <a:ext cx="322762" cy="5005"/>
+                </a:xfrm>
+                <a:prstGeom prst="straightConnector1">
+                  <a:avLst/>
+                </a:prstGeom>
+                <a:ln>
+                  <a:solidFill>
+                    <a:schemeClr val="tx1"/>
+                  </a:solidFill>
+                  <a:tailEnd type="triangle"/>
+                </a:ln>
+              </p:spPr>
+              <p:style>
+                <a:lnRef idx="2">
+                  <a:schemeClr val="accent1"/>
+                </a:lnRef>
+                <a:fillRef idx="0">
+                  <a:schemeClr val="accent1"/>
+                </a:fillRef>
+                <a:effectRef idx="1">
+                  <a:schemeClr val="accent1"/>
+                </a:effectRef>
+                <a:fontRef idx="minor">
+                  <a:schemeClr val="tx1"/>
+                </a:fontRef>
+              </p:style>
+            </p:cxnSp>
+            <p:graphicFrame>
+              <p:nvGraphicFramePr>
+                <p:cNvPr id="61" name="개체 60">
+                  <a:extLst>
+                    <a:ext uri="{FF2B5EF4-FFF2-40B4-BE49-F238E27FC236}">
+                      <a16:creationId xmlns:a16="http://schemas.microsoft.com/office/drawing/2014/main" id="{53A83F78-45F2-F18C-1944-EE18F1E09DC6}"/>
+                    </a:ext>
+                  </a:extLst>
+                </p:cNvPr>
+                <p:cNvGraphicFramePr>
+                  <a:graphicFrameLocks noChangeAspect="1"/>
+                </p:cNvGraphicFramePr>
+                <p:nvPr>
+                  <p:extLst>
+                    <p:ext uri="{D42A27DB-BD31-4B8C-83A1-F6EECF244321}">
+                      <p14:modId xmlns:p14="http://schemas.microsoft.com/office/powerpoint/2010/main" val="879730575"/>
+                    </p:ext>
+                  </p:extLst>
+                </p:nvPr>
+              </p:nvGraphicFramePr>
+              <p:xfrm>
+                <a:off x="9668315" y="2009603"/>
+                <a:ext cx="3390900" cy="508000"/>
+              </p:xfrm>
+              <a:graphic>
+                <a:graphicData uri="http://schemas.openxmlformats.org/presentationml/2006/ole">
+                  <mc:AlternateContent xmlns:mc="http://schemas.openxmlformats.org/markup-compatibility/2006">
+                    <mc:Choice xmlns:v="urn:schemas-microsoft-com:vml" Requires="v">
+                      <p:oleObj name="Equation" r:id="rId5" imgW="3390840" imgH="507960" progId="Equation.DSMT4">
+                        <p:embed/>
+                      </p:oleObj>
+                    </mc:Choice>
+                    <mc:Fallback>
+                      <p:oleObj name="Equation" r:id="rId5" imgW="3390840" imgH="507960" progId="Equation.DSMT4">
+                        <p:embed/>
+                        <p:pic>
+                          <p:nvPicPr>
+                            <p:cNvPr id="61" name="개체 60">
+                              <a:extLst>
+                                <a:ext uri="{FF2B5EF4-FFF2-40B4-BE49-F238E27FC236}">
+                                  <a16:creationId xmlns:a16="http://schemas.microsoft.com/office/drawing/2014/main" id="{53A83F78-45F2-F18C-1944-EE18F1E09DC6}"/>
+                                </a:ext>
+                              </a:extLst>
+                            </p:cNvPr>
+                            <p:cNvPicPr/>
+                            <p:nvPr/>
+                          </p:nvPicPr>
+                          <p:blipFill>
+                            <a:blip r:embed="rId6"/>
+                            <a:stretch>
+                              <a:fillRect/>
+                            </a:stretch>
+                          </p:blipFill>
+                          <p:spPr>
+                            <a:xfrm>
+                              <a:off x="9668315" y="2009603"/>
+                              <a:ext cx="3390900" cy="508000"/>
+                            </a:xfrm>
+                            <a:prstGeom prst="rect">
+                              <a:avLst/>
+                            </a:prstGeom>
+                          </p:spPr>
+                        </p:pic>
+                      </p:oleObj>
+                    </mc:Fallback>
+                  </mc:AlternateContent>
+                </a:graphicData>
+              </a:graphic>
+            </p:graphicFrame>
           </p:grpSp>
-          <p:cxnSp>
-            <p:nvCxnSpPr>
-              <p:cNvPr id="71" name="연결선: 꺾임 70">
+          <p:pic>
+            <p:nvPicPr>
+              <p:cNvPr id="3" name="그림 2">
                 <a:extLst>
                   <a:ext uri="{FF2B5EF4-FFF2-40B4-BE49-F238E27FC236}">
-                    <a16:creationId xmlns:a16="http://schemas.microsoft.com/office/drawing/2014/main" id="{E4B60A48-C21C-81C2-A2BA-DF0F70542C2D}"/>
+                    <a16:creationId xmlns:a16="http://schemas.microsoft.com/office/drawing/2014/main" id="{DCE76281-6EEF-8F4E-AB42-F20FAA6897CF}"/>
                   </a:ext>
                 </a:extLst>
               </p:cNvPr>
-              <p:cNvCxnSpPr>
-                <a:cxnSpLocks/>
-                <a:stCxn id="10" idx="3"/>
-                <a:endCxn id="2" idx="3"/>
-              </p:cNvCxnSpPr>
+              <p:cNvPicPr>
+                <a:picLocks noChangeAspect="1"/>
+              </p:cNvPicPr>
               <p:nvPr/>
-            </p:nvCxnSpPr>
+            </p:nvPicPr>
+            <p:blipFill>
+              <a:blip r:embed="rId7"/>
+              <a:stretch>
+                <a:fillRect/>
+              </a:stretch>
+            </p:blipFill>
             <p:spPr>
-              <a:xfrm flipH="1">
-                <a:off x="10850725" y="3817757"/>
-                <a:ext cx="38100" cy="1845525"/>
+              <a:xfrm>
+                <a:off x="449995" y="1979172"/>
+                <a:ext cx="1419423" cy="1467055"/>
               </a:xfrm>
-              <a:prstGeom prst="bentConnector3">
-                <a:avLst>
-                  <a:gd name="adj1" fmla="val -600000"/>
-                </a:avLst>
+              <a:prstGeom prst="rect">
+                <a:avLst/>
               </a:prstGeom>
-              <a:ln>
-                <a:solidFill>
-                  <a:schemeClr val="tx1"/>
-                </a:solidFill>
-                <a:tailEnd type="triangle"/>
-              </a:ln>
             </p:spPr>
-            <p:style>
-              <a:lnRef idx="2">
-                <a:schemeClr val="accent1"/>
-              </a:lnRef>
-              <a:fillRef idx="0">
-                <a:schemeClr val="accent1"/>
-              </a:fillRef>
-              <a:effectRef idx="1">
-                <a:schemeClr val="accent1"/>
-              </a:effectRef>
-              <a:fontRef idx="minor">
-                <a:schemeClr val="tx1"/>
-              </a:fontRef>
-            </p:style>
-          </p:cxnSp>
-          <p:graphicFrame>
-            <p:nvGraphicFramePr>
-              <p:cNvPr id="72" name="개체 71">
+          </p:pic>
+          <p:sp>
+            <p:nvSpPr>
+              <p:cNvPr id="28" name="사각형: 둥근 모서리 27">
                 <a:extLst>
                   <a:ext uri="{FF2B5EF4-FFF2-40B4-BE49-F238E27FC236}">
-                    <a16:creationId xmlns:a16="http://schemas.microsoft.com/office/drawing/2014/main" id="{B96344F3-816D-F91F-DC88-EED92667F042}"/>
-                  </a:ext>
-                </a:extLst>
-              </p:cNvPr>
-              <p:cNvGraphicFramePr>
-                <a:graphicFrameLocks noChangeAspect="1"/>
-              </p:cNvGraphicFramePr>
-              <p:nvPr/>
-            </p:nvGraphicFramePr>
-            <p:xfrm>
-              <a:off x="11160043" y="3809141"/>
-              <a:ext cx="965200" cy="1981200"/>
-            </p:xfrm>
-            <a:graphic>
-              <a:graphicData uri="http://schemas.openxmlformats.org/presentationml/2006/ole">
-                <mc:AlternateContent xmlns:mc="http://schemas.openxmlformats.org/markup-compatibility/2006">
-                  <mc:Choice xmlns:v="urn:schemas-microsoft-com:vml" Requires="v">
-                    <p:oleObj name="Equation" r:id="rId2" imgW="965160" imgH="1981080" progId="Equation.DSMT4">
-                      <p:embed/>
-                    </p:oleObj>
-                  </mc:Choice>
-                  <mc:Fallback>
-                    <p:oleObj name="Equation" r:id="rId2" imgW="965160" imgH="1981080" progId="Equation.DSMT4">
-                      <p:embed/>
-                      <p:pic>
-                        <p:nvPicPr>
-                          <p:cNvPr id="72" name="개체 71">
-                            <a:extLst>
-                              <a:ext uri="{FF2B5EF4-FFF2-40B4-BE49-F238E27FC236}">
-                                <a16:creationId xmlns:a16="http://schemas.microsoft.com/office/drawing/2014/main" id="{B96344F3-816D-F91F-DC88-EED92667F042}"/>
-                              </a:ext>
-                            </a:extLst>
-                          </p:cNvPr>
-                          <p:cNvPicPr/>
-                          <p:nvPr/>
-                        </p:nvPicPr>
-                        <p:blipFill>
-                          <a:blip r:embed="rId3"/>
-                          <a:stretch>
-                            <a:fillRect/>
-                          </a:stretch>
-                        </p:blipFill>
-                        <p:spPr>
-                          <a:xfrm>
-                            <a:off x="11160043" y="3809141"/>
-                            <a:ext cx="965200" cy="1981200"/>
-                          </a:xfrm>
-                          <a:prstGeom prst="rect">
-                            <a:avLst/>
-                          </a:prstGeom>
-                        </p:spPr>
-                      </p:pic>
-                    </p:oleObj>
-                  </mc:Fallback>
-                </mc:AlternateContent>
-              </a:graphicData>
-            </a:graphic>
-          </p:graphicFrame>
-          <p:sp>
-            <p:nvSpPr>
-              <p:cNvPr id="2" name="사각형: 둥근 모서리 1">
-                <a:extLst>
-                  <a:ext uri="{FF2B5EF4-FFF2-40B4-BE49-F238E27FC236}">
-                    <a16:creationId xmlns:a16="http://schemas.microsoft.com/office/drawing/2014/main" id="{0C4E13C0-1700-AEF2-6A52-4073EF54B423}"/>
+                    <a16:creationId xmlns:a16="http://schemas.microsoft.com/office/drawing/2014/main" id="{8B932A58-6465-7323-2CA9-750065801DD7}"/>
                   </a:ext>
                 </a:extLst>
               </p:cNvPr>
@@ -8523,75 +8966,8 @@
             </p:nvSpPr>
             <p:spPr>
               <a:xfrm>
-                <a:off x="8077200" y="5099719"/>
-                <a:ext cx="2773525" cy="1127125"/>
-              </a:xfrm>
-              <a:prstGeom prst="roundRect">
-                <a:avLst/>
-              </a:prstGeom>
-              <a:noFill/>
-              <a:ln>
-                <a:solidFill>
-                  <a:schemeClr val="tx1"/>
-                </a:solidFill>
-              </a:ln>
-            </p:spPr>
-            <p:style>
-              <a:lnRef idx="2">
-                <a:schemeClr val="accent1">
-                  <a:shade val="15000"/>
-                </a:schemeClr>
-              </a:lnRef>
-              <a:fillRef idx="1">
-                <a:schemeClr val="accent1"/>
-              </a:fillRef>
-              <a:effectRef idx="0">
-                <a:schemeClr val="accent1"/>
-              </a:effectRef>
-              <a:fontRef idx="minor">
-                <a:schemeClr val="lt1"/>
-              </a:fontRef>
-            </p:style>
-            <p:txBody>
-              <a:bodyPr rtlCol="0" anchor="ctr"/>
-              <a:lstStyle/>
-              <a:p>
-                <a:r>
-                  <a:rPr lang="en-US" altLang="ko-KR" sz="2800" dirty="0">
-                    <a:solidFill>
-                      <a:schemeClr val="tx1"/>
-                    </a:solidFill>
-                    <a:latin typeface="Times New Roman" panose="02020603050405020304" pitchFamily="18" charset="0"/>
-                    <a:cs typeface="Times New Roman" panose="02020603050405020304" pitchFamily="18" charset="0"/>
-                  </a:rPr>
-                  <a:t>         calculation</a:t>
-                </a:r>
-                <a:endParaRPr lang="ko-KR" altLang="en-US" sz="2800" dirty="0">
-                  <a:solidFill>
-                    <a:schemeClr val="tx1"/>
-                  </a:solidFill>
-                  <a:latin typeface="Times New Roman" panose="02020603050405020304" pitchFamily="18" charset="0"/>
-                  <a:cs typeface="Times New Roman" panose="02020603050405020304" pitchFamily="18" charset="0"/>
-                </a:endParaRPr>
-              </a:p>
-            </p:txBody>
-          </p:sp>
-          <p:sp>
-            <p:nvSpPr>
-              <p:cNvPr id="8" name="사각형: 둥근 모서리 7">
-                <a:extLst>
-                  <a:ext uri="{FF2B5EF4-FFF2-40B4-BE49-F238E27FC236}">
-                    <a16:creationId xmlns:a16="http://schemas.microsoft.com/office/drawing/2014/main" id="{9C3915A5-3134-18E1-B543-08CFCE33B964}"/>
-                  </a:ext>
-                </a:extLst>
-              </p:cNvPr>
-              <p:cNvSpPr/>
-              <p:nvPr/>
-            </p:nvSpPr>
-            <p:spPr>
-              <a:xfrm>
-                <a:off x="8327312" y="6718846"/>
-                <a:ext cx="2273300" cy="1127125"/>
+                <a:off x="8059093" y="4164094"/>
+                <a:ext cx="2811625" cy="1330787"/>
               </a:xfrm>
               <a:prstGeom prst="roundRect">
                 <a:avLst/>
@@ -8632,7 +9008,7 @@
                     <a:latin typeface="Times New Roman" panose="02020603050405020304" pitchFamily="18" charset="0"/>
                     <a:cs typeface="Times New Roman" panose="02020603050405020304" pitchFamily="18" charset="0"/>
                   </a:rPr>
-                  <a:t>Sliding Mode Control</a:t>
+                  <a:t>Torque Distribution</a:t>
                 </a:r>
                 <a:endParaRPr lang="ko-KR" altLang="en-US" sz="2800" dirty="0">
                   <a:solidFill>
@@ -8644,456 +9020,26 @@
               </a:p>
             </p:txBody>
           </p:sp>
-          <p:sp>
-            <p:nvSpPr>
-              <p:cNvPr id="15" name="사각형: 둥근 모서리 14">
+          <p:cxnSp>
+            <p:nvCxnSpPr>
+              <p:cNvPr id="32" name="직선 화살표 연결선 31">
                 <a:extLst>
                   <a:ext uri="{FF2B5EF4-FFF2-40B4-BE49-F238E27FC236}">
-                    <a16:creationId xmlns:a16="http://schemas.microsoft.com/office/drawing/2014/main" id="{59D24ABD-267E-E029-A88D-05BF0F8AA281}"/>
-                  </a:ext>
-                </a:extLst>
-              </p:cNvPr>
-              <p:cNvSpPr/>
-              <p:nvPr/>
-            </p:nvSpPr>
-            <p:spPr>
-              <a:xfrm>
-                <a:off x="6647126" y="1369606"/>
-                <a:ext cx="2685740" cy="1127125"/>
-              </a:xfrm>
-              <a:prstGeom prst="roundRect">
-                <a:avLst/>
-              </a:prstGeom>
-              <a:solidFill>
-                <a:srgbClr val="FFCC00"/>
-              </a:solidFill>
-              <a:ln>
-                <a:solidFill>
-                  <a:schemeClr val="tx1"/>
-                </a:solidFill>
-              </a:ln>
-            </p:spPr>
-            <p:style>
-              <a:lnRef idx="2">
-                <a:schemeClr val="accent1">
-                  <a:shade val="15000"/>
-                </a:schemeClr>
-              </a:lnRef>
-              <a:fillRef idx="1">
-                <a:schemeClr val="accent1"/>
-              </a:fillRef>
-              <a:effectRef idx="0">
-                <a:schemeClr val="accent1"/>
-              </a:effectRef>
-              <a:fontRef idx="minor">
-                <a:schemeClr val="lt1"/>
-              </a:fontRef>
-            </p:style>
-            <p:txBody>
-              <a:bodyPr rtlCol="0" anchor="ctr"/>
-              <a:lstStyle/>
-              <a:p>
-                <a:pPr algn="ctr"/>
-                <a:r>
-                  <a:rPr lang="en-US" altLang="ko-KR" sz="2400" dirty="0">
-                    <a:solidFill>
-                      <a:schemeClr val="tx1"/>
-                    </a:solidFill>
-                    <a:latin typeface="Times New Roman" panose="02020603050405020304" pitchFamily="18" charset="0"/>
-                    <a:cs typeface="Times New Roman" panose="02020603050405020304" pitchFamily="18" charset="0"/>
-                  </a:rPr>
-                  <a:t>Cornering stiffness optimization</a:t>
-                </a:r>
-                <a:endParaRPr lang="ko-KR" altLang="en-US" sz="2400" dirty="0">
-                  <a:solidFill>
-                    <a:schemeClr val="tx1"/>
-                  </a:solidFill>
-                  <a:latin typeface="Times New Roman" panose="02020603050405020304" pitchFamily="18" charset="0"/>
-                  <a:cs typeface="Times New Roman" panose="02020603050405020304" pitchFamily="18" charset="0"/>
-                </a:endParaRPr>
-              </a:p>
-            </p:txBody>
-          </p:sp>
-          <p:cxnSp>
-            <p:nvCxnSpPr>
-              <p:cNvPr id="21" name="연결선: 꺾임 20">
-                <a:extLst>
-                  <a:ext uri="{FF2B5EF4-FFF2-40B4-BE49-F238E27FC236}">
-                    <a16:creationId xmlns:a16="http://schemas.microsoft.com/office/drawing/2014/main" id="{334EB9F2-DF33-4A5B-79E3-C5AAE0DD1C00}"/>
+                    <a16:creationId xmlns:a16="http://schemas.microsoft.com/office/drawing/2014/main" id="{7EBFD542-F700-6E37-6281-FDC9597C8E61}"/>
                   </a:ext>
                 </a:extLst>
               </p:cNvPr>
               <p:cNvCxnSpPr>
                 <a:cxnSpLocks/>
-                <a:stCxn id="7" idx="3"/>
-                <a:endCxn id="15" idx="1"/>
+                <a:stCxn id="8" idx="1"/>
+                <a:endCxn id="28" idx="3"/>
               </p:cNvCxnSpPr>
               <p:nvPr/>
             </p:nvCxnSpPr>
             <p:spPr>
-              <a:xfrm flipV="1">
-                <a:off x="6209440" y="1933169"/>
-                <a:ext cx="437686" cy="1864672"/>
-              </a:xfrm>
-              <a:prstGeom prst="bentConnector3">
-                <a:avLst>
-                  <a:gd name="adj1" fmla="val 50000"/>
-                </a:avLst>
-              </a:prstGeom>
-              <a:ln>
-                <a:solidFill>
-                  <a:schemeClr val="tx1"/>
-                </a:solidFill>
-                <a:tailEnd type="triangle"/>
-              </a:ln>
-            </p:spPr>
-            <p:style>
-              <a:lnRef idx="2">
-                <a:schemeClr val="accent1"/>
-              </a:lnRef>
-              <a:fillRef idx="0">
-                <a:schemeClr val="accent1"/>
-              </a:fillRef>
-              <a:effectRef idx="1">
-                <a:schemeClr val="accent1"/>
-              </a:effectRef>
-              <a:fontRef idx="minor">
-                <a:schemeClr val="tx1"/>
-              </a:fontRef>
-            </p:style>
-          </p:cxnSp>
-          <p:cxnSp>
-            <p:nvCxnSpPr>
-              <p:cNvPr id="27" name="연결선: 꺾임 26">
-                <a:extLst>
-                  <a:ext uri="{FF2B5EF4-FFF2-40B4-BE49-F238E27FC236}">
-                    <a16:creationId xmlns:a16="http://schemas.microsoft.com/office/drawing/2014/main" id="{83736AE5-4F35-72DA-0EBB-F6F07EF23898}"/>
-                  </a:ext>
-                </a:extLst>
-              </p:cNvPr>
-              <p:cNvCxnSpPr>
-                <a:cxnSpLocks/>
-                <a:stCxn id="15" idx="3"/>
-                <a:endCxn id="10" idx="0"/>
-              </p:cNvCxnSpPr>
-              <p:nvPr/>
-            </p:nvCxnSpPr>
-            <p:spPr>
-              <a:xfrm>
-                <a:off x="9332866" y="1933169"/>
-                <a:ext cx="150147" cy="1238947"/>
-              </a:xfrm>
-              <a:prstGeom prst="bentConnector2">
-                <a:avLst/>
-              </a:prstGeom>
-              <a:ln>
-                <a:solidFill>
-                  <a:schemeClr val="tx1"/>
-                </a:solidFill>
-                <a:tailEnd type="triangle"/>
-              </a:ln>
-            </p:spPr>
-            <p:style>
-              <a:lnRef idx="2">
-                <a:schemeClr val="accent1"/>
-              </a:lnRef>
-              <a:fillRef idx="0">
-                <a:schemeClr val="accent1"/>
-              </a:fillRef>
-              <a:effectRef idx="1">
-                <a:schemeClr val="accent1"/>
-              </a:effectRef>
-              <a:fontRef idx="minor">
-                <a:schemeClr val="tx1"/>
-              </a:fontRef>
-            </p:style>
-          </p:cxnSp>
-          <p:sp>
-            <p:nvSpPr>
-              <p:cNvPr id="31" name="직사각형 30">
-                <a:extLst>
-                  <a:ext uri="{FF2B5EF4-FFF2-40B4-BE49-F238E27FC236}">
-                    <a16:creationId xmlns:a16="http://schemas.microsoft.com/office/drawing/2014/main" id="{9D665D0E-8112-4AEB-B5FC-54C99FB7D68D}"/>
-                  </a:ext>
-                </a:extLst>
-              </p:cNvPr>
-              <p:cNvSpPr/>
-              <p:nvPr/>
-            </p:nvSpPr>
-            <p:spPr>
-              <a:xfrm>
-                <a:off x="152400" y="2654301"/>
-                <a:ext cx="12190575" cy="5321424"/>
-              </a:xfrm>
-              <a:prstGeom prst="rect">
-                <a:avLst/>
-              </a:prstGeom>
-              <a:noFill/>
-              <a:ln>
-                <a:solidFill>
-                  <a:schemeClr val="tx1"/>
-                </a:solidFill>
-                <a:prstDash val="dash"/>
-              </a:ln>
-            </p:spPr>
-            <p:style>
-              <a:lnRef idx="2">
-                <a:schemeClr val="accent1">
-                  <a:shade val="15000"/>
-                </a:schemeClr>
-              </a:lnRef>
-              <a:fillRef idx="1">
-                <a:schemeClr val="accent1"/>
-              </a:fillRef>
-              <a:effectRef idx="0">
-                <a:schemeClr val="accent1"/>
-              </a:effectRef>
-              <a:fontRef idx="minor">
-                <a:schemeClr val="lt1"/>
-              </a:fontRef>
-            </p:style>
-            <p:txBody>
-              <a:bodyPr rtlCol="0" anchor="ctr"/>
-              <a:lstStyle/>
-              <a:p>
-                <a:pPr algn="ctr"/>
-                <a:endParaRPr lang="ko-KR" altLang="en-US"/>
-              </a:p>
-            </p:txBody>
-          </p:sp>
-          <p:grpSp>
-            <p:nvGrpSpPr>
-              <p:cNvPr id="41" name="그룹 40">
-                <a:extLst>
-                  <a:ext uri="{FF2B5EF4-FFF2-40B4-BE49-F238E27FC236}">
-                    <a16:creationId xmlns:a16="http://schemas.microsoft.com/office/drawing/2014/main" id="{633897F3-0A60-8EEB-C6C7-BCC269626361}"/>
-                  </a:ext>
-                </a:extLst>
-              </p:cNvPr>
-              <p:cNvGrpSpPr/>
-              <p:nvPr/>
-            </p:nvGrpSpPr>
-            <p:grpSpPr>
-              <a:xfrm>
-                <a:off x="255155" y="5271987"/>
-                <a:ext cx="1733550" cy="889946"/>
-                <a:chOff x="548186" y="5897111"/>
-                <a:chExt cx="1882140" cy="914400"/>
-              </a:xfrm>
-            </p:grpSpPr>
-            <p:pic>
-              <p:nvPicPr>
-                <p:cNvPr id="39" name="그림 38">
-                  <a:extLst>
-                    <a:ext uri="{FF2B5EF4-FFF2-40B4-BE49-F238E27FC236}">
-                      <a16:creationId xmlns:a16="http://schemas.microsoft.com/office/drawing/2014/main" id="{9A78C5FB-CAF0-C6E4-E312-4589E022C3B4}"/>
-                    </a:ext>
-                  </a:extLst>
-                </p:cNvPr>
-                <p:cNvPicPr>
-                  <a:picLocks noChangeAspect="1"/>
-                </p:cNvPicPr>
-                <p:nvPr/>
-              </p:nvPicPr>
-              <p:blipFill>
-                <a:blip r:embed="rId4">
-                  <a:extLst>
-                    <a:ext uri="{28A0092B-C50C-407E-A947-70E740481C1C}">
-                      <a14:useLocalDpi xmlns:a14="http://schemas.microsoft.com/office/drawing/2010/main" val="0"/>
-                    </a:ext>
-                  </a:extLst>
-                </a:blip>
-                <a:stretch>
-                  <a:fillRect/>
-                </a:stretch>
-              </p:blipFill>
-              <p:spPr>
-                <a:xfrm>
-                  <a:off x="708006" y="5907213"/>
-                  <a:ext cx="1529085" cy="871449"/>
-                </a:xfrm>
-                <a:prstGeom prst="rect">
-                  <a:avLst/>
-                </a:prstGeom>
-                <a:ln>
-                  <a:noFill/>
-                </a:ln>
-              </p:spPr>
-            </p:pic>
-            <p:sp>
-              <p:nvSpPr>
-                <p:cNvPr id="40" name="사각형: 둥근 모서리 39">
-                  <a:extLst>
-                    <a:ext uri="{FF2B5EF4-FFF2-40B4-BE49-F238E27FC236}">
-                      <a16:creationId xmlns:a16="http://schemas.microsoft.com/office/drawing/2014/main" id="{06D05A99-8ABB-ED76-3087-F991B8ECABAA}"/>
-                    </a:ext>
-                  </a:extLst>
-                </p:cNvPr>
-                <p:cNvSpPr/>
-                <p:nvPr/>
-              </p:nvSpPr>
-              <p:spPr>
-                <a:xfrm>
-                  <a:off x="548186" y="5897111"/>
-                  <a:ext cx="1882140" cy="914400"/>
-                </a:xfrm>
-                <a:prstGeom prst="roundRect">
-                  <a:avLst/>
-                </a:prstGeom>
-                <a:noFill/>
-                <a:ln>
-                  <a:solidFill>
-                    <a:schemeClr val="tx1"/>
-                  </a:solidFill>
-                </a:ln>
-              </p:spPr>
-              <p:style>
-                <a:lnRef idx="2">
-                  <a:schemeClr val="accent1">
-                    <a:shade val="15000"/>
-                  </a:schemeClr>
-                </a:lnRef>
-                <a:fillRef idx="1">
-                  <a:schemeClr val="accent1"/>
-                </a:fillRef>
-                <a:effectRef idx="0">
-                  <a:schemeClr val="accent1"/>
-                </a:effectRef>
-                <a:fontRef idx="minor">
-                  <a:schemeClr val="lt1"/>
-                </a:fontRef>
-              </p:style>
-              <p:txBody>
-                <a:bodyPr rtlCol="0" anchor="ctr"/>
-                <a:lstStyle/>
-                <a:p>
-                  <a:pPr algn="ctr"/>
-                  <a:endParaRPr lang="ko-KR" altLang="en-US"/>
-                </a:p>
-              </p:txBody>
-            </p:sp>
-          </p:grpSp>
-          <p:sp>
-            <p:nvSpPr>
-              <p:cNvPr id="42" name="TextBox 41">
-                <a:extLst>
-                  <a:ext uri="{FF2B5EF4-FFF2-40B4-BE49-F238E27FC236}">
-                    <a16:creationId xmlns:a16="http://schemas.microsoft.com/office/drawing/2014/main" id="{8F697F87-6183-1422-093A-5947C78CA733}"/>
-                  </a:ext>
-                </a:extLst>
-              </p:cNvPr>
-              <p:cNvSpPr txBox="1"/>
-              <p:nvPr/>
-            </p:nvSpPr>
-            <p:spPr>
-              <a:xfrm>
-                <a:off x="152400" y="6117190"/>
-                <a:ext cx="2127962" cy="461665"/>
-              </a:xfrm>
-              <a:prstGeom prst="rect">
-                <a:avLst/>
-              </a:prstGeom>
-              <a:noFill/>
-            </p:spPr>
-            <p:txBody>
-              <a:bodyPr wrap="square" rtlCol="0">
-                <a:spAutoFit/>
-              </a:bodyPr>
-              <a:lstStyle/>
-              <a:p>
-                <a:r>
-                  <a:rPr lang="en-US" altLang="ko-KR" sz="2400" dirty="0">
-                    <a:latin typeface="Times New Roman" panose="02020603050405020304" pitchFamily="18" charset="0"/>
-                    <a:cs typeface="Times New Roman" panose="02020603050405020304" pitchFamily="18" charset="0"/>
-                  </a:rPr>
-                  <a:t>Gaussian noise</a:t>
-                </a:r>
-                <a:endParaRPr lang="ko-KR" altLang="en-US" sz="2400" dirty="0">
-                  <a:latin typeface="Times New Roman" panose="02020603050405020304" pitchFamily="18" charset="0"/>
-                  <a:cs typeface="Times New Roman" panose="02020603050405020304" pitchFamily="18" charset="0"/>
-                </a:endParaRPr>
-              </a:p>
-            </p:txBody>
-          </p:sp>
-          <p:sp>
-            <p:nvSpPr>
-              <p:cNvPr id="43" name="타원 42">
-                <a:extLst>
-                  <a:ext uri="{FF2B5EF4-FFF2-40B4-BE49-F238E27FC236}">
-                    <a16:creationId xmlns:a16="http://schemas.microsoft.com/office/drawing/2014/main" id="{1436762D-9D9C-820D-D607-5BE549AA0ED8}"/>
-                  </a:ext>
-                </a:extLst>
-              </p:cNvPr>
-              <p:cNvSpPr/>
-              <p:nvPr/>
-            </p:nvSpPr>
-            <p:spPr>
-              <a:xfrm>
-                <a:off x="3293338" y="3639384"/>
-                <a:ext cx="320040" cy="316911"/>
-              </a:xfrm>
-              <a:prstGeom prst="ellipse">
-                <a:avLst/>
-              </a:prstGeom>
-              <a:noFill/>
-            </p:spPr>
-            <p:style>
-              <a:lnRef idx="2">
-                <a:schemeClr val="accent1">
-                  <a:shade val="15000"/>
-                </a:schemeClr>
-              </a:lnRef>
-              <a:fillRef idx="1">
-                <a:schemeClr val="accent1"/>
-              </a:fillRef>
-              <a:effectRef idx="0">
-                <a:schemeClr val="accent1"/>
-              </a:effectRef>
-              <a:fontRef idx="minor">
-                <a:schemeClr val="lt1"/>
-              </a:fontRef>
-            </p:style>
-            <p:txBody>
-              <a:bodyPr rtlCol="0" anchor="ctr"/>
-              <a:lstStyle/>
-              <a:p>
-                <a:pPr algn="ctr"/>
-                <a:r>
-                  <a:rPr lang="en-US" altLang="ko-KR" dirty="0">
-                    <a:solidFill>
-                      <a:schemeClr val="tx1"/>
-                    </a:solidFill>
-                  </a:rPr>
-                  <a:t>+</a:t>
-                </a:r>
-                <a:endParaRPr lang="ko-KR" altLang="en-US" dirty="0">
-                  <a:solidFill>
-                    <a:schemeClr val="tx1"/>
-                  </a:solidFill>
-                </a:endParaRPr>
-              </a:p>
-            </p:txBody>
-          </p:sp>
-          <p:cxnSp>
-            <p:nvCxnSpPr>
-              <p:cNvPr id="46" name="직선 화살표 연결선 45">
-                <a:extLst>
-                  <a:ext uri="{FF2B5EF4-FFF2-40B4-BE49-F238E27FC236}">
-                    <a16:creationId xmlns:a16="http://schemas.microsoft.com/office/drawing/2014/main" id="{22FBFE85-6404-8788-13A0-F343E30222CD}"/>
-                  </a:ext>
-                </a:extLst>
-              </p:cNvPr>
-              <p:cNvCxnSpPr>
-                <a:cxnSpLocks/>
-                <a:stCxn id="5" idx="3"/>
-                <a:endCxn id="43" idx="2"/>
-              </p:cNvCxnSpPr>
-              <p:nvPr/>
-            </p:nvCxnSpPr>
-            <p:spPr>
-              <a:xfrm flipV="1">
-                <a:off x="1960578" y="3797840"/>
-                <a:ext cx="1332760" cy="999"/>
+              <a:xfrm flipH="1">
+                <a:off x="10870718" y="4829488"/>
+                <a:ext cx="754913" cy="0"/>
               </a:xfrm>
               <a:prstGeom prst="straightConnector1">
                 <a:avLst/>
@@ -9120,281 +9066,26 @@
               </a:fontRef>
             </p:style>
           </p:cxnSp>
-          <p:cxnSp>
-            <p:nvCxnSpPr>
-              <p:cNvPr id="48" name="연결선: 꺾임 47">
-                <a:extLst>
-                  <a:ext uri="{FF2B5EF4-FFF2-40B4-BE49-F238E27FC236}">
-                    <a16:creationId xmlns:a16="http://schemas.microsoft.com/office/drawing/2014/main" id="{31973FBC-742B-399D-0FFB-07DD7C1A41DA}"/>
-                  </a:ext>
-                </a:extLst>
-              </p:cNvPr>
-              <p:cNvCxnSpPr>
-                <a:cxnSpLocks/>
-                <a:stCxn id="40" idx="3"/>
-                <a:endCxn id="43" idx="4"/>
-              </p:cNvCxnSpPr>
-              <p:nvPr/>
-            </p:nvCxnSpPr>
-            <p:spPr>
-              <a:xfrm flipV="1">
-                <a:off x="1988705" y="3956295"/>
-                <a:ext cx="1464653" cy="1760667"/>
-              </a:xfrm>
-              <a:prstGeom prst="bentConnector2">
-                <a:avLst/>
-              </a:prstGeom>
-              <a:ln>
-                <a:solidFill>
-                  <a:schemeClr val="tx1"/>
-                </a:solidFill>
-                <a:tailEnd type="triangle"/>
-              </a:ln>
-            </p:spPr>
-            <p:style>
-              <a:lnRef idx="2">
-                <a:schemeClr val="accent1"/>
-              </a:lnRef>
-              <a:fillRef idx="0">
-                <a:schemeClr val="accent1"/>
-              </a:fillRef>
-              <a:effectRef idx="1">
-                <a:schemeClr val="accent1"/>
-              </a:effectRef>
-              <a:fontRef idx="minor">
-                <a:schemeClr val="tx1"/>
-              </a:fontRef>
-            </p:style>
-          </p:cxnSp>
-          <p:graphicFrame>
-            <p:nvGraphicFramePr>
-              <p:cNvPr id="49" name="개체 48">
-                <a:extLst>
-                  <a:ext uri="{FF2B5EF4-FFF2-40B4-BE49-F238E27FC236}">
-                    <a16:creationId xmlns:a16="http://schemas.microsoft.com/office/drawing/2014/main" id="{B8039ED9-5BEB-8F4E-AF76-11E1E849F1BC}"/>
-                  </a:ext>
-                </a:extLst>
-              </p:cNvPr>
-              <p:cNvGraphicFramePr>
-                <a:graphicFrameLocks noChangeAspect="1"/>
-              </p:cNvGraphicFramePr>
-              <p:nvPr>
-                <p:extLst>
-                  <p:ext uri="{D42A27DB-BD31-4B8C-83A1-F6EECF244321}">
-                    <p14:modId xmlns:p14="http://schemas.microsoft.com/office/powerpoint/2010/main" val="1146202817"/>
-                  </p:ext>
-                </p:extLst>
-              </p:nvPr>
-            </p:nvGraphicFramePr>
-            <p:xfrm>
-              <a:off x="8410725" y="5470941"/>
-              <a:ext cx="495300" cy="469900"/>
-            </p:xfrm>
-            <a:graphic>
-              <a:graphicData uri="http://schemas.openxmlformats.org/presentationml/2006/ole">
-                <mc:AlternateContent xmlns:mc="http://schemas.openxmlformats.org/markup-compatibility/2006">
-                  <mc:Choice xmlns:v="urn:schemas-microsoft-com:vml" Requires="v">
-                    <p:oleObj name="Equation" r:id="rId5" imgW="495000" imgH="469800" progId="Equation.DSMT4">
-                      <p:embed/>
-                    </p:oleObj>
-                  </mc:Choice>
-                  <mc:Fallback>
-                    <p:oleObj name="Equation" r:id="rId5" imgW="495000" imgH="469800" progId="Equation.DSMT4">
-                      <p:embed/>
-                      <p:pic>
-                        <p:nvPicPr>
-                          <p:cNvPr id="49" name="개체 48">
-                            <a:extLst>
-                              <a:ext uri="{FF2B5EF4-FFF2-40B4-BE49-F238E27FC236}">
-                                <a16:creationId xmlns:a16="http://schemas.microsoft.com/office/drawing/2014/main" id="{B8039ED9-5BEB-8F4E-AF76-11E1E849F1BC}"/>
-                              </a:ext>
-                            </a:extLst>
-                          </p:cNvPr>
-                          <p:cNvPicPr/>
-                          <p:nvPr/>
-                        </p:nvPicPr>
-                        <p:blipFill>
-                          <a:blip r:embed="rId6"/>
-                          <a:stretch>
-                            <a:fillRect/>
-                          </a:stretch>
-                        </p:blipFill>
-                        <p:spPr>
-                          <a:xfrm>
-                            <a:off x="8410725" y="5470941"/>
-                            <a:ext cx="495300" cy="469900"/>
-                          </a:xfrm>
-                          <a:prstGeom prst="rect">
-                            <a:avLst/>
-                          </a:prstGeom>
-                        </p:spPr>
-                      </p:pic>
-                    </p:oleObj>
-                  </mc:Fallback>
-                </mc:AlternateContent>
-              </a:graphicData>
-            </a:graphic>
-          </p:graphicFrame>
-          <p:cxnSp>
-            <p:nvCxnSpPr>
-              <p:cNvPr id="52" name="직선 화살표 연결선 51">
-                <a:extLst>
-                  <a:ext uri="{FF2B5EF4-FFF2-40B4-BE49-F238E27FC236}">
-                    <a16:creationId xmlns:a16="http://schemas.microsoft.com/office/drawing/2014/main" id="{5BA12BD3-33CC-2978-33F0-63D91EE0C5E0}"/>
-                  </a:ext>
-                </a:extLst>
-              </p:cNvPr>
-              <p:cNvCxnSpPr>
-                <a:cxnSpLocks/>
-                <a:stCxn id="43" idx="6"/>
-                <a:endCxn id="7" idx="1"/>
-              </p:cNvCxnSpPr>
-              <p:nvPr/>
-            </p:nvCxnSpPr>
-            <p:spPr>
-              <a:xfrm>
-                <a:off x="3613378" y="3797840"/>
-                <a:ext cx="322762" cy="1"/>
-              </a:xfrm>
-              <a:prstGeom prst="straightConnector1">
-                <a:avLst/>
-              </a:prstGeom>
-              <a:ln>
-                <a:solidFill>
-                  <a:schemeClr val="tx1"/>
-                </a:solidFill>
-                <a:tailEnd type="triangle"/>
-              </a:ln>
-            </p:spPr>
-            <p:style>
-              <a:lnRef idx="2">
-                <a:schemeClr val="accent1"/>
-              </a:lnRef>
-              <a:fillRef idx="0">
-                <a:schemeClr val="accent1"/>
-              </a:fillRef>
-              <a:effectRef idx="1">
-                <a:schemeClr val="accent1"/>
-              </a:effectRef>
-              <a:fontRef idx="minor">
-                <a:schemeClr val="tx1"/>
-              </a:fontRef>
-            </p:style>
-          </p:cxnSp>
-          <p:graphicFrame>
-            <p:nvGraphicFramePr>
-              <p:cNvPr id="61" name="개체 60">
-                <a:extLst>
-                  <a:ext uri="{FF2B5EF4-FFF2-40B4-BE49-F238E27FC236}">
-                    <a16:creationId xmlns:a16="http://schemas.microsoft.com/office/drawing/2014/main" id="{53A83F78-45F2-F18C-1944-EE18F1E09DC6}"/>
-                  </a:ext>
-                </a:extLst>
-              </p:cNvPr>
-              <p:cNvGraphicFramePr>
-                <a:graphicFrameLocks noChangeAspect="1"/>
-              </p:cNvGraphicFramePr>
-              <p:nvPr/>
-            </p:nvGraphicFramePr>
-            <p:xfrm>
-              <a:off x="9434675" y="1429138"/>
-              <a:ext cx="2908300" cy="444500"/>
-            </p:xfrm>
-            <a:graphic>
-              <a:graphicData uri="http://schemas.openxmlformats.org/presentationml/2006/ole">
-                <mc:AlternateContent xmlns:mc="http://schemas.openxmlformats.org/markup-compatibility/2006">
-                  <mc:Choice xmlns:v="urn:schemas-microsoft-com:vml" Requires="v">
-                    <p:oleObj name="Equation" r:id="rId7" imgW="2908080" imgH="444240" progId="Equation.DSMT4">
-                      <p:embed/>
-                    </p:oleObj>
-                  </mc:Choice>
-                  <mc:Fallback>
-                    <p:oleObj name="Equation" r:id="rId7" imgW="2908080" imgH="444240" progId="Equation.DSMT4">
-                      <p:embed/>
-                      <p:pic>
-                        <p:nvPicPr>
-                          <p:cNvPr id="61" name="개체 60">
-                            <a:extLst>
-                              <a:ext uri="{FF2B5EF4-FFF2-40B4-BE49-F238E27FC236}">
-                                <a16:creationId xmlns:a16="http://schemas.microsoft.com/office/drawing/2014/main" id="{53A83F78-45F2-F18C-1944-EE18F1E09DC6}"/>
-                              </a:ext>
-                            </a:extLst>
-                          </p:cNvPr>
-                          <p:cNvPicPr/>
-                          <p:nvPr/>
-                        </p:nvPicPr>
-                        <p:blipFill>
-                          <a:blip r:embed="rId8"/>
-                          <a:stretch>
-                            <a:fillRect/>
-                          </a:stretch>
-                        </p:blipFill>
-                        <p:spPr>
-                          <a:xfrm>
-                            <a:off x="9434675" y="1429138"/>
-                            <a:ext cx="2908300" cy="444500"/>
-                          </a:xfrm>
-                          <a:prstGeom prst="rect">
-                            <a:avLst/>
-                          </a:prstGeom>
-                        </p:spPr>
-                      </p:pic>
-                    </p:oleObj>
-                  </mc:Fallback>
-                </mc:AlternateContent>
-              </a:graphicData>
-            </a:graphic>
-          </p:graphicFrame>
         </p:grpSp>
-        <p:pic>
-          <p:nvPicPr>
-            <p:cNvPr id="3" name="그림 2">
+        <p:cxnSp>
+          <p:nvCxnSpPr>
+            <p:cNvPr id="16" name="직선 화살표 연결선 15">
               <a:extLst>
                 <a:ext uri="{FF2B5EF4-FFF2-40B4-BE49-F238E27FC236}">
-                  <a16:creationId xmlns:a16="http://schemas.microsoft.com/office/drawing/2014/main" id="{DCE76281-6EEF-8F4E-AB42-F20FAA6897CF}"/>
-                </a:ext>
-              </a:extLst>
-            </p:cNvPr>
-            <p:cNvPicPr>
-              <a:picLocks noChangeAspect="1"/>
-            </p:cNvPicPr>
-            <p:nvPr/>
-          </p:nvPicPr>
-          <p:blipFill>
-            <a:blip r:embed="rId9"/>
-            <a:stretch>
-              <a:fillRect/>
-            </a:stretch>
-          </p:blipFill>
-          <p:spPr>
-            <a:xfrm>
-              <a:off x="348378" y="1952194"/>
-              <a:ext cx="1419423" cy="1467055"/>
-            </a:xfrm>
-            <a:prstGeom prst="rect">
-              <a:avLst/>
-            </a:prstGeom>
-          </p:spPr>
-        </p:pic>
-        <p:cxnSp>
-          <p:nvCxnSpPr>
-            <p:cNvPr id="19" name="직선 화살표 연결선 18">
-              <a:extLst>
-                <a:ext uri="{FF2B5EF4-FFF2-40B4-BE49-F238E27FC236}">
-                  <a16:creationId xmlns:a16="http://schemas.microsoft.com/office/drawing/2014/main" id="{72641E72-1338-50D5-9AE7-43462153FE85}"/>
+                  <a16:creationId xmlns:a16="http://schemas.microsoft.com/office/drawing/2014/main" id="{436992C3-C341-9602-74E4-354E40E6721A}"/>
                 </a:ext>
               </a:extLst>
             </p:cNvPr>
             <p:cNvCxnSpPr>
-              <a:cxnSpLocks/>
-              <a:stCxn id="2" idx="2"/>
-              <a:endCxn id="8" idx="0"/>
+              <a:stCxn id="10" idx="3"/>
+              <a:endCxn id="2" idx="1"/>
             </p:cNvCxnSpPr>
             <p:nvPr/>
           </p:nvCxnSpPr>
           <p:spPr>
-            <a:xfrm flipH="1">
-              <a:off x="9445855" y="5109119"/>
-              <a:ext cx="1" cy="492002"/>
+            <a:xfrm>
+              <a:off x="10870717" y="2638509"/>
+              <a:ext cx="754913" cy="0"/>
             </a:xfrm>
             <a:prstGeom prst="straightConnector1">
               <a:avLst/>
@@ -9423,10 +9114,52 @@
         </p:cxnSp>
         <p:sp>
           <p:nvSpPr>
-            <p:cNvPr id="28" name="사각형: 둥근 모서리 27">
+            <p:cNvPr id="55" name="TextBox 54">
               <a:extLst>
                 <a:ext uri="{FF2B5EF4-FFF2-40B4-BE49-F238E27FC236}">
-                  <a16:creationId xmlns:a16="http://schemas.microsoft.com/office/drawing/2014/main" id="{8B932A58-6465-7323-2CA9-750065801DD7}"/>
+                  <a16:creationId xmlns:a16="http://schemas.microsoft.com/office/drawing/2014/main" id="{4F032CBC-C402-6E9A-7D50-C82BCC4D5492}"/>
+                </a:ext>
+              </a:extLst>
+            </p:cNvPr>
+            <p:cNvSpPr txBox="1"/>
+            <p:nvPr/>
+          </p:nvSpPr>
+          <p:spPr>
+            <a:xfrm>
+              <a:off x="-129787" y="749462"/>
+              <a:ext cx="4831600" cy="707886"/>
+            </a:xfrm>
+            <a:prstGeom prst="rect">
+              <a:avLst/>
+            </a:prstGeom>
+            <a:noFill/>
+          </p:spPr>
+          <p:txBody>
+            <a:bodyPr wrap="square" rtlCol="0">
+              <a:spAutoFit/>
+            </a:bodyPr>
+            <a:lstStyle/>
+            <a:p>
+              <a:r>
+                <a:rPr lang="en-US" altLang="ko-KR" sz="4000" b="1" dirty="0">
+                  <a:latin typeface="Times New Roman" panose="02020603050405020304" pitchFamily="18" charset="0"/>
+                  <a:cs typeface="Times New Roman" panose="02020603050405020304" pitchFamily="18" charset="0"/>
+                </a:rPr>
+                <a:t>Real-Time Operation</a:t>
+              </a:r>
+              <a:endParaRPr lang="ko-KR" altLang="en-US" sz="4000" b="1" dirty="0">
+                <a:latin typeface="Times New Roman" panose="02020603050405020304" pitchFamily="18" charset="0"/>
+                <a:cs typeface="Times New Roman" panose="02020603050405020304" pitchFamily="18" charset="0"/>
+              </a:endParaRPr>
+            </a:p>
+          </p:txBody>
+        </p:sp>
+        <p:sp>
+          <p:nvSpPr>
+            <p:cNvPr id="57" name="화살표: 아래쪽 56">
+              <a:extLst>
+                <a:ext uri="{FF2B5EF4-FFF2-40B4-BE49-F238E27FC236}">
+                  <a16:creationId xmlns:a16="http://schemas.microsoft.com/office/drawing/2014/main" id="{49708A4A-7396-557C-350A-AE6F523DEFE8}"/>
                 </a:ext>
               </a:extLst>
             </p:cNvPr>
@@ -9435,8 +9168,54 @@
           </p:nvSpPr>
           <p:spPr>
             <a:xfrm>
-              <a:off x="5273526" y="5601542"/>
-              <a:ext cx="2273300" cy="1127125"/>
+              <a:off x="12555191" y="3443369"/>
+              <a:ext cx="914400" cy="516869"/>
+            </a:xfrm>
+            <a:prstGeom prst="downArrow">
+              <a:avLst/>
+            </a:prstGeom>
+          </p:spPr>
+          <p:style>
+            <a:lnRef idx="2">
+              <a:schemeClr val="accent1">
+                <a:shade val="15000"/>
+              </a:schemeClr>
+            </a:lnRef>
+            <a:fillRef idx="1">
+              <a:schemeClr val="accent1"/>
+            </a:fillRef>
+            <a:effectRef idx="0">
+              <a:schemeClr val="accent1"/>
+            </a:effectRef>
+            <a:fontRef idx="minor">
+              <a:schemeClr val="lt1"/>
+            </a:fontRef>
+          </p:style>
+          <p:txBody>
+            <a:bodyPr rtlCol="0" anchor="ctr"/>
+            <a:lstStyle/>
+            <a:p>
+              <a:pPr algn="ctr"/>
+              <a:endParaRPr lang="ko-KR" altLang="en-US"/>
+            </a:p>
+          </p:txBody>
+        </p:sp>
+        <p:sp>
+          <p:nvSpPr>
+            <p:cNvPr id="58" name="사각형: 둥근 모서리 57">
+              <a:extLst>
+                <a:ext uri="{FF2B5EF4-FFF2-40B4-BE49-F238E27FC236}">
+                  <a16:creationId xmlns:a16="http://schemas.microsoft.com/office/drawing/2014/main" id="{2F81D484-0320-F6D4-6721-AE4CE6D11306}"/>
+                </a:ext>
+              </a:extLst>
+            </p:cNvPr>
+            <p:cNvSpPr/>
+            <p:nvPr/>
+          </p:nvSpPr>
+          <p:spPr>
+            <a:xfrm>
+              <a:off x="3918033" y="4112096"/>
+              <a:ext cx="2273300" cy="1329921"/>
             </a:xfrm>
             <a:prstGeom prst="roundRect">
               <a:avLst/>
@@ -9477,75 +9256,7 @@
                   <a:latin typeface="Times New Roman" panose="02020603050405020304" pitchFamily="18" charset="0"/>
                   <a:cs typeface="Times New Roman" panose="02020603050405020304" pitchFamily="18" charset="0"/>
                 </a:rPr>
-                <a:t>Torque Distribution</a:t>
-              </a:r>
-              <a:endParaRPr lang="ko-KR" altLang="en-US" sz="2800" dirty="0">
-                <a:solidFill>
-                  <a:schemeClr val="tx1"/>
-                </a:solidFill>
-                <a:latin typeface="Times New Roman" panose="02020603050405020304" pitchFamily="18" charset="0"/>
-                <a:cs typeface="Times New Roman" panose="02020603050405020304" pitchFamily="18" charset="0"/>
-              </a:endParaRPr>
-            </a:p>
-          </p:txBody>
-        </p:sp>
-        <p:sp>
-          <p:nvSpPr>
-            <p:cNvPr id="29" name="사각형: 둥근 모서리 28">
-              <a:extLst>
-                <a:ext uri="{FF2B5EF4-FFF2-40B4-BE49-F238E27FC236}">
-                  <a16:creationId xmlns:a16="http://schemas.microsoft.com/office/drawing/2014/main" id="{91F1F702-6B57-5AD3-72D2-CACB5216259E}"/>
-                </a:ext>
-              </a:extLst>
-            </p:cNvPr>
-            <p:cNvSpPr/>
-            <p:nvPr/>
-          </p:nvSpPr>
-          <p:spPr>
-            <a:xfrm>
-              <a:off x="2075645" y="5601121"/>
-              <a:ext cx="2273300" cy="1127125"/>
-            </a:xfrm>
-            <a:prstGeom prst="roundRect">
-              <a:avLst/>
-            </a:prstGeom>
-            <a:noFill/>
-            <a:ln>
-              <a:solidFill>
-                <a:schemeClr val="tx1"/>
-              </a:solidFill>
-            </a:ln>
-          </p:spPr>
-          <p:style>
-            <a:lnRef idx="2">
-              <a:schemeClr val="accent1">
-                <a:shade val="15000"/>
-              </a:schemeClr>
-            </a:lnRef>
-            <a:fillRef idx="1">
-              <a:schemeClr val="accent1"/>
-            </a:fillRef>
-            <a:effectRef idx="0">
-              <a:schemeClr val="accent1"/>
-            </a:effectRef>
-            <a:fontRef idx="minor">
-              <a:schemeClr val="lt1"/>
-            </a:fontRef>
-          </p:style>
-          <p:txBody>
-            <a:bodyPr rtlCol="0" anchor="ctr"/>
-            <a:lstStyle/>
-            <a:p>
-              <a:pPr algn="ctr"/>
-              <a:r>
-                <a:rPr lang="en-US" altLang="ko-KR" sz="2800" dirty="0">
-                  <a:solidFill>
-                    <a:schemeClr val="tx1"/>
-                  </a:solidFill>
-                  <a:latin typeface="Times New Roman" panose="02020603050405020304" pitchFamily="18" charset="0"/>
-                  <a:cs typeface="Times New Roman" panose="02020603050405020304" pitchFamily="18" charset="0"/>
-                </a:rPr>
-                <a:t>Motor</a:t>
+                <a:t>Motors</a:t>
               </a:r>
               <a:endParaRPr lang="ko-KR" altLang="en-US" sz="2800" dirty="0">
                 <a:solidFill>
@@ -9559,70 +9270,24 @@
         </p:sp>
         <p:cxnSp>
           <p:nvCxnSpPr>
-            <p:cNvPr id="32" name="직선 화살표 연결선 31">
+            <p:cNvPr id="59" name="직선 화살표 연결선 58">
               <a:extLst>
                 <a:ext uri="{FF2B5EF4-FFF2-40B4-BE49-F238E27FC236}">
-                  <a16:creationId xmlns:a16="http://schemas.microsoft.com/office/drawing/2014/main" id="{7EBFD542-F700-6E37-6281-FDC9597C8E61}"/>
-                </a:ext>
-              </a:extLst>
-            </p:cNvPr>
-            <p:cNvCxnSpPr>
-              <a:cxnSpLocks/>
-              <a:stCxn id="8" idx="1"/>
-              <a:endCxn id="28" idx="3"/>
-            </p:cNvCxnSpPr>
-            <p:nvPr/>
-          </p:nvCxnSpPr>
-          <p:spPr>
-            <a:xfrm flipH="1">
-              <a:off x="7546826" y="6164684"/>
-              <a:ext cx="762379" cy="421"/>
-            </a:xfrm>
-            <a:prstGeom prst="straightConnector1">
-              <a:avLst/>
-            </a:prstGeom>
-            <a:ln>
-              <a:solidFill>
-                <a:schemeClr val="tx1"/>
-              </a:solidFill>
-              <a:tailEnd type="triangle"/>
-            </a:ln>
-          </p:spPr>
-          <p:style>
-            <a:lnRef idx="2">
-              <a:schemeClr val="accent1"/>
-            </a:lnRef>
-            <a:fillRef idx="0">
-              <a:schemeClr val="accent1"/>
-            </a:fillRef>
-            <a:effectRef idx="1">
-              <a:schemeClr val="accent1"/>
-            </a:effectRef>
-            <a:fontRef idx="minor">
-              <a:schemeClr val="tx1"/>
-            </a:fontRef>
-          </p:style>
-        </p:cxnSp>
-        <p:cxnSp>
-          <p:nvCxnSpPr>
-            <p:cNvPr id="35" name="직선 화살표 연결선 34">
-              <a:extLst>
-                <a:ext uri="{FF2B5EF4-FFF2-40B4-BE49-F238E27FC236}">
-                  <a16:creationId xmlns:a16="http://schemas.microsoft.com/office/drawing/2014/main" id="{B1116988-4B6E-3B7B-9C90-DF3B8889D061}"/>
+                  <a16:creationId xmlns:a16="http://schemas.microsoft.com/office/drawing/2014/main" id="{AEC0BD17-B7D7-79CC-BCF3-1C055D1F9D59}"/>
                 </a:ext>
               </a:extLst>
             </p:cNvPr>
             <p:cNvCxnSpPr>
               <a:cxnSpLocks/>
               <a:stCxn id="28" idx="1"/>
-              <a:endCxn id="29" idx="3"/>
+              <a:endCxn id="58" idx="3"/>
             </p:cNvCxnSpPr>
             <p:nvPr/>
           </p:nvCxnSpPr>
           <p:spPr>
             <a:xfrm flipH="1" flipV="1">
-              <a:off x="4348945" y="6164684"/>
-              <a:ext cx="924581" cy="421"/>
+              <a:off x="6191333" y="4777057"/>
+              <a:ext cx="1867759" cy="9958"/>
             </a:xfrm>
             <a:prstGeom prst="straightConnector1">
               <a:avLst/>
@@ -9694,7 +9359,7 @@
         </p:nvGrpSpPr>
         <p:grpSpPr>
           <a:xfrm>
-            <a:off x="1946822" y="273050"/>
+            <a:off x="3951043" y="273050"/>
             <a:ext cx="8560969" cy="6311900"/>
             <a:chOff x="1946822" y="273050"/>
             <a:chExt cx="8560969" cy="6311900"/>
@@ -10175,7 +9840,7 @@
 <file path=ppt/theme/theme1.xml><?xml version="1.0" encoding="utf-8"?>
 <a:theme xmlns:a="http://schemas.openxmlformats.org/drawingml/2006/main" name="Office 테마">
   <a:themeElements>
-    <a:clrScheme name="Office">
+    <a:clrScheme name="Office 테마">
       <a:dk1>
         <a:sysClr val="windowText" lastClr="000000"/>
       </a:dk1>
@@ -10213,9 +9878,9 @@
         <a:srgbClr val="96607D"/>
       </a:folHlink>
     </a:clrScheme>
-    <a:fontScheme name="Office">
+    <a:fontScheme name="Office 테마">
       <a:majorFont>
-        <a:latin typeface="맑은 고딕" panose="02110004020202020204"/>
+        <a:latin typeface="Aptos Display" panose="02110004020202020204"/>
         <a:ea typeface=""/>
         <a:cs typeface=""/>
         <a:font script="Jpan" typeface="游ゴシック Light"/>
@@ -10267,7 +9932,7 @@
         <a:font script="Tfng" typeface="Ebrima"/>
       </a:majorFont>
       <a:minorFont>
-        <a:latin typeface="맑은 고딕" panose="02110004020202020204"/>
+        <a:latin typeface="Aptos" panose="02110004020202020204"/>
         <a:ea typeface=""/>
         <a:cs typeface=""/>
         <a:font script="Jpan" typeface="游ゴシック"/>
@@ -10319,7 +9984,7 @@
         <a:font script="Tfng" typeface="Ebrima"/>
       </a:minorFont>
     </a:fontScheme>
-    <a:fmtScheme name="Office">
+    <a:fmtScheme name="Office 테마">
       <a:fillStyleLst>
         <a:solidFill>
           <a:schemeClr val="phClr"/>
